--- a/lectures/2023_GNET749_Lecture5_QC_Viz.pptx
+++ b/lectures/2023_GNET749_Lecture5_QC_Viz.pptx
@@ -5,28 +5,36 @@
     <p:sldMasterId id="2147483648" r:id="rId1"/>
   </p:sldMasterIdLst>
   <p:notesMasterIdLst>
-    <p:notesMasterId r:id="rId21"/>
+    <p:notesMasterId r:id="rId29"/>
   </p:notesMasterIdLst>
   <p:sldIdLst>
     <p:sldId id="256" r:id="rId2"/>
     <p:sldId id="298" r:id="rId3"/>
-    <p:sldId id="299" r:id="rId4"/>
-    <p:sldId id="300" r:id="rId5"/>
-    <p:sldId id="301" r:id="rId6"/>
-    <p:sldId id="302" r:id="rId7"/>
-    <p:sldId id="303" r:id="rId8"/>
-    <p:sldId id="304" r:id="rId9"/>
-    <p:sldId id="305" r:id="rId10"/>
-    <p:sldId id="306" r:id="rId11"/>
-    <p:sldId id="307" r:id="rId12"/>
-    <p:sldId id="309" r:id="rId13"/>
-    <p:sldId id="310" r:id="rId14"/>
-    <p:sldId id="311" r:id="rId15"/>
-    <p:sldId id="312" r:id="rId16"/>
-    <p:sldId id="313" r:id="rId17"/>
-    <p:sldId id="314" r:id="rId18"/>
-    <p:sldId id="315" r:id="rId19"/>
-    <p:sldId id="316" r:id="rId20"/>
+    <p:sldId id="284" r:id="rId4"/>
+    <p:sldId id="317" r:id="rId5"/>
+    <p:sldId id="299" r:id="rId6"/>
+    <p:sldId id="300" r:id="rId7"/>
+    <p:sldId id="301" r:id="rId8"/>
+    <p:sldId id="303" r:id="rId9"/>
+    <p:sldId id="302" r:id="rId10"/>
+    <p:sldId id="304" r:id="rId11"/>
+    <p:sldId id="305" r:id="rId12"/>
+    <p:sldId id="306" r:id="rId13"/>
+    <p:sldId id="318" r:id="rId14"/>
+    <p:sldId id="319" r:id="rId15"/>
+    <p:sldId id="320" r:id="rId16"/>
+    <p:sldId id="321" r:id="rId17"/>
+    <p:sldId id="322" r:id="rId18"/>
+    <p:sldId id="307" r:id="rId19"/>
+    <p:sldId id="309" r:id="rId20"/>
+    <p:sldId id="310" r:id="rId21"/>
+    <p:sldId id="311" r:id="rId22"/>
+    <p:sldId id="312" r:id="rId23"/>
+    <p:sldId id="313" r:id="rId24"/>
+    <p:sldId id="314" r:id="rId25"/>
+    <p:sldId id="315" r:id="rId26"/>
+    <p:sldId id="316" r:id="rId27"/>
+    <p:sldId id="323" r:id="rId28"/>
   </p:sldIdLst>
   <p:sldSz cx="12192000" cy="6858000"/>
   <p:notesSz cx="6858000" cy="9144000"/>
@@ -125,6 +133,11 @@
       </a:defRPr>
     </a:lvl9pPr>
   </p:defaultTextStyle>
+  <p:extLst>
+    <p:ext uri="{EFAFB233-063F-42B5-8137-9DF3F51BA10A}">
+      <p15:sldGuideLst xmlns:p15="http://schemas.microsoft.com/office/powerpoint/2012/main"/>
+    </p:ext>
+  </p:extLst>
 </p:presentation>
 </file>
 
@@ -210,7 +223,7 @@
           <a:p>
             <a:fld id="{4C49AA33-E3F2-9D4A-B3A5-2510B36AAF26}" type="datetimeFigureOut">
               <a:rPr lang="en-US" smtClean="0"/>
-              <a:t>4/21/23</a:t>
+              <a:t>4/23/23</a:t>
             </a:fld>
             <a:endParaRPr lang="en-US"/>
           </a:p>
@@ -496,7 +509,7 @@
       </p:grpSpPr>
       <p:sp>
         <p:nvSpPr>
-          <p:cNvPr id="551" name="Shape 551"/>
+          <p:cNvPr id="350" name="Shape 350"/>
           <p:cNvSpPr>
             <a:spLocks noGrp="1" noRot="1" noChangeAspect="1"/>
           </p:cNvSpPr>
@@ -519,7 +532,7 @@
       </p:sp>
       <p:sp>
         <p:nvSpPr>
-          <p:cNvPr id="552" name="Shape 552"/>
+          <p:cNvPr id="351" name="Shape 351"/>
           <p:cNvSpPr>
             <a:spLocks noGrp="1"/>
           </p:cNvSpPr>
@@ -537,12 +550,7 @@
           <a:lstStyle/>
           <a:p>
             <a:r>
-              <a:t>Trrying to evaluate if there are any imbalances in the data or groups we should take note of. </a:t>
-            </a:r>
-          </a:p>
-          <a:p>
-            <a:r>
-              <a:t>On the right side is the non-normalized raw count data (this will be the input do DESEq analysis next time). The left side is normalized data where we’ve taking the count matrix back out of the DESeq object and normalized it using the sizefactors DESeq estmiates. </a:t>
+              <a:t>So now that we have our data into a DESeq object we can do either of these two paths, and we need to do both. I’m going use the time we have left to show some visualization/quality control things about our data. </a:t>
             </a:r>
           </a:p>
           <a:p>
@@ -550,7 +558,7 @@
           </a:p>
           <a:p>
             <a:r>
-              <a:t>This is probably not the best way to do this, and DESeq includes two better approaches rlog and vst which are useful when you want to do clustering or anything related to distances between samples. </a:t>
+              <a:t>Next time we’ll do the differenetial expression side, work through that code and talk about what DESeq is actually doing</a:t>
             </a:r>
           </a:p>
         </p:txBody>
@@ -582,6 +590,102 @@
       </p:grpSpPr>
       <p:sp>
         <p:nvSpPr>
+          <p:cNvPr id="640" name="Shape 640"/>
+          <p:cNvSpPr>
+            <a:spLocks noGrp="1" noRot="1" noChangeAspect="1"/>
+          </p:cNvSpPr>
+          <p:nvPr>
+            <p:ph type="sldImg"/>
+          </p:nvPr>
+        </p:nvSpPr>
+        <p:spPr>
+          <a:prstGeom prst="rect">
+            <a:avLst/>
+          </a:prstGeom>
+        </p:spPr>
+        <p:txBody>
+          <a:bodyPr/>
+          <a:lstStyle/>
+          <a:p>
+            <a:endParaRPr/>
+          </a:p>
+        </p:txBody>
+      </p:sp>
+      <p:sp>
+        <p:nvSpPr>
+          <p:cNvPr id="641" name="Shape 641"/>
+          <p:cNvSpPr>
+            <a:spLocks noGrp="1"/>
+          </p:cNvSpPr>
+          <p:nvPr>
+            <p:ph type="body" sz="quarter" idx="1"/>
+          </p:nvPr>
+        </p:nvSpPr>
+        <p:spPr>
+          <a:prstGeom prst="rect">
+            <a:avLst/>
+          </a:prstGeom>
+        </p:spPr>
+        <p:txBody>
+          <a:bodyPr/>
+          <a:lstStyle/>
+          <a:p>
+            <a:r>
+              <a:t>center = T subtracts the column mean from each value</a:t>
+            </a:r>
+          </a:p>
+          <a:p>
+            <a:r>
+              <a:t>scale = T divides these values by the standard deviation of the column</a:t>
+            </a:r>
+          </a:p>
+          <a:p>
+            <a:r>
+              <a:t>This gives you a z-score of the expression in that row. </a:t>
+            </a:r>
+          </a:p>
+          <a:p>
+            <a:r>
+              <a:t>We transpose the original matrix since scale operates on columns, then transpose again to return to the original dimensions</a:t>
+            </a:r>
+          </a:p>
+          <a:p>
+            <a:endParaRPr/>
+          </a:p>
+          <a:p>
+            <a:r>
+              <a:t>NOw this behaves much better and our samples cluster. Even the problem child 12832, which because we put all these values on the same scales (z-scores) a few genes with very high counts in that sample don’t drag it away.</a:t>
+            </a:r>
+          </a:p>
+        </p:txBody>
+      </p:sp>
+    </p:spTree>
+  </p:cSld>
+  <p:clrMapOvr>
+    <a:masterClrMapping/>
+  </p:clrMapOvr>
+</p:notes>
+</file>
+
+<file path=ppt/notesSlides/notesSlide11.xml><?xml version="1.0" encoding="utf-8"?>
+<p:notes xmlns:a="http://schemas.openxmlformats.org/drawingml/2006/main" xmlns:r="http://schemas.openxmlformats.org/officeDocument/2006/relationships" xmlns:p="http://schemas.openxmlformats.org/presentationml/2006/main">
+  <p:cSld>
+    <p:spTree>
+      <p:nvGrpSpPr>
+        <p:cNvPr id="1" name=""/>
+        <p:cNvGrpSpPr/>
+        <p:nvPr/>
+      </p:nvGrpSpPr>
+      <p:grpSpPr>
+        <a:xfrm>
+          <a:off x="0" y="0"/>
+          <a:ext cx="0" cy="0"/>
+          <a:chOff x="0" y="0"/>
+          <a:chExt cx="0" cy="0"/>
+        </a:xfrm>
+      </p:grpSpPr>
+      <p:sp>
+        <p:nvSpPr>
           <p:cNvPr id="646" name="Shape 646"/>
           <p:cNvSpPr>
             <a:spLocks noGrp="1" noRot="1" noChangeAspect="1"/>
@@ -663,7 +767,7 @@
       </p:grpSpPr>
       <p:sp>
         <p:nvSpPr>
-          <p:cNvPr id="562" name="Shape 562"/>
+          <p:cNvPr id="551" name="Shape 551"/>
           <p:cNvSpPr>
             <a:spLocks noGrp="1" noRot="1" noChangeAspect="1"/>
           </p:cNvSpPr>
@@ -686,7 +790,7 @@
       </p:sp>
       <p:sp>
         <p:nvSpPr>
-          <p:cNvPr id="563" name="Shape 563"/>
+          <p:cNvPr id="552" name="Shape 552"/>
           <p:cNvSpPr>
             <a:spLocks noGrp="1"/>
           </p:cNvSpPr>
@@ -704,7 +808,12 @@
           <a:lstStyle/>
           <a:p>
             <a:r>
-              <a:t>One problem we are trying to solve with normalization approaches is correting for library size - the other major problem is that the variance of a gene depends on its mean. I took these plots from the DESEq2 manual at the bottom. </a:t>
+              <a:t>Trrying to evaluate if there are any imbalances in the data or groups we should take note of. </a:t>
+            </a:r>
+          </a:p>
+          <a:p>
+            <a:r>
+              <a:t>On the right side is the non-normalized raw count data (this will be the input do DESEq analysis next time). The left side is normalized data where we’ve taking the count matrix back out of the DESeq object and normalized it using the sizefactors DESeq estmiates. </a:t>
             </a:r>
           </a:p>
           <a:p>
@@ -712,24 +821,7 @@
           </a:p>
           <a:p>
             <a:r>
-              <a:t> bThis means that low expressed genes have high standard deviations of expresion. Ideally you’d want to have constant variation across expression range. The first plot is just the log2 value of the counts. You can see low expressed genes have higher standard deviations.</a:t>
-            </a:r>
-          </a:p>
-          <a:p>
-            <a:endParaRPr/>
-          </a:p>
-          <a:p>
-            <a:r>
-              <a:t>VST fixes this and you get relatively constant sd across the expression range</a:t>
-            </a:r>
-          </a:p>
-          <a:p>
-            <a:r>
-              <a:t>Rlog also flattens this in the low end, but possibly a bit too much. </a:t>
-            </a:r>
-            <a:br/>
-            <a:r>
-              <a:t>I think both vst and rlog are likely appropriate for most analyes, but vst is a little faster.</a:t>
+              <a:t>This is probably not the best way to do this, and DESeq includes two better approaches rlog and vst which are useful when you want to do clustering or anything related to distances between samples. </a:t>
             </a:r>
           </a:p>
         </p:txBody>
@@ -761,7 +853,7 @@
       </p:grpSpPr>
       <p:sp>
         <p:nvSpPr>
-          <p:cNvPr id="568" name="Shape 568"/>
+          <p:cNvPr id="562" name="Shape 562"/>
           <p:cNvSpPr>
             <a:spLocks noGrp="1" noRot="1" noChangeAspect="1"/>
           </p:cNvSpPr>
@@ -784,7 +876,7 @@
       </p:sp>
       <p:sp>
         <p:nvSpPr>
-          <p:cNvPr id="569" name="Shape 569"/>
+          <p:cNvPr id="563" name="Shape 563"/>
           <p:cNvSpPr>
             <a:spLocks noGrp="1"/>
           </p:cNvSpPr>
@@ -802,7 +894,7 @@
           <a:lstStyle/>
           <a:p>
             <a:r>
-              <a:t>These functions are described well int he DESeq documentation, both do roughly equivalent things, vst is faster and is the one I usually use. </a:t>
+              <a:t>One problem we are trying to solve with normalization approaches is correting for library size - the other major problem is that the variance of a gene depends on its mean. I took these plots from the DESEq2 manual at the bottom. </a:t>
             </a:r>
           </a:p>
           <a:p>
@@ -810,12 +902,24 @@
           </a:p>
           <a:p>
             <a:r>
-              <a:t>Walk through code - </a:t>
-            </a:r>
-          </a:p>
-          <a:p>
-            <a:r>
-              <a:t>SO you can see for both vst and rlog the normalzied data look relatively simialr and there are not obvious gorup differences remaining after this transformation. That doesn’t mean there are no biases or batch effects, but nothing very obvious jumps out to me here. </a:t>
+              <a:t> bThis means that low expressed genes have high standard deviations of expresion. Ideally you’d want to have constant variation across expression range. The first plot is just the log2 value of the counts. You can see low expressed genes have higher standard deviations.</a:t>
+            </a:r>
+          </a:p>
+          <a:p>
+            <a:endParaRPr/>
+          </a:p>
+          <a:p>
+            <a:r>
+              <a:t>VST fixes this and you get relatively constant sd across the expression range</a:t>
+            </a:r>
+          </a:p>
+          <a:p>
+            <a:r>
+              <a:t>Rlog also flattens this in the low end, but possibly a bit too much. </a:t>
+            </a:r>
+            <a:br/>
+            <a:r>
+              <a:t>I think both vst and rlog are likely appropriate for most analyes, but vst is a little faster.</a:t>
             </a:r>
           </a:p>
         </p:txBody>
@@ -949,7 +1053,7 @@
       </p:grpSpPr>
       <p:sp>
         <p:nvSpPr>
-          <p:cNvPr id="596" name="Shape 596"/>
+          <p:cNvPr id="568" name="Shape 568"/>
           <p:cNvSpPr>
             <a:spLocks noGrp="1" noRot="1" noChangeAspect="1"/>
           </p:cNvSpPr>
@@ -972,7 +1076,7 @@
       </p:sp>
       <p:sp>
         <p:nvSpPr>
-          <p:cNvPr id="597" name="Shape 597"/>
+          <p:cNvPr id="569" name="Shape 569"/>
           <p:cNvSpPr>
             <a:spLocks noGrp="1"/>
           </p:cNvSpPr>
@@ -990,7 +1094,20 @@
           <a:lstStyle/>
           <a:p>
             <a:r>
-              <a:t>What you’re looking for hear is that samples cluster based on replciates. Pretty clearly we aren’t getting very good cluster separeation. Next time we’ll look for hidden batch effects to see if that can improve clustering - and then move on to DE analysis. </a:t>
+              <a:t>These functions are described well int he DESeq documentation, both do roughly equivalent things, vst is faster and is the one I usually use. </a:t>
+            </a:r>
+          </a:p>
+          <a:p>
+            <a:endParaRPr/>
+          </a:p>
+          <a:p>
+            <a:r>
+              <a:t>Walk through code - </a:t>
+            </a:r>
+          </a:p>
+          <a:p>
+            <a:r>
+              <a:t>SO you can see for both vst and rlog the normalzied data look relatively simialr and there are not obvious gorup differences remaining after this transformation. That doesn’t mean there are no biases or batch effects, but nothing very obvious jumps out to me here. </a:t>
             </a:r>
           </a:p>
         </p:txBody>
@@ -1022,7 +1139,7 @@
       </p:grpSpPr>
       <p:sp>
         <p:nvSpPr>
-          <p:cNvPr id="605" name="Shape 605"/>
+          <p:cNvPr id="596" name="Shape 596"/>
           <p:cNvSpPr>
             <a:spLocks noGrp="1" noRot="1" noChangeAspect="1"/>
           </p:cNvSpPr>
@@ -1045,7 +1162,7 @@
       </p:sp>
       <p:sp>
         <p:nvSpPr>
-          <p:cNvPr id="606" name="Shape 606"/>
+          <p:cNvPr id="597" name="Shape 597"/>
           <p:cNvSpPr>
             <a:spLocks noGrp="1"/>
           </p:cNvSpPr>
@@ -1063,15 +1180,7 @@
           <a:lstStyle/>
           <a:p>
             <a:r>
-              <a:t>some of these are just by chance - you can sort of look at th edistrubtion and assume at least ~800 of them are, but there could be a few hundred p-values that really are  - we use an correction for multiple testing to find these. </a:t>
-            </a:r>
-          </a:p>
-          <a:p>
-            <a:endParaRPr/>
-          </a:p>
-          <a:p>
-            <a:r>
-              <a:t>Default here is false discovery rate (benjami hochberg) -or the proportion of false discoveries - so with an FDR of 0.1, we expect ~10% of the rejected null hypothesis to be an error, and to actually be just due to chance. </a:t>
+              <a:t>What you’re looking for hear is that samples cluster based on replciates. Pretty clearly we aren’t getting very good cluster separeation. Next time we’ll look for hidden batch effects to see if that can improve clustering - and then move on to DE analysis. </a:t>
             </a:r>
           </a:p>
         </p:txBody>
@@ -1103,7 +1212,7 @@
       </p:grpSpPr>
       <p:sp>
         <p:nvSpPr>
-          <p:cNvPr id="611" name="Shape 611"/>
+          <p:cNvPr id="605" name="Shape 605"/>
           <p:cNvSpPr>
             <a:spLocks noGrp="1" noRot="1" noChangeAspect="1"/>
           </p:cNvSpPr>
@@ -1126,7 +1235,7 @@
       </p:sp>
       <p:sp>
         <p:nvSpPr>
-          <p:cNvPr id="612" name="Shape 612"/>
+          <p:cNvPr id="606" name="Shape 606"/>
           <p:cNvSpPr>
             <a:spLocks noGrp="1"/>
           </p:cNvSpPr>
@@ -1144,7 +1253,15 @@
           <a:lstStyle/>
           <a:p>
             <a:r>
-              <a:t>basic plot shows few genes with pretty strong log fold changes are significant . BUt you can see some odd banding and stuff in the data. This is inpart becuase the genes with low counts can have very high (but pretty unreliabile ) fold changes</a:t>
+              <a:t>some of these are just by chance - you can sort of look at th edistrubtion and assume at least ~800 of them are, but there could be a few hundred p-values that really are  - we use an correction for multiple testing to find these. </a:t>
+            </a:r>
+          </a:p>
+          <a:p>
+            <a:endParaRPr/>
+          </a:p>
+          <a:p>
+            <a:r>
+              <a:t>Default here is false discovery rate (benjami hochberg) -or the proportion of false discoveries - so with an FDR of 0.1, we expect ~10% of the rejected null hypothesis to be an error, and to actually be just due to chance. </a:t>
             </a:r>
           </a:p>
         </p:txBody>
@@ -1176,7 +1293,7 @@
       </p:grpSpPr>
       <p:sp>
         <p:nvSpPr>
-          <p:cNvPr id="634" name="Shape 634"/>
+          <p:cNvPr id="611" name="Shape 611"/>
           <p:cNvSpPr>
             <a:spLocks noGrp="1" noRot="1" noChangeAspect="1"/>
           </p:cNvSpPr>
@@ -1199,7 +1316,7 @@
       </p:sp>
       <p:sp>
         <p:nvSpPr>
-          <p:cNvPr id="635" name="Shape 635"/>
+          <p:cNvPr id="612" name="Shape 612"/>
           <p:cNvSpPr>
             <a:spLocks noGrp="1"/>
           </p:cNvSpPr>
@@ -1217,12 +1334,7 @@
           <a:lstStyle/>
           <a:p>
             <a:r>
-              <a:t>Important to go back to your original count data transformed somehow to do these plots</a:t>
-            </a:r>
-          </a:p>
-          <a:p>
-            <a:r>
-              <a:t>Like last time, we can see that the count data varies a lot so this is really just dominated by the total counts. Usually we want to scale this by row, so that we can see difference between groups. Also notice that one sample GM12832 is sort of off doing its own thing, which is in line with what we saw the other day. </a:t>
+              <a:t>basic plot shows few genes with pretty strong log fold changes are significant . BUt you can see some odd banding and stuff in the data. This is inpart becuase the genes with low counts can have very high (but pretty unreliabile ) fold changes</a:t>
             </a:r>
           </a:p>
         </p:txBody>
@@ -1254,7 +1366,7 @@
       </p:grpSpPr>
       <p:sp>
         <p:nvSpPr>
-          <p:cNvPr id="640" name="Shape 640"/>
+          <p:cNvPr id="634" name="Shape 634"/>
           <p:cNvSpPr>
             <a:spLocks noGrp="1" noRot="1" noChangeAspect="1"/>
           </p:cNvSpPr>
@@ -1277,7 +1389,7 @@
       </p:sp>
       <p:sp>
         <p:nvSpPr>
-          <p:cNvPr id="641" name="Shape 641"/>
+          <p:cNvPr id="635" name="Shape 635"/>
           <p:cNvSpPr>
             <a:spLocks noGrp="1"/>
           </p:cNvSpPr>
@@ -1295,30 +1407,12 @@
           <a:lstStyle/>
           <a:p>
             <a:r>
-              <a:t>center = T subtracts the column mean from each value</a:t>
-            </a:r>
-          </a:p>
-          <a:p>
-            <a:r>
-              <a:t>scale = T divides these values by the standard deviation of the column</a:t>
-            </a:r>
-          </a:p>
-          <a:p>
-            <a:r>
-              <a:t>This gives you a z-score of the expression in that row. </a:t>
-            </a:r>
-          </a:p>
-          <a:p>
-            <a:r>
-              <a:t>We transpose the original matrix since scale operates on columns, then transpose again to return to the original dimensions</a:t>
-            </a:r>
-          </a:p>
-          <a:p>
-            <a:endParaRPr/>
-          </a:p>
-          <a:p>
-            <a:r>
-              <a:t>NOw this behaves much better and our samples cluster. Even the problem child 12832, which because we put all these values on the same scales (z-scores) a few genes with very high counts in that sample don’t drag it away.</a:t>
+              <a:t>Important to go back to your original count data transformed somehow to do these plots</a:t>
+            </a:r>
+          </a:p>
+          <a:p>
+            <a:r>
+              <a:t>Like last time, we can see that the count data varies a lot so this is really just dominated by the total counts. Usually we want to scale this by row, so that we can see difference between groups. Also notice that one sample GM12832 is sort of off doing its own thing, which is in line with what we saw the other day. </a:t>
             </a:r>
           </a:p>
         </p:txBody>
@@ -1478,7 +1572,7 @@
           <a:p>
             <a:fld id="{FF102734-B34A-E94E-ABD2-2FB833C92BAE}" type="datetimeFigureOut">
               <a:rPr lang="en-US" smtClean="0"/>
-              <a:t>4/21/23</a:t>
+              <a:t>4/23/23</a:t>
             </a:fld>
             <a:endParaRPr lang="en-US"/>
           </a:p>
@@ -1676,7 +1770,7 @@
           <a:p>
             <a:fld id="{FF102734-B34A-E94E-ABD2-2FB833C92BAE}" type="datetimeFigureOut">
               <a:rPr lang="en-US" smtClean="0"/>
-              <a:t>4/21/23</a:t>
+              <a:t>4/23/23</a:t>
             </a:fld>
             <a:endParaRPr lang="en-US"/>
           </a:p>
@@ -1884,7 +1978,7 @@
           <a:p>
             <a:fld id="{FF102734-B34A-E94E-ABD2-2FB833C92BAE}" type="datetimeFigureOut">
               <a:rPr lang="en-US" smtClean="0"/>
-              <a:t>4/21/23</a:t>
+              <a:t>4/23/23</a:t>
             </a:fld>
             <a:endParaRPr lang="en-US"/>
           </a:p>
@@ -2082,7 +2176,7 @@
           <a:p>
             <a:fld id="{FF102734-B34A-E94E-ABD2-2FB833C92BAE}" type="datetimeFigureOut">
               <a:rPr lang="en-US" smtClean="0"/>
-              <a:t>4/21/23</a:t>
+              <a:t>4/23/23</a:t>
             </a:fld>
             <a:endParaRPr lang="en-US"/>
           </a:p>
@@ -2357,7 +2451,7 @@
           <a:p>
             <a:fld id="{FF102734-B34A-E94E-ABD2-2FB833C92BAE}" type="datetimeFigureOut">
               <a:rPr lang="en-US" smtClean="0"/>
-              <a:t>4/21/23</a:t>
+              <a:t>4/23/23</a:t>
             </a:fld>
             <a:endParaRPr lang="en-US"/>
           </a:p>
@@ -2622,7 +2716,7 @@
           <a:p>
             <a:fld id="{FF102734-B34A-E94E-ABD2-2FB833C92BAE}" type="datetimeFigureOut">
               <a:rPr lang="en-US" smtClean="0"/>
-              <a:t>4/21/23</a:t>
+              <a:t>4/23/23</a:t>
             </a:fld>
             <a:endParaRPr lang="en-US"/>
           </a:p>
@@ -3034,7 +3128,7 @@
           <a:p>
             <a:fld id="{FF102734-B34A-E94E-ABD2-2FB833C92BAE}" type="datetimeFigureOut">
               <a:rPr lang="en-US" smtClean="0"/>
-              <a:t>4/21/23</a:t>
+              <a:t>4/23/23</a:t>
             </a:fld>
             <a:endParaRPr lang="en-US"/>
           </a:p>
@@ -3175,7 +3269,7 @@
           <a:p>
             <a:fld id="{FF102734-B34A-E94E-ABD2-2FB833C92BAE}" type="datetimeFigureOut">
               <a:rPr lang="en-US" smtClean="0"/>
-              <a:t>4/21/23</a:t>
+              <a:t>4/23/23</a:t>
             </a:fld>
             <a:endParaRPr lang="en-US"/>
           </a:p>
@@ -3288,7 +3382,7 @@
           <a:p>
             <a:fld id="{FF102734-B34A-E94E-ABD2-2FB833C92BAE}" type="datetimeFigureOut">
               <a:rPr lang="en-US" smtClean="0"/>
-              <a:t>4/21/23</a:t>
+              <a:t>4/23/23</a:t>
             </a:fld>
             <a:endParaRPr lang="en-US"/>
           </a:p>
@@ -3599,7 +3693,7 @@
           <a:p>
             <a:fld id="{FF102734-B34A-E94E-ABD2-2FB833C92BAE}" type="datetimeFigureOut">
               <a:rPr lang="en-US" smtClean="0"/>
-              <a:t>4/21/23</a:t>
+              <a:t>4/23/23</a:t>
             </a:fld>
             <a:endParaRPr lang="en-US"/>
           </a:p>
@@ -3887,7 +3981,7 @@
           <a:p>
             <a:fld id="{FF102734-B34A-E94E-ABD2-2FB833C92BAE}" type="datetimeFigureOut">
               <a:rPr lang="en-US" smtClean="0"/>
-              <a:t>4/21/23</a:t>
+              <a:t>4/23/23</a:t>
             </a:fld>
             <a:endParaRPr lang="en-US"/>
           </a:p>
@@ -4128,7 +4222,7 @@
           <a:p>
             <a:fld id="{FF102734-B34A-E94E-ABD2-2FB833C92BAE}" type="datetimeFigureOut">
               <a:rPr lang="en-US" smtClean="0"/>
-              <a:t>4/21/23</a:t>
+              <a:t>4/23/23</a:t>
             </a:fld>
             <a:endParaRPr lang="en-US"/>
           </a:p>
@@ -4567,13 +4661,10 @@
           <a:lstStyle/>
           <a:p>
             <a:r>
-              <a:rPr lang="en-US" dirty="0" err="1"/>
-              <a:t>RNAseq</a:t>
-            </a:r>
-            <a:r>
-              <a:rPr lang="en-US" dirty="0"/>
-              <a:t> Quality Control and Visualization</a:t>
-            </a:r>
+              <a:rPr lang="en-US"/>
+              <a:t>RNAseq Quality Control and Visualization</a:t>
+            </a:r>
+            <a:endParaRPr lang="en-US" dirty="0"/>
           </a:p>
         </p:txBody>
       </p:sp>
@@ -4599,9 +4690,10 @@
           <a:lstStyle/>
           <a:p>
             <a:r>
-              <a:rPr lang="en-US" dirty="0"/>
+              <a:rPr lang="en-US"/>
               <a:t>Class 5</a:t>
             </a:r>
+            <a:endParaRPr lang="en-US" dirty="0"/>
           </a:p>
         </p:txBody>
       </p:sp>
@@ -4637,14 +4729,14 @@
       </p:grpSpPr>
       <p:sp>
         <p:nvSpPr>
-          <p:cNvPr id="593" name="Sample Clustering"/>
+          <p:cNvPr id="583" name="blind = T"/>
           <p:cNvSpPr txBox="1"/>
           <p:nvPr/>
         </p:nvSpPr>
         <p:spPr>
           <a:xfrm>
-            <a:off x="4422842" y="172392"/>
-            <a:ext cx="2342757" cy="420628"/>
+            <a:off x="5392966" y="1637186"/>
+            <a:ext cx="453650" cy="189796"/>
           </a:xfrm>
           <a:prstGeom prst="rect">
             <a:avLst/>
@@ -4654,7 +4746,7 @@
           </a:ln>
           <a:extLst>
             <a:ext uri="{C572A759-6A51-4108-AA02-DFA0A04FC94B}">
-              <ma14:wrappingTextBoxFlag xmlns:ma14="http://schemas.microsoft.com/office/mac/drawingml/2011/main" xmlns:a14="http://schemas.microsoft.com/office/drawing/2010/main" xmlns:m="http://schemas.openxmlformats.org/officeDocument/2006/math" xmlns="" val="1"/>
+              <ma14:wrappingTextBoxFlag xmlns="" xmlns:m="http://schemas.openxmlformats.org/officeDocument/2006/math" xmlns:a14="http://schemas.microsoft.com/office/drawing/2010/main" xmlns:ma14="http://schemas.microsoft.com/office/mac/drawingml/2011/main" val="1"/>
             </a:ext>
           </a:extLst>
         </p:spPr>
@@ -4662,22 +4754,45 @@
           <a:bodyPr wrap="none" lIns="25400" tIns="25400" rIns="25400" bIns="25400" anchor="ctr">
             <a:spAutoFit/>
           </a:bodyPr>
-          <a:lstStyle>
-            <a:lvl1pPr>
-              <a:defRPr sz="4800" b="1"/>
-            </a:lvl1pPr>
-          </a:lstStyle>
-          <a:p>
-            <a:r>
-              <a:rPr sz="2400"/>
-              <a:t>Sample Clustering</a:t>
+          <a:lstStyle/>
+          <a:p>
+            <a:r>
+              <a:rPr sz="900"/>
+              <a:t>blind = T</a:t>
             </a:r>
           </a:p>
         </p:txBody>
       </p:sp>
       <p:pic>
         <p:nvPicPr>
-          <p:cNvPr id="594" name="Image" descr="Image"/>
+          <p:cNvPr id="584" name="Image" descr="Image"/>
+          <p:cNvPicPr>
+            <a:picLocks noChangeAspect="1"/>
+          </p:cNvPicPr>
+          <p:nvPr/>
+        </p:nvPicPr>
+        <p:blipFill>
+          <a:blip r:embed="rId2"/>
+          <a:stretch>
+            <a:fillRect/>
+          </a:stretch>
+        </p:blipFill>
+        <p:spPr>
+          <a:xfrm>
+            <a:off x="3071990" y="1872789"/>
+            <a:ext cx="5295901" cy="3867151"/>
+          </a:xfrm>
+          <a:prstGeom prst="rect">
+            <a:avLst/>
+          </a:prstGeom>
+          <a:ln w="12700">
+            <a:miter lim="400000"/>
+          </a:ln>
+        </p:spPr>
+      </p:pic>
+      <p:pic>
+        <p:nvPicPr>
+          <p:cNvPr id="585" name="Image" descr="Image"/>
           <p:cNvPicPr>
             <a:picLocks noChangeAspect="1"/>
           </p:cNvPicPr>
@@ -4691,35 +4806,8 @@
         </p:blipFill>
         <p:spPr>
           <a:xfrm>
-            <a:off x="5686023" y="2734456"/>
-            <a:ext cx="5481086" cy="3379062"/>
-          </a:xfrm>
-          <a:prstGeom prst="rect">
-            <a:avLst/>
-          </a:prstGeom>
-          <a:ln w="12700">
-            <a:miter lim="400000"/>
-          </a:ln>
-        </p:spPr>
-      </p:pic>
-      <p:pic>
-        <p:nvPicPr>
-          <p:cNvPr id="595" name="Image" descr="Image"/>
-          <p:cNvPicPr>
-            <a:picLocks noChangeAspect="1"/>
-          </p:cNvPicPr>
-          <p:nvPr/>
-        </p:nvPicPr>
-        <p:blipFill>
-          <a:blip r:embed="rId4"/>
-          <a:stretch>
-            <a:fillRect/>
-          </a:stretch>
-        </p:blipFill>
-        <p:spPr>
-          <a:xfrm>
-            <a:off x="805893" y="1485091"/>
-            <a:ext cx="6690834" cy="662567"/>
+            <a:off x="3077984" y="358157"/>
+            <a:ext cx="6036032" cy="876199"/>
           </a:xfrm>
           <a:prstGeom prst="rect">
             <a:avLst/>
@@ -4738,7 +4826,7 @@
 </file>
 
 <file path=ppt/slides/slide11.xml><?xml version="1.0" encoding="utf-8"?>
-<p:sld xmlns:a="http://schemas.openxmlformats.org/drawingml/2006/main" xmlns:r="http://schemas.openxmlformats.org/officeDocument/2006/relationships" xmlns:p="http://schemas.openxmlformats.org/presentationml/2006/main">
+<p:sld xmlns:a="http://schemas.openxmlformats.org/drawingml/2006/main" xmlns:r="http://schemas.openxmlformats.org/officeDocument/2006/relationships" xmlns:p="http://schemas.openxmlformats.org/presentationml/2006/main" show="0">
   <p:cSld>
     <p:spTree>
       <p:nvGrpSpPr>
@@ -4756,14 +4844,14 @@
       </p:grpSpPr>
       <p:sp>
         <p:nvSpPr>
-          <p:cNvPr id="599" name="R code for QC"/>
+          <p:cNvPr id="587" name="blind = T"/>
           <p:cNvSpPr txBox="1"/>
           <p:nvPr/>
         </p:nvSpPr>
         <p:spPr>
           <a:xfrm>
-            <a:off x="5085207" y="3218686"/>
-            <a:ext cx="1757469" cy="420628"/>
+            <a:off x="2789196" y="1617100"/>
+            <a:ext cx="453650" cy="189796"/>
           </a:xfrm>
           <a:prstGeom prst="rect">
             <a:avLst/>
@@ -4773,7 +4861,7 @@
           </a:ln>
           <a:extLst>
             <a:ext uri="{C572A759-6A51-4108-AA02-DFA0A04FC94B}">
-              <ma14:wrappingTextBoxFlag xmlns:ma14="http://schemas.microsoft.com/office/mac/drawingml/2011/main" xmlns:a14="http://schemas.microsoft.com/office/drawing/2010/main" xmlns:m="http://schemas.openxmlformats.org/officeDocument/2006/math" xmlns="" val="1"/>
+              <ma14:wrappingTextBoxFlag xmlns="" xmlns:m="http://schemas.openxmlformats.org/officeDocument/2006/math" xmlns:a14="http://schemas.microsoft.com/office/drawing/2010/main" xmlns:ma14="http://schemas.microsoft.com/office/mac/drawingml/2011/main" val="1"/>
             </a:ext>
           </a:extLst>
         </p:spPr>
@@ -4781,19 +4869,132 @@
           <a:bodyPr wrap="none" lIns="25400" tIns="25400" rIns="25400" bIns="25400" anchor="ctr">
             <a:spAutoFit/>
           </a:bodyPr>
-          <a:lstStyle>
-            <a:lvl1pPr>
-              <a:defRPr sz="4800"/>
-            </a:lvl1pPr>
-          </a:lstStyle>
-          <a:p>
-            <a:r>
-              <a:rPr sz="2400"/>
-              <a:t>R code for QC</a:t>
-            </a:r>
-          </a:p>
-        </p:txBody>
-      </p:sp>
+          <a:lstStyle/>
+          <a:p>
+            <a:r>
+              <a:rPr sz="900"/>
+              <a:t>blind = T</a:t>
+            </a:r>
+          </a:p>
+        </p:txBody>
+      </p:sp>
+      <p:pic>
+        <p:nvPicPr>
+          <p:cNvPr id="588" name="Image" descr="Image"/>
+          <p:cNvPicPr>
+            <a:picLocks noChangeAspect="1"/>
+          </p:cNvPicPr>
+          <p:nvPr/>
+        </p:nvPicPr>
+        <p:blipFill>
+          <a:blip r:embed="rId2"/>
+          <a:stretch>
+            <a:fillRect/>
+          </a:stretch>
+        </p:blipFill>
+        <p:spPr>
+          <a:xfrm>
+            <a:off x="711924" y="1772361"/>
+            <a:ext cx="5295901" cy="3867151"/>
+          </a:xfrm>
+          <a:prstGeom prst="rect">
+            <a:avLst/>
+          </a:prstGeom>
+          <a:ln w="12700">
+            <a:miter lim="400000"/>
+          </a:ln>
+        </p:spPr>
+      </p:pic>
+      <p:pic>
+        <p:nvPicPr>
+          <p:cNvPr id="589" name="Image" descr="Image"/>
+          <p:cNvPicPr>
+            <a:picLocks noChangeAspect="1"/>
+          </p:cNvPicPr>
+          <p:nvPr/>
+        </p:nvPicPr>
+        <p:blipFill>
+          <a:blip r:embed="rId3"/>
+          <a:stretch>
+            <a:fillRect/>
+          </a:stretch>
+        </p:blipFill>
+        <p:spPr>
+          <a:xfrm>
+            <a:off x="6352170" y="1731086"/>
+            <a:ext cx="5264151" cy="3949701"/>
+          </a:xfrm>
+          <a:prstGeom prst="rect">
+            <a:avLst/>
+          </a:prstGeom>
+          <a:ln w="12700">
+            <a:miter lim="400000"/>
+          </a:ln>
+        </p:spPr>
+      </p:pic>
+      <p:sp>
+        <p:nvSpPr>
+          <p:cNvPr id="590" name="blind = F"/>
+          <p:cNvSpPr txBox="1"/>
+          <p:nvPr/>
+        </p:nvSpPr>
+        <p:spPr>
+          <a:xfrm>
+            <a:off x="8214174" y="1617100"/>
+            <a:ext cx="450444" cy="189796"/>
+          </a:xfrm>
+          <a:prstGeom prst="rect">
+            <a:avLst/>
+          </a:prstGeom>
+          <a:ln w="12700">
+            <a:miter lim="400000"/>
+          </a:ln>
+          <a:extLst>
+            <a:ext uri="{C572A759-6A51-4108-AA02-DFA0A04FC94B}">
+              <ma14:wrappingTextBoxFlag xmlns="" xmlns:m="http://schemas.openxmlformats.org/officeDocument/2006/math" xmlns:a14="http://schemas.microsoft.com/office/drawing/2010/main" xmlns:ma14="http://schemas.microsoft.com/office/mac/drawingml/2011/main" val="1"/>
+            </a:ext>
+          </a:extLst>
+        </p:spPr>
+        <p:txBody>
+          <a:bodyPr wrap="none" lIns="25400" tIns="25400" rIns="25400" bIns="25400" anchor="ctr">
+            <a:spAutoFit/>
+          </a:bodyPr>
+          <a:lstStyle/>
+          <a:p>
+            <a:r>
+              <a:rPr sz="900"/>
+              <a:t>blind = F</a:t>
+            </a:r>
+          </a:p>
+        </p:txBody>
+      </p:sp>
+      <p:pic>
+        <p:nvPicPr>
+          <p:cNvPr id="591" name="Image" descr="Image"/>
+          <p:cNvPicPr>
+            <a:picLocks noChangeAspect="1"/>
+          </p:cNvPicPr>
+          <p:nvPr/>
+        </p:nvPicPr>
+        <p:blipFill>
+          <a:blip r:embed="rId4"/>
+          <a:stretch>
+            <a:fillRect/>
+          </a:stretch>
+        </p:blipFill>
+        <p:spPr>
+          <a:xfrm>
+            <a:off x="3077984" y="358157"/>
+            <a:ext cx="6036032" cy="876199"/>
+          </a:xfrm>
+          <a:prstGeom prst="rect">
+            <a:avLst/>
+          </a:prstGeom>
+          <a:ln w="12700">
+            <a:miter lim="400000"/>
+          </a:ln>
+        </p:spPr>
+      </p:pic>
     </p:spTree>
   </p:cSld>
   <p:clrMapOvr>
@@ -4821,14 +5022,14 @@
       </p:grpSpPr>
       <p:sp>
         <p:nvSpPr>
-          <p:cNvPr id="603" name="P-values"/>
+          <p:cNvPr id="593" name="Sample Clustering"/>
           <p:cNvSpPr txBox="1"/>
           <p:nvPr/>
         </p:nvSpPr>
         <p:spPr>
           <a:xfrm>
-            <a:off x="5438013" y="149605"/>
-            <a:ext cx="1113446" cy="420628"/>
+            <a:off x="4422842" y="172392"/>
+            <a:ext cx="2342757" cy="420628"/>
           </a:xfrm>
           <a:prstGeom prst="rect">
             <a:avLst/>
@@ -4838,7 +5039,7 @@
           </a:ln>
           <a:extLst>
             <a:ext uri="{C572A759-6A51-4108-AA02-DFA0A04FC94B}">
-              <ma14:wrappingTextBoxFlag xmlns:ma14="http://schemas.microsoft.com/office/mac/drawingml/2011/main" xmlns:a14="http://schemas.microsoft.com/office/drawing/2010/main" xmlns:m="http://schemas.openxmlformats.org/officeDocument/2006/math" xmlns="" val="1"/>
+              <ma14:wrappingTextBoxFlag xmlns="" xmlns:m="http://schemas.openxmlformats.org/officeDocument/2006/math" xmlns:a14="http://schemas.microsoft.com/office/drawing/2010/main" xmlns:ma14="http://schemas.microsoft.com/office/mac/drawingml/2011/main" val="1"/>
             </a:ext>
           </a:extLst>
         </p:spPr>
@@ -4854,14 +5055,14 @@
           <a:p>
             <a:r>
               <a:rPr sz="2400"/>
-              <a:t>P-values</a:t>
+              <a:t>Sample Clustering</a:t>
             </a:r>
           </a:p>
         </p:txBody>
       </p:sp>
       <p:pic>
         <p:nvPicPr>
-          <p:cNvPr id="604" name="Image" descr="Image"/>
+          <p:cNvPr id="594" name="Image" descr="Image"/>
           <p:cNvPicPr>
             <a:picLocks noChangeAspect="1"/>
           </p:cNvPicPr>
@@ -4875,8 +5076,35 @@
         </p:blipFill>
         <p:spPr>
           <a:xfrm>
-            <a:off x="2702154" y="1230170"/>
-            <a:ext cx="6787692" cy="4397660"/>
+            <a:off x="5686023" y="2734456"/>
+            <a:ext cx="5481086" cy="3379062"/>
+          </a:xfrm>
+          <a:prstGeom prst="rect">
+            <a:avLst/>
+          </a:prstGeom>
+          <a:ln w="12700">
+            <a:miter lim="400000"/>
+          </a:ln>
+        </p:spPr>
+      </p:pic>
+      <p:pic>
+        <p:nvPicPr>
+          <p:cNvPr id="595" name="Image" descr="Image"/>
+          <p:cNvPicPr>
+            <a:picLocks noChangeAspect="1"/>
+          </p:cNvPicPr>
+          <p:nvPr/>
+        </p:nvPicPr>
+        <p:blipFill>
+          <a:blip r:embed="rId4"/>
+          <a:stretch>
+            <a:fillRect/>
+          </a:stretch>
+        </p:blipFill>
+        <p:spPr>
+          <a:xfrm>
+            <a:off x="805893" y="1485091"/>
+            <a:ext cx="6690834" cy="662567"/>
           </a:xfrm>
           <a:prstGeom prst="rect">
             <a:avLst/>
@@ -4913,47 +5141,78 @@
       </p:grpSpPr>
       <p:sp>
         <p:nvSpPr>
-          <p:cNvPr id="608" name="Basic plotting and visualizing of results"/>
+          <p:cNvPr id="2" name="TextBox 1">
+            <a:extLst>
+              <a:ext uri="{FF2B5EF4-FFF2-40B4-BE49-F238E27FC236}">
+                <a16:creationId xmlns:a16="http://schemas.microsoft.com/office/drawing/2014/main" id="{6AFDB676-51CB-7870-73DB-06AFDB5FCB3A}"/>
+              </a:ext>
+            </a:extLst>
+          </p:cNvPr>
           <p:cNvSpPr txBox="1"/>
           <p:nvPr/>
         </p:nvSpPr>
         <p:spPr>
           <a:xfrm>
-            <a:off x="3154313" y="337961"/>
-            <a:ext cx="4973477" cy="420628"/>
-          </a:xfrm>
-          <a:prstGeom prst="rect">
-            <a:avLst/>
-          </a:prstGeom>
-          <a:ln w="12700">
-            <a:miter lim="400000"/>
-          </a:ln>
-          <a:extLst>
-            <a:ext uri="{C572A759-6A51-4108-AA02-DFA0A04FC94B}">
-              <ma14:wrappingTextBoxFlag xmlns:ma14="http://schemas.microsoft.com/office/mac/drawingml/2011/main" xmlns:a14="http://schemas.microsoft.com/office/drawing/2010/main" xmlns:m="http://schemas.openxmlformats.org/officeDocument/2006/math" xmlns="" val="1"/>
-            </a:ext>
-          </a:extLst>
-        </p:spPr>
-        <p:txBody>
-          <a:bodyPr wrap="none" lIns="25400" tIns="25400" rIns="25400" bIns="25400" anchor="ctr">
+            <a:off x="5081286" y="312516"/>
+            <a:ext cx="6643868" cy="369332"/>
+          </a:xfrm>
+          <a:prstGeom prst="rect">
+            <a:avLst/>
+          </a:prstGeom>
+          <a:noFill/>
+        </p:spPr>
+        <p:txBody>
+          <a:bodyPr wrap="square" rtlCol="0">
             <a:spAutoFit/>
           </a:bodyPr>
-          <a:lstStyle>
-            <a:lvl1pPr>
-              <a:defRPr sz="4800" b="1"/>
-            </a:lvl1pPr>
-          </a:lstStyle>
-          <a:p>
-            <a:r>
-              <a:rPr sz="2400"/>
-              <a:t>Basic plotting and visualizing of results</a:t>
+          <a:lstStyle/>
+          <a:p>
+            <a:r>
+              <a:rPr lang="en-US" dirty="0"/>
+              <a:t>QC examples</a:t>
             </a:r>
           </a:p>
         </p:txBody>
       </p:sp>
       <p:pic>
         <p:nvPicPr>
-          <p:cNvPr id="609" name="Image" descr="Image"/>
+          <p:cNvPr id="3" name="Picture 2">
+            <a:extLst>
+              <a:ext uri="{FF2B5EF4-FFF2-40B4-BE49-F238E27FC236}">
+                <a16:creationId xmlns:a16="http://schemas.microsoft.com/office/drawing/2014/main" id="{4B319C5B-3B77-3B6F-A859-5FEE2A0ABC80}"/>
+              </a:ext>
+            </a:extLst>
+          </p:cNvPr>
+          <p:cNvPicPr>
+            <a:picLocks noChangeAspect="1"/>
+          </p:cNvPicPr>
+          <p:nvPr/>
+        </p:nvPicPr>
+        <p:blipFill>
+          <a:blip r:embed="rId2"/>
+          <a:stretch>
+            <a:fillRect/>
+          </a:stretch>
+        </p:blipFill>
+        <p:spPr>
+          <a:xfrm>
+            <a:off x="5929352" y="1623044"/>
+            <a:ext cx="5691630" cy="3377220"/>
+          </a:xfrm>
+          <a:prstGeom prst="rect">
+            <a:avLst/>
+          </a:prstGeom>
+        </p:spPr>
+      </p:pic>
+      <p:pic>
+        <p:nvPicPr>
+          <p:cNvPr id="5" name="Picture 4">
+            <a:extLst>
+              <a:ext uri="{FF2B5EF4-FFF2-40B4-BE49-F238E27FC236}">
+                <a16:creationId xmlns:a16="http://schemas.microsoft.com/office/drawing/2014/main" id="{0C4F4592-B190-74C4-8502-687D32F7027F}"/>
+              </a:ext>
+            </a:extLst>
+          </p:cNvPr>
           <p:cNvPicPr>
             <a:picLocks noChangeAspect="1"/>
           </p:cNvPicPr>
@@ -4967,20 +5226,23 @@
         </p:blipFill>
         <p:spPr>
           <a:xfrm>
-            <a:off x="2313452" y="1102438"/>
-            <a:ext cx="7721157" cy="1592958"/>
-          </a:xfrm>
-          <a:prstGeom prst="rect">
-            <a:avLst/>
-          </a:prstGeom>
-          <a:ln w="12700">
-            <a:miter lim="400000"/>
-          </a:ln>
+            <a:off x="791500" y="1602788"/>
+            <a:ext cx="3340100" cy="317500"/>
+          </a:xfrm>
+          <a:prstGeom prst="rect">
+            <a:avLst/>
+          </a:prstGeom>
         </p:spPr>
       </p:pic>
       <p:pic>
         <p:nvPicPr>
-          <p:cNvPr id="610" name="Image" descr="Image"/>
+          <p:cNvPr id="7" name="Picture 6">
+            <a:extLst>
+              <a:ext uri="{FF2B5EF4-FFF2-40B4-BE49-F238E27FC236}">
+                <a16:creationId xmlns:a16="http://schemas.microsoft.com/office/drawing/2014/main" id="{5C62B1D6-71E1-3CF1-8D3C-25FE50F092C8}"/>
+              </a:ext>
+            </a:extLst>
+          </p:cNvPr>
           <p:cNvPicPr>
             <a:picLocks noChangeAspect="1"/>
           </p:cNvPicPr>
@@ -4994,18 +5256,80 @@
         </p:blipFill>
         <p:spPr>
           <a:xfrm>
-            <a:off x="2685462" y="2800675"/>
-            <a:ext cx="6466526" cy="3496494"/>
-          </a:xfrm>
-          <a:prstGeom prst="rect">
-            <a:avLst/>
-          </a:prstGeom>
-          <a:ln w="12700">
-            <a:miter lim="400000"/>
-          </a:ln>
+            <a:off x="785150" y="2108682"/>
+            <a:ext cx="1676400" cy="279400"/>
+          </a:xfrm>
+          <a:prstGeom prst="rect">
+            <a:avLst/>
+          </a:prstGeom>
+        </p:spPr>
+      </p:pic>
+      <p:pic>
+        <p:nvPicPr>
+          <p:cNvPr id="8" name="Picture 7">
+            <a:extLst>
+              <a:ext uri="{FF2B5EF4-FFF2-40B4-BE49-F238E27FC236}">
+                <a16:creationId xmlns:a16="http://schemas.microsoft.com/office/drawing/2014/main" id="{3C332056-536D-DF76-BFCD-1453F117333E}"/>
+              </a:ext>
+            </a:extLst>
+          </p:cNvPr>
+          <p:cNvPicPr>
+            <a:picLocks noChangeAspect="1"/>
+          </p:cNvPicPr>
+          <p:nvPr/>
+        </p:nvPicPr>
+        <p:blipFill>
+          <a:blip r:embed="rId5"/>
+          <a:stretch>
+            <a:fillRect/>
+          </a:stretch>
+        </p:blipFill>
+        <p:spPr>
+          <a:xfrm>
+            <a:off x="791500" y="2576476"/>
+            <a:ext cx="1892300" cy="495300"/>
+          </a:xfrm>
+          <a:prstGeom prst="rect">
+            <a:avLst/>
+          </a:prstGeom>
+        </p:spPr>
+      </p:pic>
+      <p:pic>
+        <p:nvPicPr>
+          <p:cNvPr id="9" name="Picture 8">
+            <a:extLst>
+              <a:ext uri="{FF2B5EF4-FFF2-40B4-BE49-F238E27FC236}">
+                <a16:creationId xmlns:a16="http://schemas.microsoft.com/office/drawing/2014/main" id="{2833D899-CAB8-6EBC-B8BC-88398F044B50}"/>
+              </a:ext>
+            </a:extLst>
+          </p:cNvPr>
+          <p:cNvPicPr>
+            <a:picLocks noChangeAspect="1"/>
+          </p:cNvPicPr>
+          <p:nvPr/>
+        </p:nvPicPr>
+        <p:blipFill>
+          <a:blip r:embed="rId6"/>
+          <a:stretch>
+            <a:fillRect/>
+          </a:stretch>
+        </p:blipFill>
+        <p:spPr>
+          <a:xfrm>
+            <a:off x="681972" y="3418341"/>
+            <a:ext cx="5085335" cy="403751"/>
+          </a:xfrm>
+          <a:prstGeom prst="rect">
+            <a:avLst/>
+          </a:prstGeom>
         </p:spPr>
       </p:pic>
     </p:spTree>
+    <p:extLst>
+      <p:ext uri="{BB962C8B-B14F-4D97-AF65-F5344CB8AC3E}">
+        <p14:creationId xmlns:p14="http://schemas.microsoft.com/office/powerpoint/2010/main" val="3922823554"/>
+      </p:ext>
+    </p:extLst>
   </p:cSld>
   <p:clrMapOvr>
     <a:masterClrMapping/>
@@ -5030,9 +5354,50 @@
           <a:chExt cx="0" cy="0"/>
         </a:xfrm>
       </p:grpSpPr>
+      <p:sp>
+        <p:nvSpPr>
+          <p:cNvPr id="2" name="TextBox 1">
+            <a:extLst>
+              <a:ext uri="{FF2B5EF4-FFF2-40B4-BE49-F238E27FC236}">
+                <a16:creationId xmlns:a16="http://schemas.microsoft.com/office/drawing/2014/main" id="{6AFDB676-51CB-7870-73DB-06AFDB5FCB3A}"/>
+              </a:ext>
+            </a:extLst>
+          </p:cNvPr>
+          <p:cNvSpPr txBox="1"/>
+          <p:nvPr/>
+        </p:nvSpPr>
+        <p:spPr>
+          <a:xfrm>
+            <a:off x="5081286" y="312516"/>
+            <a:ext cx="6643868" cy="369332"/>
+          </a:xfrm>
+          <a:prstGeom prst="rect">
+            <a:avLst/>
+          </a:prstGeom>
+          <a:noFill/>
+        </p:spPr>
+        <p:txBody>
+          <a:bodyPr wrap="square" rtlCol="0">
+            <a:spAutoFit/>
+          </a:bodyPr>
+          <a:lstStyle/>
+          <a:p>
+            <a:r>
+              <a:rPr lang="en-US" dirty="0"/>
+              <a:t>QC examples</a:t>
+            </a:r>
+          </a:p>
+        </p:txBody>
+      </p:sp>
       <p:pic>
         <p:nvPicPr>
-          <p:cNvPr id="614" name="Image" descr="Image"/>
+          <p:cNvPr id="3" name="Picture 2">
+            <a:extLst>
+              <a:ext uri="{FF2B5EF4-FFF2-40B4-BE49-F238E27FC236}">
+                <a16:creationId xmlns:a16="http://schemas.microsoft.com/office/drawing/2014/main" id="{4B319C5B-3B77-3B6F-A859-5FEE2A0ABC80}"/>
+              </a:ext>
+            </a:extLst>
+          </p:cNvPr>
           <p:cNvPicPr>
             <a:picLocks noChangeAspect="1"/>
           </p:cNvPicPr>
@@ -5046,60 +5411,23 @@
         </p:blipFill>
         <p:spPr>
           <a:xfrm>
-            <a:off x="6971615" y="1540727"/>
-            <a:ext cx="4076701" cy="3200401"/>
-          </a:xfrm>
-          <a:prstGeom prst="rect">
-            <a:avLst/>
-          </a:prstGeom>
-          <a:ln w="12700">
-            <a:miter lim="400000"/>
-          </a:ln>
+            <a:off x="5929352" y="1623044"/>
+            <a:ext cx="5691630" cy="3377220"/>
+          </a:xfrm>
+          <a:prstGeom prst="rect">
+            <a:avLst/>
+          </a:prstGeom>
         </p:spPr>
       </p:pic>
-      <p:sp>
-        <p:nvSpPr>
-          <p:cNvPr id="615" name="Basic plotting and visualizing of results"/>
-          <p:cNvSpPr txBox="1"/>
-          <p:nvPr/>
-        </p:nvSpPr>
-        <p:spPr>
-          <a:xfrm>
-            <a:off x="3154313" y="337961"/>
-            <a:ext cx="4973477" cy="420628"/>
-          </a:xfrm>
-          <a:prstGeom prst="rect">
-            <a:avLst/>
-          </a:prstGeom>
-          <a:ln w="12700">
-            <a:miter lim="400000"/>
-          </a:ln>
-          <a:extLst>
-            <a:ext uri="{C572A759-6A51-4108-AA02-DFA0A04FC94B}">
-              <ma14:wrappingTextBoxFlag xmlns:ma14="http://schemas.microsoft.com/office/mac/drawingml/2011/main" xmlns:a14="http://schemas.microsoft.com/office/drawing/2010/main" xmlns:m="http://schemas.openxmlformats.org/officeDocument/2006/math" xmlns="" val="1"/>
-            </a:ext>
-          </a:extLst>
-        </p:spPr>
-        <p:txBody>
-          <a:bodyPr wrap="none" lIns="25400" tIns="25400" rIns="25400" bIns="25400" anchor="ctr">
-            <a:spAutoFit/>
-          </a:bodyPr>
-          <a:lstStyle>
-            <a:lvl1pPr>
-              <a:defRPr sz="4800" b="1"/>
-            </a:lvl1pPr>
-          </a:lstStyle>
-          <a:p>
-            <a:r>
-              <a:rPr sz="2400"/>
-              <a:t>Basic plotting and visualizing of results</a:t>
-            </a:r>
-          </a:p>
-        </p:txBody>
-      </p:sp>
       <p:pic>
         <p:nvPicPr>
-          <p:cNvPr id="616" name="Image" descr="Image"/>
+          <p:cNvPr id="5" name="Picture 4">
+            <a:extLst>
+              <a:ext uri="{FF2B5EF4-FFF2-40B4-BE49-F238E27FC236}">
+                <a16:creationId xmlns:a16="http://schemas.microsoft.com/office/drawing/2014/main" id="{0C4F4592-B190-74C4-8502-687D32F7027F}"/>
+              </a:ext>
+            </a:extLst>
+          </p:cNvPr>
           <p:cNvPicPr>
             <a:picLocks noChangeAspect="1"/>
           </p:cNvPicPr>
@@ -5113,98 +5441,149 @@
         </p:blipFill>
         <p:spPr>
           <a:xfrm>
-            <a:off x="702193" y="1898435"/>
-            <a:ext cx="5661352" cy="3061131"/>
-          </a:xfrm>
-          <a:prstGeom prst="rect">
-            <a:avLst/>
-          </a:prstGeom>
-          <a:ln w="12700">
-            <a:miter lim="400000"/>
-          </a:ln>
+            <a:off x="791500" y="1602788"/>
+            <a:ext cx="3340100" cy="317500"/>
+          </a:xfrm>
+          <a:prstGeom prst="rect">
+            <a:avLst/>
+          </a:prstGeom>
         </p:spPr>
       </p:pic>
-      <p:sp>
-        <p:nvSpPr>
-          <p:cNvPr id="617" name="Initial"/>
+      <p:pic>
+        <p:nvPicPr>
+          <p:cNvPr id="7" name="Picture 6">
+            <a:extLst>
+              <a:ext uri="{FF2B5EF4-FFF2-40B4-BE49-F238E27FC236}">
+                <a16:creationId xmlns:a16="http://schemas.microsoft.com/office/drawing/2014/main" id="{5C62B1D6-71E1-3CF1-8D3C-25FE50F092C8}"/>
+              </a:ext>
+            </a:extLst>
+          </p:cNvPr>
+          <p:cNvPicPr>
+            <a:picLocks noChangeAspect="1"/>
+          </p:cNvPicPr>
+          <p:nvPr/>
+        </p:nvPicPr>
+        <p:blipFill>
+          <a:blip r:embed="rId4"/>
+          <a:stretch>
+            <a:fillRect/>
+          </a:stretch>
+        </p:blipFill>
+        <p:spPr>
+          <a:xfrm>
+            <a:off x="785150" y="2108682"/>
+            <a:ext cx="1676400" cy="279400"/>
+          </a:xfrm>
+          <a:prstGeom prst="rect">
+            <a:avLst/>
+          </a:prstGeom>
+        </p:spPr>
+      </p:pic>
+      <p:pic>
+        <p:nvPicPr>
+          <p:cNvPr id="8" name="Picture 7">
+            <a:extLst>
+              <a:ext uri="{FF2B5EF4-FFF2-40B4-BE49-F238E27FC236}">
+                <a16:creationId xmlns:a16="http://schemas.microsoft.com/office/drawing/2014/main" id="{3C332056-536D-DF76-BFCD-1453F117333E}"/>
+              </a:ext>
+            </a:extLst>
+          </p:cNvPr>
+          <p:cNvPicPr>
+            <a:picLocks noChangeAspect="1"/>
+          </p:cNvPicPr>
+          <p:nvPr/>
+        </p:nvPicPr>
+        <p:blipFill>
+          <a:blip r:embed="rId5"/>
+          <a:stretch>
+            <a:fillRect/>
+          </a:stretch>
+        </p:blipFill>
+        <p:spPr>
+          <a:xfrm>
+            <a:off x="791500" y="2576476"/>
+            <a:ext cx="1892300" cy="495300"/>
+          </a:xfrm>
+          <a:prstGeom prst="rect">
+            <a:avLst/>
+          </a:prstGeom>
+        </p:spPr>
+      </p:pic>
+      <p:pic>
+        <p:nvPicPr>
+          <p:cNvPr id="9" name="Picture 8">
+            <a:extLst>
+              <a:ext uri="{FF2B5EF4-FFF2-40B4-BE49-F238E27FC236}">
+                <a16:creationId xmlns:a16="http://schemas.microsoft.com/office/drawing/2014/main" id="{2833D899-CAB8-6EBC-B8BC-88398F044B50}"/>
+              </a:ext>
+            </a:extLst>
+          </p:cNvPr>
+          <p:cNvPicPr>
+            <a:picLocks noChangeAspect="1"/>
+          </p:cNvPicPr>
+          <p:nvPr/>
+        </p:nvPicPr>
+        <p:blipFill>
+          <a:blip r:embed="rId6"/>
+          <a:stretch>
+            <a:fillRect/>
+          </a:stretch>
+        </p:blipFill>
+        <p:spPr>
+          <a:xfrm>
+            <a:off x="681972" y="3418341"/>
+            <a:ext cx="5085335" cy="403751"/>
+          </a:xfrm>
+          <a:prstGeom prst="rect">
+            <a:avLst/>
+          </a:prstGeom>
+        </p:spPr>
+      </p:pic>
+      <p:sp>
+        <p:nvSpPr>
+          <p:cNvPr id="4" name="TextBox 3">
+            <a:extLst>
+              <a:ext uri="{FF2B5EF4-FFF2-40B4-BE49-F238E27FC236}">
+                <a16:creationId xmlns:a16="http://schemas.microsoft.com/office/drawing/2014/main" id="{7FCC5D0D-AA50-DF6B-E1E1-65B1E66D5711}"/>
+              </a:ext>
+            </a:extLst>
+          </p:cNvPr>
           <p:cNvSpPr txBox="1"/>
           <p:nvPr/>
         </p:nvSpPr>
         <p:spPr>
           <a:xfrm>
-            <a:off x="3577833" y="1713694"/>
-            <a:ext cx="597921" cy="328295"/>
-          </a:xfrm>
-          <a:prstGeom prst="rect">
-            <a:avLst/>
-          </a:prstGeom>
-          <a:ln w="12700">
-            <a:miter lim="400000"/>
-          </a:ln>
-          <a:extLst>
-            <a:ext uri="{C572A759-6A51-4108-AA02-DFA0A04FC94B}">
-              <ma14:wrappingTextBoxFlag xmlns:ma14="http://schemas.microsoft.com/office/mac/drawingml/2011/main" xmlns:a14="http://schemas.microsoft.com/office/drawing/2010/main" xmlns:m="http://schemas.openxmlformats.org/officeDocument/2006/math" xmlns="" val="1"/>
-            </a:ext>
-          </a:extLst>
-        </p:spPr>
-        <p:txBody>
-          <a:bodyPr wrap="none" lIns="25400" tIns="25400" rIns="25400" bIns="25400" anchor="ctr">
+            <a:off x="681972" y="3983991"/>
+            <a:ext cx="4630808" cy="369332"/>
+          </a:xfrm>
+          <a:prstGeom prst="rect">
+            <a:avLst/>
+          </a:prstGeom>
+          <a:noFill/>
+        </p:spPr>
+        <p:txBody>
+          <a:bodyPr wrap="square" rtlCol="0">
             <a:spAutoFit/>
           </a:bodyPr>
-          <a:lstStyle>
-            <a:lvl1pPr>
-              <a:defRPr sz="3600" b="1"/>
-            </a:lvl1pPr>
-          </a:lstStyle>
-          <a:p>
-            <a:r>
-              <a:rPr sz="1800"/>
-              <a:t>Initial</a:t>
-            </a:r>
-          </a:p>
-        </p:txBody>
-      </p:sp>
-      <p:sp>
-        <p:nvSpPr>
-          <p:cNvPr id="618" name="Shrunk"/>
-          <p:cNvSpPr txBox="1"/>
-          <p:nvPr/>
-        </p:nvSpPr>
-        <p:spPr>
-          <a:xfrm>
-            <a:off x="8867814" y="1713694"/>
-            <a:ext cx="722955" cy="328295"/>
-          </a:xfrm>
-          <a:prstGeom prst="rect">
-            <a:avLst/>
-          </a:prstGeom>
-          <a:ln w="12700">
-            <a:miter lim="400000"/>
-          </a:ln>
-          <a:extLst>
-            <a:ext uri="{C572A759-6A51-4108-AA02-DFA0A04FC94B}">
-              <ma14:wrappingTextBoxFlag xmlns:ma14="http://schemas.microsoft.com/office/mac/drawingml/2011/main" xmlns:a14="http://schemas.microsoft.com/office/drawing/2010/main" xmlns:m="http://schemas.openxmlformats.org/officeDocument/2006/math" xmlns="" val="1"/>
-            </a:ext>
-          </a:extLst>
-        </p:spPr>
-        <p:txBody>
-          <a:bodyPr wrap="none" lIns="25400" tIns="25400" rIns="25400" bIns="25400" anchor="ctr">
-            <a:spAutoFit/>
-          </a:bodyPr>
-          <a:lstStyle>
-            <a:lvl1pPr>
-              <a:defRPr sz="3600" b="1"/>
-            </a:lvl1pPr>
-          </a:lstStyle>
-          <a:p>
-            <a:r>
-              <a:rPr sz="1800"/>
-              <a:t>Shrunk</a:t>
+          <a:lstStyle/>
+          <a:p>
+            <a:r>
+              <a:rPr lang="en-US" dirty="0">
+                <a:solidFill>
+                  <a:srgbClr val="C00000"/>
+                </a:solidFill>
+              </a:rPr>
+              <a:t>Clustering is OK, but not perfect</a:t>
             </a:r>
           </a:p>
         </p:txBody>
       </p:sp>
     </p:spTree>
+    <p:extLst>
+      <p:ext uri="{BB962C8B-B14F-4D97-AF65-F5344CB8AC3E}">
+        <p14:creationId xmlns:p14="http://schemas.microsoft.com/office/powerpoint/2010/main" val="13719573"/>
+      </p:ext>
+    </p:extLst>
   </p:cSld>
   <p:clrMapOvr>
     <a:masterClrMapping/>
@@ -5231,87 +5610,48 @@
       </p:grpSpPr>
       <p:sp>
         <p:nvSpPr>
-          <p:cNvPr id="620" name="Basic plotting and visualizing of results"/>
+          <p:cNvPr id="2" name="TextBox 1">
+            <a:extLst>
+              <a:ext uri="{FF2B5EF4-FFF2-40B4-BE49-F238E27FC236}">
+                <a16:creationId xmlns:a16="http://schemas.microsoft.com/office/drawing/2014/main" id="{6AFDB676-51CB-7870-73DB-06AFDB5FCB3A}"/>
+              </a:ext>
+            </a:extLst>
+          </p:cNvPr>
           <p:cNvSpPr txBox="1"/>
           <p:nvPr/>
         </p:nvSpPr>
         <p:spPr>
           <a:xfrm>
-            <a:off x="3154313" y="337961"/>
-            <a:ext cx="4973477" cy="420628"/>
-          </a:xfrm>
-          <a:prstGeom prst="rect">
-            <a:avLst/>
-          </a:prstGeom>
-          <a:ln w="12700">
-            <a:miter lim="400000"/>
-          </a:ln>
-          <a:extLst>
-            <a:ext uri="{C572A759-6A51-4108-AA02-DFA0A04FC94B}">
-              <ma14:wrappingTextBoxFlag xmlns:ma14="http://schemas.microsoft.com/office/mac/drawingml/2011/main" xmlns:a14="http://schemas.microsoft.com/office/drawing/2010/main" xmlns:m="http://schemas.openxmlformats.org/officeDocument/2006/math" xmlns="" val="1"/>
-            </a:ext>
-          </a:extLst>
-        </p:spPr>
-        <p:txBody>
-          <a:bodyPr wrap="none" lIns="25400" tIns="25400" rIns="25400" bIns="25400" anchor="ctr">
+            <a:off x="5081286" y="312516"/>
+            <a:ext cx="6643868" cy="369332"/>
+          </a:xfrm>
+          <a:prstGeom prst="rect">
+            <a:avLst/>
+          </a:prstGeom>
+          <a:noFill/>
+        </p:spPr>
+        <p:txBody>
+          <a:bodyPr wrap="square" rtlCol="0">
             <a:spAutoFit/>
           </a:bodyPr>
-          <a:lstStyle>
-            <a:lvl1pPr>
-              <a:defRPr sz="4800" b="1"/>
-            </a:lvl1pPr>
-          </a:lstStyle>
-          <a:p>
-            <a:r>
-              <a:rPr sz="2400"/>
-              <a:t>Basic plotting and visualizing of results</a:t>
-            </a:r>
-          </a:p>
-        </p:txBody>
-      </p:sp>
-      <p:sp>
-        <p:nvSpPr>
-          <p:cNvPr id="621" name="VolcanoPlot"/>
-          <p:cNvSpPr txBox="1"/>
-          <p:nvPr/>
-        </p:nvSpPr>
-        <p:spPr>
-          <a:xfrm>
-            <a:off x="8032556" y="1425621"/>
-            <a:ext cx="1195007" cy="328295"/>
-          </a:xfrm>
-          <a:prstGeom prst="rect">
-            <a:avLst/>
-          </a:prstGeom>
-          <a:ln w="12700">
-            <a:miter lim="400000"/>
-          </a:ln>
-          <a:extLst>
-            <a:ext uri="{C572A759-6A51-4108-AA02-DFA0A04FC94B}">
-              <ma14:wrappingTextBoxFlag xmlns:ma14="http://schemas.microsoft.com/office/mac/drawingml/2011/main" xmlns:a14="http://schemas.microsoft.com/office/drawing/2010/main" xmlns:m="http://schemas.openxmlformats.org/officeDocument/2006/math" xmlns="" val="1"/>
-            </a:ext>
-          </a:extLst>
-        </p:spPr>
-        <p:txBody>
-          <a:bodyPr wrap="none" lIns="25400" tIns="25400" rIns="25400" bIns="25400" anchor="ctr">
-            <a:spAutoFit/>
-          </a:bodyPr>
-          <a:lstStyle>
-            <a:lvl1pPr>
-              <a:defRPr sz="3600" b="1"/>
-            </a:lvl1pPr>
-          </a:lstStyle>
-          <a:p>
-            <a:r>
-              <a:rPr sz="1800"/>
-              <a:t>VolcanoPlot</a:t>
+          <a:lstStyle/>
+          <a:p>
+            <a:r>
+              <a:rPr lang="en-US" dirty="0"/>
+              <a:t>QC examples</a:t>
             </a:r>
           </a:p>
         </p:txBody>
       </p:sp>
       <p:pic>
         <p:nvPicPr>
-          <p:cNvPr id="622" name="Image" descr="Image"/>
+          <p:cNvPr id="3" name="Picture 2">
+            <a:extLst>
+              <a:ext uri="{FF2B5EF4-FFF2-40B4-BE49-F238E27FC236}">
+                <a16:creationId xmlns:a16="http://schemas.microsoft.com/office/drawing/2014/main" id="{4B319C5B-3B77-3B6F-A859-5FEE2A0ABC80}"/>
+              </a:ext>
+            </a:extLst>
+          </p:cNvPr>
           <p:cNvPicPr>
             <a:picLocks noChangeAspect="1"/>
           </p:cNvPicPr>
@@ -5325,20 +5665,23 @@
         </p:blipFill>
         <p:spPr>
           <a:xfrm>
-            <a:off x="6608154" y="1741477"/>
-            <a:ext cx="4485379" cy="3978834"/>
-          </a:xfrm>
-          <a:prstGeom prst="rect">
-            <a:avLst/>
-          </a:prstGeom>
-          <a:ln w="12700">
-            <a:miter lim="400000"/>
-          </a:ln>
+            <a:off x="5929352" y="1623044"/>
+            <a:ext cx="5691630" cy="3377220"/>
+          </a:xfrm>
+          <a:prstGeom prst="rect">
+            <a:avLst/>
+          </a:prstGeom>
         </p:spPr>
       </p:pic>
       <p:pic>
         <p:nvPicPr>
-          <p:cNvPr id="623" name="Image" descr="Image"/>
+          <p:cNvPr id="5" name="Picture 4">
+            <a:extLst>
+              <a:ext uri="{FF2B5EF4-FFF2-40B4-BE49-F238E27FC236}">
+                <a16:creationId xmlns:a16="http://schemas.microsoft.com/office/drawing/2014/main" id="{0C4F4592-B190-74C4-8502-687D32F7027F}"/>
+              </a:ext>
+            </a:extLst>
+          </p:cNvPr>
           <p:cNvPicPr>
             <a:picLocks noChangeAspect="1"/>
           </p:cNvPicPr>
@@ -5352,58 +5695,179 @@
         </p:blipFill>
         <p:spPr>
           <a:xfrm>
-            <a:off x="691388" y="1679166"/>
-            <a:ext cx="5227020" cy="4103455"/>
-          </a:xfrm>
-          <a:prstGeom prst="rect">
-            <a:avLst/>
-          </a:prstGeom>
-          <a:ln w="12700">
-            <a:miter lim="400000"/>
-          </a:ln>
+            <a:off x="791500" y="1602788"/>
+            <a:ext cx="3340100" cy="317500"/>
+          </a:xfrm>
+          <a:prstGeom prst="rect">
+            <a:avLst/>
+          </a:prstGeom>
         </p:spPr>
       </p:pic>
-      <p:sp>
-        <p:nvSpPr>
-          <p:cNvPr id="624" name="Shrunk"/>
+      <p:pic>
+        <p:nvPicPr>
+          <p:cNvPr id="7" name="Picture 6">
+            <a:extLst>
+              <a:ext uri="{FF2B5EF4-FFF2-40B4-BE49-F238E27FC236}">
+                <a16:creationId xmlns:a16="http://schemas.microsoft.com/office/drawing/2014/main" id="{5C62B1D6-71E1-3CF1-8D3C-25FE50F092C8}"/>
+              </a:ext>
+            </a:extLst>
+          </p:cNvPr>
+          <p:cNvPicPr>
+            <a:picLocks noChangeAspect="1"/>
+          </p:cNvPicPr>
+          <p:nvPr/>
+        </p:nvPicPr>
+        <p:blipFill>
+          <a:blip r:embed="rId4"/>
+          <a:stretch>
+            <a:fillRect/>
+          </a:stretch>
+        </p:blipFill>
+        <p:spPr>
+          <a:xfrm>
+            <a:off x="785150" y="2108682"/>
+            <a:ext cx="1676400" cy="279400"/>
+          </a:xfrm>
+          <a:prstGeom prst="rect">
+            <a:avLst/>
+          </a:prstGeom>
+        </p:spPr>
+      </p:pic>
+      <p:pic>
+        <p:nvPicPr>
+          <p:cNvPr id="8" name="Picture 7">
+            <a:extLst>
+              <a:ext uri="{FF2B5EF4-FFF2-40B4-BE49-F238E27FC236}">
+                <a16:creationId xmlns:a16="http://schemas.microsoft.com/office/drawing/2014/main" id="{3C332056-536D-DF76-BFCD-1453F117333E}"/>
+              </a:ext>
+            </a:extLst>
+          </p:cNvPr>
+          <p:cNvPicPr>
+            <a:picLocks noChangeAspect="1"/>
+          </p:cNvPicPr>
+          <p:nvPr/>
+        </p:nvPicPr>
+        <p:blipFill>
+          <a:blip r:embed="rId5"/>
+          <a:stretch>
+            <a:fillRect/>
+          </a:stretch>
+        </p:blipFill>
+        <p:spPr>
+          <a:xfrm>
+            <a:off x="791500" y="2576476"/>
+            <a:ext cx="1892300" cy="495300"/>
+          </a:xfrm>
+          <a:prstGeom prst="rect">
+            <a:avLst/>
+          </a:prstGeom>
+        </p:spPr>
+      </p:pic>
+      <p:pic>
+        <p:nvPicPr>
+          <p:cNvPr id="9" name="Picture 8">
+            <a:extLst>
+              <a:ext uri="{FF2B5EF4-FFF2-40B4-BE49-F238E27FC236}">
+                <a16:creationId xmlns:a16="http://schemas.microsoft.com/office/drawing/2014/main" id="{2833D899-CAB8-6EBC-B8BC-88398F044B50}"/>
+              </a:ext>
+            </a:extLst>
+          </p:cNvPr>
+          <p:cNvPicPr>
+            <a:picLocks noChangeAspect="1"/>
+          </p:cNvPicPr>
+          <p:nvPr/>
+        </p:nvPicPr>
+        <p:blipFill>
+          <a:blip r:embed="rId6"/>
+          <a:stretch>
+            <a:fillRect/>
+          </a:stretch>
+        </p:blipFill>
+        <p:spPr>
+          <a:xfrm>
+            <a:off x="681972" y="3418341"/>
+            <a:ext cx="5085335" cy="403751"/>
+          </a:xfrm>
+          <a:prstGeom prst="rect">
+            <a:avLst/>
+          </a:prstGeom>
+        </p:spPr>
+      </p:pic>
+      <p:sp>
+        <p:nvSpPr>
+          <p:cNvPr id="4" name="TextBox 3">
+            <a:extLst>
+              <a:ext uri="{FF2B5EF4-FFF2-40B4-BE49-F238E27FC236}">
+                <a16:creationId xmlns:a16="http://schemas.microsoft.com/office/drawing/2014/main" id="{7FCC5D0D-AA50-DF6B-E1E1-65B1E66D5711}"/>
+              </a:ext>
+            </a:extLst>
+          </p:cNvPr>
           <p:cNvSpPr txBox="1"/>
           <p:nvPr/>
         </p:nvSpPr>
         <p:spPr>
           <a:xfrm>
-            <a:off x="3073123" y="1890969"/>
-            <a:ext cx="722955" cy="328295"/>
-          </a:xfrm>
-          <a:prstGeom prst="rect">
-            <a:avLst/>
-          </a:prstGeom>
-          <a:ln w="12700">
-            <a:miter lim="400000"/>
-          </a:ln>
-          <a:extLst>
-            <a:ext uri="{C572A759-6A51-4108-AA02-DFA0A04FC94B}">
-              <ma14:wrappingTextBoxFlag xmlns:ma14="http://schemas.microsoft.com/office/mac/drawingml/2011/main" xmlns:a14="http://schemas.microsoft.com/office/drawing/2010/main" xmlns:m="http://schemas.openxmlformats.org/officeDocument/2006/math" xmlns="" val="1"/>
-            </a:ext>
-          </a:extLst>
-        </p:spPr>
-        <p:txBody>
-          <a:bodyPr wrap="none" lIns="25400" tIns="25400" rIns="25400" bIns="25400" anchor="ctr">
+            <a:off x="681972" y="3983991"/>
+            <a:ext cx="4630808" cy="369332"/>
+          </a:xfrm>
+          <a:prstGeom prst="rect">
+            <a:avLst/>
+          </a:prstGeom>
+          <a:noFill/>
+        </p:spPr>
+        <p:txBody>
+          <a:bodyPr wrap="square" rtlCol="0">
             <a:spAutoFit/>
           </a:bodyPr>
-          <a:lstStyle>
-            <a:lvl1pPr>
-              <a:defRPr sz="3600" b="1"/>
-            </a:lvl1pPr>
-          </a:lstStyle>
-          <a:p>
-            <a:r>
-              <a:rPr sz="1800"/>
-              <a:t>Shrunk</a:t>
-            </a:r>
-          </a:p>
-        </p:txBody>
-      </p:sp>
+          <a:lstStyle/>
+          <a:p>
+            <a:r>
+              <a:rPr lang="en-US" dirty="0">
+                <a:solidFill>
+                  <a:srgbClr val="C00000"/>
+                </a:solidFill>
+              </a:rPr>
+              <a:t>Clustering is OK, but not perfect</a:t>
+            </a:r>
+          </a:p>
+        </p:txBody>
+      </p:sp>
+      <p:pic>
+        <p:nvPicPr>
+          <p:cNvPr id="6" name="Picture 5">
+            <a:extLst>
+              <a:ext uri="{FF2B5EF4-FFF2-40B4-BE49-F238E27FC236}">
+                <a16:creationId xmlns:a16="http://schemas.microsoft.com/office/drawing/2014/main" id="{EFCCD099-DF1B-2445-857F-F5FFB32F12A3}"/>
+              </a:ext>
+            </a:extLst>
+          </p:cNvPr>
+          <p:cNvPicPr>
+            <a:picLocks noChangeAspect="1"/>
+          </p:cNvPicPr>
+          <p:nvPr/>
+        </p:nvPicPr>
+        <p:blipFill>
+          <a:blip r:embed="rId7"/>
+          <a:stretch>
+            <a:fillRect/>
+          </a:stretch>
+        </p:blipFill>
+        <p:spPr>
+          <a:xfrm>
+            <a:off x="791500" y="4322651"/>
+            <a:ext cx="3120743" cy="2407670"/>
+          </a:xfrm>
+          <a:prstGeom prst="rect">
+            <a:avLst/>
+          </a:prstGeom>
+        </p:spPr>
+      </p:pic>
     </p:spTree>
+    <p:extLst>
+      <p:ext uri="{BB962C8B-B14F-4D97-AF65-F5344CB8AC3E}">
+        <p14:creationId xmlns:p14="http://schemas.microsoft.com/office/powerpoint/2010/main" val="3660469301"/>
+      </p:ext>
+    </p:extLst>
   </p:cSld>
   <p:clrMapOvr>
     <a:masterClrMapping/>
@@ -5428,49 +5892,15 @@
           <a:chExt cx="0" cy="0"/>
         </a:xfrm>
       </p:grpSpPr>
-      <p:sp>
-        <p:nvSpPr>
-          <p:cNvPr id="626" name="Basic plotting and visualizing of results"/>
-          <p:cNvSpPr txBox="1"/>
-          <p:nvPr/>
-        </p:nvSpPr>
-        <p:spPr>
-          <a:xfrm>
-            <a:off x="3154313" y="337961"/>
-            <a:ext cx="4973477" cy="420628"/>
-          </a:xfrm>
-          <a:prstGeom prst="rect">
-            <a:avLst/>
-          </a:prstGeom>
-          <a:ln w="12700">
-            <a:miter lim="400000"/>
-          </a:ln>
-          <a:extLst>
-            <a:ext uri="{C572A759-6A51-4108-AA02-DFA0A04FC94B}">
-              <ma14:wrappingTextBoxFlag xmlns:ma14="http://schemas.microsoft.com/office/mac/drawingml/2011/main" xmlns:a14="http://schemas.microsoft.com/office/drawing/2010/main" xmlns:m="http://schemas.openxmlformats.org/officeDocument/2006/math" xmlns="" val="1"/>
-            </a:ext>
-          </a:extLst>
-        </p:spPr>
-        <p:txBody>
-          <a:bodyPr wrap="none" lIns="25400" tIns="25400" rIns="25400" bIns="25400" anchor="ctr">
-            <a:spAutoFit/>
-          </a:bodyPr>
-          <a:lstStyle>
-            <a:lvl1pPr>
-              <a:defRPr sz="4800" b="1"/>
-            </a:lvl1pPr>
-          </a:lstStyle>
-          <a:p>
-            <a:r>
-              <a:rPr sz="2400"/>
-              <a:t>Basic plotting and visualizing of results</a:t>
-            </a:r>
-          </a:p>
-        </p:txBody>
-      </p:sp>
       <p:pic>
         <p:nvPicPr>
-          <p:cNvPr id="627" name="Image" descr="Image"/>
+          <p:cNvPr id="2" name="Picture 1">
+            <a:extLst>
+              <a:ext uri="{FF2B5EF4-FFF2-40B4-BE49-F238E27FC236}">
+                <a16:creationId xmlns:a16="http://schemas.microsoft.com/office/drawing/2014/main" id="{C3E0260B-538E-A5D9-0B9D-88F4A09F38CF}"/>
+              </a:ext>
+            </a:extLst>
+          </p:cNvPr>
           <p:cNvPicPr>
             <a:picLocks noChangeAspect="1"/>
           </p:cNvPicPr>
@@ -5484,99 +5914,55 @@
         </p:blipFill>
         <p:spPr>
           <a:xfrm>
-            <a:off x="514371" y="1237370"/>
-            <a:ext cx="3411661" cy="3749608"/>
-          </a:xfrm>
-          <a:prstGeom prst="rect">
-            <a:avLst/>
-          </a:prstGeom>
-          <a:ln w="12700">
-            <a:miter lim="400000"/>
-          </a:ln>
+            <a:off x="2864090" y="1426614"/>
+            <a:ext cx="6546127" cy="4079640"/>
+          </a:xfrm>
+          <a:prstGeom prst="rect">
+            <a:avLst/>
+          </a:prstGeom>
         </p:spPr>
       </p:pic>
-      <p:pic>
-        <p:nvPicPr>
-          <p:cNvPr id="628" name="Image" descr="Image"/>
-          <p:cNvPicPr>
-            <a:picLocks noChangeAspect="1"/>
-          </p:cNvPicPr>
-          <p:nvPr/>
-        </p:nvPicPr>
-        <p:blipFill>
-          <a:blip r:embed="rId3"/>
-          <a:stretch>
-            <a:fillRect/>
-          </a:stretch>
-        </p:blipFill>
-        <p:spPr>
-          <a:xfrm>
-            <a:off x="1280800" y="5375068"/>
-            <a:ext cx="9062241" cy="537868"/>
-          </a:xfrm>
-          <a:prstGeom prst="rect">
-            <a:avLst/>
-          </a:prstGeom>
-          <a:ln w="12700">
-            <a:miter lim="400000"/>
-          </a:ln>
-        </p:spPr>
-      </p:pic>
-      <p:pic>
-        <p:nvPicPr>
-          <p:cNvPr id="629" name="Image" descr="Image"/>
-          <p:cNvPicPr>
-            <a:picLocks noChangeAspect="1"/>
-          </p:cNvPicPr>
-          <p:nvPr/>
-        </p:nvPicPr>
-        <p:blipFill>
-          <a:blip r:embed="rId4"/>
-          <a:stretch>
-            <a:fillRect/>
-          </a:stretch>
-        </p:blipFill>
-        <p:spPr>
-          <a:xfrm>
-            <a:off x="4303437" y="1400655"/>
-            <a:ext cx="3354517" cy="3583414"/>
-          </a:xfrm>
-          <a:prstGeom prst="rect">
-            <a:avLst/>
-          </a:prstGeom>
-          <a:ln w="12700">
-            <a:miter lim="400000"/>
-          </a:ln>
-        </p:spPr>
-      </p:pic>
-      <p:pic>
-        <p:nvPicPr>
-          <p:cNvPr id="630" name="Image" descr="Image"/>
-          <p:cNvPicPr>
-            <a:picLocks noChangeAspect="1"/>
-          </p:cNvPicPr>
-          <p:nvPr/>
-        </p:nvPicPr>
-        <p:blipFill>
-          <a:blip r:embed="rId5"/>
-          <a:stretch>
-            <a:fillRect/>
-          </a:stretch>
-        </p:blipFill>
-        <p:spPr>
-          <a:xfrm>
-            <a:off x="7826785" y="1320467"/>
-            <a:ext cx="3282222" cy="3583414"/>
-          </a:xfrm>
-          <a:prstGeom prst="rect">
-            <a:avLst/>
-          </a:prstGeom>
-          <a:ln w="12700">
-            <a:miter lim="400000"/>
-          </a:ln>
-        </p:spPr>
-      </p:pic>
+      <p:sp>
+        <p:nvSpPr>
+          <p:cNvPr id="3" name="TextBox 2">
+            <a:extLst>
+              <a:ext uri="{FF2B5EF4-FFF2-40B4-BE49-F238E27FC236}">
+                <a16:creationId xmlns:a16="http://schemas.microsoft.com/office/drawing/2014/main" id="{7BBB76EF-6729-ABCB-3D26-26C46C073EA3}"/>
+              </a:ext>
+            </a:extLst>
+          </p:cNvPr>
+          <p:cNvSpPr txBox="1"/>
+          <p:nvPr/>
+        </p:nvSpPr>
+        <p:spPr>
+          <a:xfrm>
+            <a:off x="3020992" y="335666"/>
+            <a:ext cx="6539697" cy="369332"/>
+          </a:xfrm>
+          <a:prstGeom prst="rect">
+            <a:avLst/>
+          </a:prstGeom>
+          <a:noFill/>
+        </p:spPr>
+        <p:txBody>
+          <a:bodyPr wrap="square" rtlCol="0">
+            <a:spAutoFit/>
+          </a:bodyPr>
+          <a:lstStyle/>
+          <a:p>
+            <a:r>
+              <a:rPr lang="en-US" dirty="0"/>
+              <a:t>Data from the PCA plot can be returned </a:t>
+            </a:r>
+          </a:p>
+        </p:txBody>
+      </p:sp>
     </p:spTree>
+    <p:extLst>
+      <p:ext uri="{BB962C8B-B14F-4D97-AF65-F5344CB8AC3E}">
+        <p14:creationId xmlns:p14="http://schemas.microsoft.com/office/powerpoint/2010/main" val="2184961989"/>
+      </p:ext>
+    </p:extLst>
   </p:cSld>
   <p:clrMapOvr>
     <a:masterClrMapping/>
@@ -5601,49 +5987,45 @@
           <a:chExt cx="0" cy="0"/>
         </a:xfrm>
       </p:grpSpPr>
-      <p:sp>
-        <p:nvSpPr>
-          <p:cNvPr id="632" name="Basic plotting and visualizing of results"/>
-          <p:cNvSpPr txBox="1"/>
-          <p:nvPr/>
-        </p:nvSpPr>
-        <p:spPr>
-          <a:xfrm>
-            <a:off x="3154313" y="337961"/>
-            <a:ext cx="4973477" cy="420628"/>
-          </a:xfrm>
-          <a:prstGeom prst="rect">
-            <a:avLst/>
-          </a:prstGeom>
-          <a:ln w="12700">
-            <a:miter lim="400000"/>
-          </a:ln>
-          <a:extLst>
-            <a:ext uri="{C572A759-6A51-4108-AA02-DFA0A04FC94B}">
-              <ma14:wrappingTextBoxFlag xmlns:ma14="http://schemas.microsoft.com/office/mac/drawingml/2011/main" xmlns:a14="http://schemas.microsoft.com/office/drawing/2010/main" xmlns:m="http://schemas.openxmlformats.org/officeDocument/2006/math" xmlns="" val="1"/>
-            </a:ext>
-          </a:extLst>
-        </p:spPr>
-        <p:txBody>
-          <a:bodyPr wrap="none" lIns="25400" tIns="25400" rIns="25400" bIns="25400" anchor="ctr">
-            <a:spAutoFit/>
-          </a:bodyPr>
-          <a:lstStyle>
-            <a:lvl1pPr>
-              <a:defRPr sz="4800" b="1"/>
-            </a:lvl1pPr>
-          </a:lstStyle>
-          <a:p>
-            <a:r>
-              <a:rPr sz="2400"/>
-              <a:t>Basic plotting and visualizing of results</a:t>
-            </a:r>
-          </a:p>
-        </p:txBody>
-      </p:sp>
       <p:pic>
         <p:nvPicPr>
-          <p:cNvPr id="633" name="Image" descr="Image"/>
+          <p:cNvPr id="2" name="Picture 1">
+            <a:extLst>
+              <a:ext uri="{FF2B5EF4-FFF2-40B4-BE49-F238E27FC236}">
+                <a16:creationId xmlns:a16="http://schemas.microsoft.com/office/drawing/2014/main" id="{2E50231C-196B-ABB0-D979-361D3BCDE31D}"/>
+              </a:ext>
+            </a:extLst>
+          </p:cNvPr>
+          <p:cNvPicPr>
+            <a:picLocks noChangeAspect="1"/>
+          </p:cNvPicPr>
+          <p:nvPr/>
+        </p:nvPicPr>
+        <p:blipFill>
+          <a:blip r:embed="rId2"/>
+          <a:stretch>
+            <a:fillRect/>
+          </a:stretch>
+        </p:blipFill>
+        <p:spPr>
+          <a:xfrm>
+            <a:off x="6096001" y="1884342"/>
+            <a:ext cx="5227964" cy="4105865"/>
+          </a:xfrm>
+          <a:prstGeom prst="rect">
+            <a:avLst/>
+          </a:prstGeom>
+        </p:spPr>
+      </p:pic>
+      <p:pic>
+        <p:nvPicPr>
+          <p:cNvPr id="3" name="Picture 2">
+            <a:extLst>
+              <a:ext uri="{FF2B5EF4-FFF2-40B4-BE49-F238E27FC236}">
+                <a16:creationId xmlns:a16="http://schemas.microsoft.com/office/drawing/2014/main" id="{D389A2F3-C828-40D2-C957-D5B8FB975B70}"/>
+              </a:ext>
+            </a:extLst>
+          </p:cNvPr>
           <p:cNvPicPr>
             <a:picLocks noChangeAspect="1"/>
           </p:cNvPicPr>
@@ -5657,18 +6039,69 @@
         </p:blipFill>
         <p:spPr>
           <a:xfrm>
-            <a:off x="4476252" y="837004"/>
-            <a:ext cx="3780716" cy="5566728"/>
-          </a:xfrm>
-          <a:prstGeom prst="rect">
-            <a:avLst/>
-          </a:prstGeom>
-          <a:ln w="12700">
-            <a:miter lim="400000"/>
-          </a:ln>
+            <a:off x="354073" y="619326"/>
+            <a:ext cx="9817100" cy="952500"/>
+          </a:xfrm>
+          <a:prstGeom prst="rect">
+            <a:avLst/>
+          </a:prstGeom>
         </p:spPr>
       </p:pic>
+      <p:sp>
+        <p:nvSpPr>
+          <p:cNvPr id="4" name="TextBox 3">
+            <a:extLst>
+              <a:ext uri="{FF2B5EF4-FFF2-40B4-BE49-F238E27FC236}">
+                <a16:creationId xmlns:a16="http://schemas.microsoft.com/office/drawing/2014/main" id="{1FC25657-47C6-C21E-9A04-2B6AC00C2F3B}"/>
+              </a:ext>
+            </a:extLst>
+          </p:cNvPr>
+          <p:cNvSpPr txBox="1"/>
+          <p:nvPr/>
+        </p:nvSpPr>
+        <p:spPr>
+          <a:xfrm>
+            <a:off x="810228" y="2558005"/>
+            <a:ext cx="4907666" cy="646331"/>
+          </a:xfrm>
+          <a:prstGeom prst="rect">
+            <a:avLst/>
+          </a:prstGeom>
+          <a:noFill/>
+        </p:spPr>
+        <p:txBody>
+          <a:bodyPr wrap="square" rtlCol="0">
+            <a:spAutoFit/>
+          </a:bodyPr>
+          <a:lstStyle/>
+          <a:p>
+            <a:r>
+              <a:rPr lang="en-US" dirty="0">
+                <a:solidFill>
+                  <a:srgbClr val="C00000"/>
+                </a:solidFill>
+              </a:rPr>
+              <a:t>Some replicates always cluster together</a:t>
+            </a:r>
+          </a:p>
+          <a:p>
+            <a:r>
+              <a:rPr lang="en-US" dirty="0">
+                <a:solidFill>
+                  <a:srgbClr val="C00000"/>
+                </a:solidFill>
+              </a:rPr>
+              <a:t>Evidence of a batch effect</a:t>
+            </a:r>
+          </a:p>
+        </p:txBody>
+      </p:sp>
     </p:spTree>
+    <p:extLst>
+      <p:ext uri="{BB962C8B-B14F-4D97-AF65-F5344CB8AC3E}">
+        <p14:creationId xmlns:p14="http://schemas.microsoft.com/office/powerpoint/2010/main" val="1195404578"/>
+      </p:ext>
+    </p:extLst>
   </p:cSld>
   <p:clrMapOvr>
     <a:masterClrMapping/>
@@ -5695,14 +6128,14 @@
       </p:grpSpPr>
       <p:sp>
         <p:nvSpPr>
-          <p:cNvPr id="637" name="Basic plotting and visualizing of results"/>
+          <p:cNvPr id="599" name="R code for QC"/>
           <p:cNvSpPr txBox="1"/>
           <p:nvPr/>
         </p:nvSpPr>
         <p:spPr>
           <a:xfrm>
-            <a:off x="3154313" y="337961"/>
-            <a:ext cx="4973477" cy="420628"/>
+            <a:off x="5085207" y="3218686"/>
+            <a:ext cx="1757469" cy="420628"/>
           </a:xfrm>
           <a:prstGeom prst="rect">
             <a:avLst/>
@@ -5712,7 +6145,7 @@
           </a:ln>
           <a:extLst>
             <a:ext uri="{C572A759-6A51-4108-AA02-DFA0A04FC94B}">
-              <ma14:wrappingTextBoxFlag xmlns:ma14="http://schemas.microsoft.com/office/mac/drawingml/2011/main" xmlns:a14="http://schemas.microsoft.com/office/drawing/2010/main" xmlns:m="http://schemas.openxmlformats.org/officeDocument/2006/math" xmlns="" val="1"/>
+              <ma14:wrappingTextBoxFlag xmlns="" xmlns:m="http://schemas.openxmlformats.org/officeDocument/2006/math" xmlns:a14="http://schemas.microsoft.com/office/drawing/2010/main" xmlns:ma14="http://schemas.microsoft.com/office/mac/drawingml/2011/main" val="1"/>
             </a:ext>
           </a:extLst>
         </p:spPr>
@@ -5722,71 +6155,17 @@
           </a:bodyPr>
           <a:lstStyle>
             <a:lvl1pPr>
-              <a:defRPr sz="4800" b="1"/>
+              <a:defRPr sz="4800"/>
             </a:lvl1pPr>
           </a:lstStyle>
           <a:p>
             <a:r>
               <a:rPr sz="2400"/>
-              <a:t>Basic plotting and visualizing of results</a:t>
-            </a:r>
-          </a:p>
-        </p:txBody>
-      </p:sp>
-      <p:pic>
-        <p:nvPicPr>
-          <p:cNvPr id="638" name="Image" descr="Image"/>
-          <p:cNvPicPr>
-            <a:picLocks noChangeAspect="1"/>
-          </p:cNvPicPr>
-          <p:nvPr/>
-        </p:nvPicPr>
-        <p:blipFill>
-          <a:blip r:embed="rId3"/>
-          <a:stretch>
-            <a:fillRect/>
-          </a:stretch>
-        </p:blipFill>
-        <p:spPr>
-          <a:xfrm>
-            <a:off x="1767084" y="1227050"/>
-            <a:ext cx="8657833" cy="387023"/>
-          </a:xfrm>
-          <a:prstGeom prst="rect">
-            <a:avLst/>
-          </a:prstGeom>
-          <a:ln w="12700">
-            <a:miter lim="400000"/>
-          </a:ln>
-        </p:spPr>
-      </p:pic>
-      <p:pic>
-        <p:nvPicPr>
-          <p:cNvPr id="639" name="Image" descr="Image"/>
-          <p:cNvPicPr>
-            <a:picLocks noChangeAspect="1"/>
-          </p:cNvPicPr>
-          <p:nvPr/>
-        </p:nvPicPr>
-        <p:blipFill>
-          <a:blip r:embed="rId4"/>
-          <a:stretch>
-            <a:fillRect/>
-          </a:stretch>
-        </p:blipFill>
-        <p:spPr>
-          <a:xfrm>
-            <a:off x="4377012" y="1647641"/>
-            <a:ext cx="3282860" cy="4816267"/>
-          </a:xfrm>
-          <a:prstGeom prst="rect">
-            <a:avLst/>
-          </a:prstGeom>
-          <a:ln w="12700">
-            <a:miter lim="400000"/>
-          </a:ln>
-        </p:spPr>
-      </p:pic>
+              <a:t>R code for QC</a:t>
+            </a:r>
+          </a:p>
+        </p:txBody>
+      </p:sp>
     </p:spTree>
   </p:cSld>
   <p:clrMapOvr>
@@ -5812,43 +6191,16 @@
           <a:chExt cx="0" cy="0"/>
         </a:xfrm>
       </p:grpSpPr>
-      <p:pic>
-        <p:nvPicPr>
-          <p:cNvPr id="643" name="Image" descr="Image"/>
-          <p:cNvPicPr>
-            <a:picLocks noChangeAspect="1"/>
-          </p:cNvPicPr>
-          <p:nvPr/>
-        </p:nvPicPr>
-        <p:blipFill>
-          <a:blip r:embed="rId3"/>
-          <a:stretch>
-            <a:fillRect/>
-          </a:stretch>
-        </p:blipFill>
-        <p:spPr>
-          <a:xfrm>
-            <a:off x="4048189" y="1268790"/>
-            <a:ext cx="4095623" cy="4950362"/>
-          </a:xfrm>
-          <a:prstGeom prst="rect">
-            <a:avLst/>
-          </a:prstGeom>
-          <a:ln w="12700">
-            <a:miter lim="400000"/>
-          </a:ln>
-        </p:spPr>
-      </p:pic>
-      <p:sp>
-        <p:nvSpPr>
-          <p:cNvPr id="644" name="Filter by Fold Change"/>
+      <p:sp>
+        <p:nvSpPr>
+          <p:cNvPr id="603" name="P-values"/>
           <p:cNvSpPr txBox="1"/>
           <p:nvPr/>
         </p:nvSpPr>
         <p:spPr>
           <a:xfrm>
-            <a:off x="4521022" y="349040"/>
-            <a:ext cx="2714141" cy="420628"/>
+            <a:off x="5438013" y="149605"/>
+            <a:ext cx="1113446" cy="420628"/>
           </a:xfrm>
           <a:prstGeom prst="rect">
             <a:avLst/>
@@ -5858,7 +6210,7 @@
           </a:ln>
           <a:extLst>
             <a:ext uri="{C572A759-6A51-4108-AA02-DFA0A04FC94B}">
-              <ma14:wrappingTextBoxFlag xmlns:ma14="http://schemas.microsoft.com/office/mac/drawingml/2011/main" xmlns:a14="http://schemas.microsoft.com/office/drawing/2010/main" xmlns:m="http://schemas.openxmlformats.org/officeDocument/2006/math" xmlns="" val="1"/>
+              <ma14:wrappingTextBoxFlag xmlns="" xmlns:m="http://schemas.openxmlformats.org/officeDocument/2006/math" xmlns:a14="http://schemas.microsoft.com/office/drawing/2010/main" xmlns:ma14="http://schemas.microsoft.com/office/mac/drawingml/2011/main" val="1"/>
             </a:ext>
           </a:extLst>
         </p:spPr>
@@ -5874,29 +6226,29 @@
           <a:p>
             <a:r>
               <a:rPr sz="2400"/>
-              <a:t>Filter by Fold Change</a:t>
+              <a:t>P-values</a:t>
             </a:r>
           </a:p>
         </p:txBody>
       </p:sp>
       <p:pic>
         <p:nvPicPr>
-          <p:cNvPr id="645" name="Image" descr="Image"/>
+          <p:cNvPr id="604" name="Image" descr="Image"/>
           <p:cNvPicPr>
             <a:picLocks noChangeAspect="1"/>
           </p:cNvPicPr>
           <p:nvPr/>
         </p:nvPicPr>
         <p:blipFill>
-          <a:blip r:embed="rId4"/>
+          <a:blip r:embed="rId3"/>
           <a:stretch>
             <a:fillRect/>
           </a:stretch>
         </p:blipFill>
         <p:spPr>
           <a:xfrm>
-            <a:off x="2851360" y="1141587"/>
-            <a:ext cx="6489280" cy="368388"/>
+            <a:off x="2702154" y="1230170"/>
+            <a:ext cx="6787692" cy="4397660"/>
           </a:xfrm>
           <a:prstGeom prst="rect">
             <a:avLst/>
@@ -5939,8 +6291,8 @@
         </p:nvSpPr>
         <p:spPr>
           <a:xfrm>
-            <a:off x="3324682" y="626567"/>
-            <a:ext cx="4916282" cy="420628"/>
+            <a:off x="2232075" y="270769"/>
+            <a:ext cx="7352975" cy="605294"/>
           </a:xfrm>
           <a:prstGeom prst="rect">
             <a:avLst/>
@@ -5950,7 +6302,7 @@
           </a:ln>
           <a:extLst>
             <a:ext uri="{C572A759-6A51-4108-AA02-DFA0A04FC94B}">
-              <ma14:wrappingTextBoxFlag xmlns:ma14="http://schemas.microsoft.com/office/mac/drawingml/2011/main" xmlns:a14="http://schemas.microsoft.com/office/drawing/2010/main" xmlns:m="http://schemas.openxmlformats.org/officeDocument/2006/math" xmlns="" val="1"/>
+              <ma14:wrappingTextBoxFlag xmlns="" xmlns:m="http://schemas.openxmlformats.org/officeDocument/2006/math" xmlns:a14="http://schemas.microsoft.com/office/drawing/2010/main" xmlns:ma14="http://schemas.microsoft.com/office/mac/drawingml/2011/main" val="1"/>
             </a:ext>
           </a:extLst>
         </p:spPr>
@@ -5965,7 +6317,7 @@
           </a:lstStyle>
           <a:p>
             <a:r>
-              <a:rPr sz="2400"/>
+              <a:rPr sz="3600" dirty="0"/>
               <a:t>Quality Control and Data Visualization</a:t>
             </a:r>
           </a:p>
@@ -5979,8 +6331,8 @@
         </p:nvSpPr>
         <p:spPr>
           <a:xfrm>
-            <a:off x="3502857" y="1198692"/>
-            <a:ext cx="7905947" cy="2267287"/>
+            <a:off x="3324682" y="1454490"/>
+            <a:ext cx="5223481" cy="1897955"/>
           </a:xfrm>
           <a:prstGeom prst="rect">
             <a:avLst/>
@@ -5990,7 +6342,7 @@
           </a:ln>
           <a:extLst>
             <a:ext uri="{C572A759-6A51-4108-AA02-DFA0A04FC94B}">
-              <ma14:wrappingTextBoxFlag xmlns:ma14="http://schemas.microsoft.com/office/mac/drawingml/2011/main" xmlns:a14="http://schemas.microsoft.com/office/drawing/2010/main" xmlns:m="http://schemas.openxmlformats.org/officeDocument/2006/math" xmlns="" val="1"/>
+              <ma14:wrappingTextBoxFlag xmlns="" xmlns:m="http://schemas.openxmlformats.org/officeDocument/2006/math" xmlns:a14="http://schemas.microsoft.com/office/drawing/2010/main" xmlns:ma14="http://schemas.microsoft.com/office/mac/drawingml/2011/main" val="1"/>
             </a:ext>
           </a:extLst>
         </p:spPr>
@@ -6006,6 +6358,7 @@
               <a:defRPr sz="3600"/>
             </a:pPr>
             <a:r>
+              <a:rPr sz="2400" dirty="0"/>
               <a:t>Do experimental groups look right </a:t>
             </a:r>
           </a:p>
@@ -6016,7 +6369,8 @@
               <a:defRPr sz="3600"/>
             </a:pPr>
             <a:r>
-              <a:t>Does number of reads makes sense</a:t>
+              <a:rPr sz="2400" dirty="0"/>
+              <a:t>Does number of reads make sense</a:t>
             </a:r>
           </a:p>
           <a:p>
@@ -6026,6 +6380,7 @@
               <a:defRPr sz="3600"/>
             </a:pPr>
             <a:r>
+              <a:rPr sz="2400" dirty="0"/>
               <a:t>Do replicates cluster together</a:t>
             </a:r>
           </a:p>
@@ -6036,12 +6391,1171 @@
               <a:defRPr sz="3600"/>
             </a:pPr>
             <a:r>
-              <a:t>Are there potential batch effects/biases </a:t>
-            </a:r>
+              <a:rPr sz="2400" dirty="0"/>
+              <a:t>Are there potential batch effects/biases</a:t>
+            </a:r>
+            <a:endParaRPr lang="en-US" sz="2400" dirty="0"/>
+          </a:p>
+          <a:p>
+            <a:pPr marL="222250" indent="-222250">
+              <a:buSzPct val="100000"/>
+              <a:buAutoNum type="arabicPeriod"/>
+              <a:defRPr sz="3600"/>
+            </a:pPr>
+            <a:r>
+              <a:rPr lang="en-US" sz="2400" dirty="0"/>
+              <a:t>How to visualize DE</a:t>
+            </a:r>
+            <a:r>
+              <a:rPr sz="2400" dirty="0"/>
+              <a:t> </a:t>
+            </a:r>
+          </a:p>
+        </p:txBody>
+      </p:sp>
+      <p:sp>
+        <p:nvSpPr>
+          <p:cNvPr id="5" name="TextBox 4">
+            <a:extLst>
+              <a:ext uri="{FF2B5EF4-FFF2-40B4-BE49-F238E27FC236}">
+                <a16:creationId xmlns:a16="http://schemas.microsoft.com/office/drawing/2014/main" id="{13CEE057-9797-5E60-6331-850F7D271365}"/>
+              </a:ext>
+            </a:extLst>
+          </p:cNvPr>
+          <p:cNvSpPr txBox="1"/>
+          <p:nvPr/>
+        </p:nvSpPr>
+        <p:spPr>
+          <a:xfrm>
+            <a:off x="3820271" y="4233519"/>
+            <a:ext cx="4176584" cy="923330"/>
+          </a:xfrm>
+          <a:prstGeom prst="rect">
+            <a:avLst/>
+          </a:prstGeom>
+          <a:noFill/>
+        </p:spPr>
+        <p:txBody>
+          <a:bodyPr wrap="square" rtlCol="0">
+            <a:spAutoFit/>
+          </a:bodyPr>
+          <a:lstStyle/>
+          <a:p>
+            <a:r>
+              <a:rPr lang="en-US" dirty="0"/>
+              <a:t>Full scripts in : </a:t>
+            </a:r>
+          </a:p>
+          <a:p>
+            <a:r>
+              <a:rPr lang="en-US" dirty="0"/>
+              <a:t>scripts/</a:t>
+            </a:r>
+            <a:r>
+              <a:rPr lang="en-US" dirty="0" err="1"/>
+              <a:t>deseq_qc.R</a:t>
+            </a:r>
+            <a:endParaRPr lang="en-US" dirty="0"/>
+          </a:p>
+          <a:p>
+            <a:r>
+              <a:rPr lang="en-US" dirty="0"/>
+              <a:t>scripts/</a:t>
+            </a:r>
+            <a:r>
+              <a:rPr lang="en-US" dirty="0" err="1"/>
+              <a:t>visualize_deseq_results.R</a:t>
+            </a:r>
+            <a:endParaRPr lang="en-US" dirty="0"/>
           </a:p>
         </p:txBody>
       </p:sp>
     </p:spTree>
+  </p:cSld>
+  <p:clrMapOvr>
+    <a:masterClrMapping/>
+  </p:clrMapOvr>
+</p:sld>
+</file>
+
+<file path=ppt/slides/slide20.xml><?xml version="1.0" encoding="utf-8"?>
+<p:sld xmlns:a="http://schemas.openxmlformats.org/drawingml/2006/main" xmlns:r="http://schemas.openxmlformats.org/officeDocument/2006/relationships" xmlns:p="http://schemas.openxmlformats.org/presentationml/2006/main">
+  <p:cSld>
+    <p:spTree>
+      <p:nvGrpSpPr>
+        <p:cNvPr id="1" name=""/>
+        <p:cNvGrpSpPr/>
+        <p:nvPr/>
+      </p:nvGrpSpPr>
+      <p:grpSpPr>
+        <a:xfrm>
+          <a:off x="0" y="0"/>
+          <a:ext cx="0" cy="0"/>
+          <a:chOff x="0" y="0"/>
+          <a:chExt cx="0" cy="0"/>
+        </a:xfrm>
+      </p:grpSpPr>
+      <p:sp>
+        <p:nvSpPr>
+          <p:cNvPr id="608" name="Basic plotting and visualizing of results"/>
+          <p:cNvSpPr txBox="1"/>
+          <p:nvPr/>
+        </p:nvSpPr>
+        <p:spPr>
+          <a:xfrm>
+            <a:off x="3154313" y="337961"/>
+            <a:ext cx="4973477" cy="420628"/>
+          </a:xfrm>
+          <a:prstGeom prst="rect">
+            <a:avLst/>
+          </a:prstGeom>
+          <a:ln w="12700">
+            <a:miter lim="400000"/>
+          </a:ln>
+          <a:extLst>
+            <a:ext uri="{C572A759-6A51-4108-AA02-DFA0A04FC94B}">
+              <ma14:wrappingTextBoxFlag xmlns="" xmlns:m="http://schemas.openxmlformats.org/officeDocument/2006/math" xmlns:a14="http://schemas.microsoft.com/office/drawing/2010/main" xmlns:ma14="http://schemas.microsoft.com/office/mac/drawingml/2011/main" val="1"/>
+            </a:ext>
+          </a:extLst>
+        </p:spPr>
+        <p:txBody>
+          <a:bodyPr wrap="none" lIns="25400" tIns="25400" rIns="25400" bIns="25400" anchor="ctr">
+            <a:spAutoFit/>
+          </a:bodyPr>
+          <a:lstStyle>
+            <a:lvl1pPr>
+              <a:defRPr sz="4800" b="1"/>
+            </a:lvl1pPr>
+          </a:lstStyle>
+          <a:p>
+            <a:r>
+              <a:rPr sz="2400"/>
+              <a:t>Basic plotting and visualizing of results</a:t>
+            </a:r>
+          </a:p>
+        </p:txBody>
+      </p:sp>
+      <p:pic>
+        <p:nvPicPr>
+          <p:cNvPr id="609" name="Image" descr="Image"/>
+          <p:cNvPicPr>
+            <a:picLocks noChangeAspect="1"/>
+          </p:cNvPicPr>
+          <p:nvPr/>
+        </p:nvPicPr>
+        <p:blipFill>
+          <a:blip r:embed="rId3"/>
+          <a:stretch>
+            <a:fillRect/>
+          </a:stretch>
+        </p:blipFill>
+        <p:spPr>
+          <a:xfrm>
+            <a:off x="2313452" y="1102438"/>
+            <a:ext cx="7721157" cy="1592958"/>
+          </a:xfrm>
+          <a:prstGeom prst="rect">
+            <a:avLst/>
+          </a:prstGeom>
+          <a:ln w="12700">
+            <a:miter lim="400000"/>
+          </a:ln>
+        </p:spPr>
+      </p:pic>
+      <p:pic>
+        <p:nvPicPr>
+          <p:cNvPr id="610" name="Image" descr="Image"/>
+          <p:cNvPicPr>
+            <a:picLocks noChangeAspect="1"/>
+          </p:cNvPicPr>
+          <p:nvPr/>
+        </p:nvPicPr>
+        <p:blipFill>
+          <a:blip r:embed="rId4"/>
+          <a:stretch>
+            <a:fillRect/>
+          </a:stretch>
+        </p:blipFill>
+        <p:spPr>
+          <a:xfrm>
+            <a:off x="2685462" y="2800675"/>
+            <a:ext cx="6466526" cy="3496494"/>
+          </a:xfrm>
+          <a:prstGeom prst="rect">
+            <a:avLst/>
+          </a:prstGeom>
+          <a:ln w="12700">
+            <a:miter lim="400000"/>
+          </a:ln>
+        </p:spPr>
+      </p:pic>
+    </p:spTree>
+  </p:cSld>
+  <p:clrMapOvr>
+    <a:masterClrMapping/>
+  </p:clrMapOvr>
+</p:sld>
+</file>
+
+<file path=ppt/slides/slide21.xml><?xml version="1.0" encoding="utf-8"?>
+<p:sld xmlns:a="http://schemas.openxmlformats.org/drawingml/2006/main" xmlns:r="http://schemas.openxmlformats.org/officeDocument/2006/relationships" xmlns:p="http://schemas.openxmlformats.org/presentationml/2006/main">
+  <p:cSld>
+    <p:spTree>
+      <p:nvGrpSpPr>
+        <p:cNvPr id="1" name=""/>
+        <p:cNvGrpSpPr/>
+        <p:nvPr/>
+      </p:nvGrpSpPr>
+      <p:grpSpPr>
+        <a:xfrm>
+          <a:off x="0" y="0"/>
+          <a:ext cx="0" cy="0"/>
+          <a:chOff x="0" y="0"/>
+          <a:chExt cx="0" cy="0"/>
+        </a:xfrm>
+      </p:grpSpPr>
+      <p:pic>
+        <p:nvPicPr>
+          <p:cNvPr id="614" name="Image" descr="Image"/>
+          <p:cNvPicPr>
+            <a:picLocks noChangeAspect="1"/>
+          </p:cNvPicPr>
+          <p:nvPr/>
+        </p:nvPicPr>
+        <p:blipFill>
+          <a:blip r:embed="rId2"/>
+          <a:stretch>
+            <a:fillRect/>
+          </a:stretch>
+        </p:blipFill>
+        <p:spPr>
+          <a:xfrm>
+            <a:off x="6971615" y="1540727"/>
+            <a:ext cx="4076701" cy="3200401"/>
+          </a:xfrm>
+          <a:prstGeom prst="rect">
+            <a:avLst/>
+          </a:prstGeom>
+          <a:ln w="12700">
+            <a:miter lim="400000"/>
+          </a:ln>
+        </p:spPr>
+      </p:pic>
+      <p:sp>
+        <p:nvSpPr>
+          <p:cNvPr id="615" name="Basic plotting and visualizing of results"/>
+          <p:cNvSpPr txBox="1"/>
+          <p:nvPr/>
+        </p:nvSpPr>
+        <p:spPr>
+          <a:xfrm>
+            <a:off x="3154313" y="337961"/>
+            <a:ext cx="4973477" cy="420628"/>
+          </a:xfrm>
+          <a:prstGeom prst="rect">
+            <a:avLst/>
+          </a:prstGeom>
+          <a:ln w="12700">
+            <a:miter lim="400000"/>
+          </a:ln>
+          <a:extLst>
+            <a:ext uri="{C572A759-6A51-4108-AA02-DFA0A04FC94B}">
+              <ma14:wrappingTextBoxFlag xmlns="" xmlns:m="http://schemas.openxmlformats.org/officeDocument/2006/math" xmlns:a14="http://schemas.microsoft.com/office/drawing/2010/main" xmlns:ma14="http://schemas.microsoft.com/office/mac/drawingml/2011/main" val="1"/>
+            </a:ext>
+          </a:extLst>
+        </p:spPr>
+        <p:txBody>
+          <a:bodyPr wrap="none" lIns="25400" tIns="25400" rIns="25400" bIns="25400" anchor="ctr">
+            <a:spAutoFit/>
+          </a:bodyPr>
+          <a:lstStyle>
+            <a:lvl1pPr>
+              <a:defRPr sz="4800" b="1"/>
+            </a:lvl1pPr>
+          </a:lstStyle>
+          <a:p>
+            <a:r>
+              <a:rPr sz="2400"/>
+              <a:t>Basic plotting and visualizing of results</a:t>
+            </a:r>
+          </a:p>
+        </p:txBody>
+      </p:sp>
+      <p:pic>
+        <p:nvPicPr>
+          <p:cNvPr id="616" name="Image" descr="Image"/>
+          <p:cNvPicPr>
+            <a:picLocks noChangeAspect="1"/>
+          </p:cNvPicPr>
+          <p:nvPr/>
+        </p:nvPicPr>
+        <p:blipFill>
+          <a:blip r:embed="rId3"/>
+          <a:stretch>
+            <a:fillRect/>
+          </a:stretch>
+        </p:blipFill>
+        <p:spPr>
+          <a:xfrm>
+            <a:off x="702193" y="1898435"/>
+            <a:ext cx="5661352" cy="3061131"/>
+          </a:xfrm>
+          <a:prstGeom prst="rect">
+            <a:avLst/>
+          </a:prstGeom>
+          <a:ln w="12700">
+            <a:miter lim="400000"/>
+          </a:ln>
+        </p:spPr>
+      </p:pic>
+      <p:sp>
+        <p:nvSpPr>
+          <p:cNvPr id="617" name="Initial"/>
+          <p:cNvSpPr txBox="1"/>
+          <p:nvPr/>
+        </p:nvSpPr>
+        <p:spPr>
+          <a:xfrm>
+            <a:off x="3577833" y="1713694"/>
+            <a:ext cx="597921" cy="328295"/>
+          </a:xfrm>
+          <a:prstGeom prst="rect">
+            <a:avLst/>
+          </a:prstGeom>
+          <a:ln w="12700">
+            <a:miter lim="400000"/>
+          </a:ln>
+          <a:extLst>
+            <a:ext uri="{C572A759-6A51-4108-AA02-DFA0A04FC94B}">
+              <ma14:wrappingTextBoxFlag xmlns="" xmlns:m="http://schemas.openxmlformats.org/officeDocument/2006/math" xmlns:a14="http://schemas.microsoft.com/office/drawing/2010/main" xmlns:ma14="http://schemas.microsoft.com/office/mac/drawingml/2011/main" val="1"/>
+            </a:ext>
+          </a:extLst>
+        </p:spPr>
+        <p:txBody>
+          <a:bodyPr wrap="none" lIns="25400" tIns="25400" rIns="25400" bIns="25400" anchor="ctr">
+            <a:spAutoFit/>
+          </a:bodyPr>
+          <a:lstStyle>
+            <a:lvl1pPr>
+              <a:defRPr sz="3600" b="1"/>
+            </a:lvl1pPr>
+          </a:lstStyle>
+          <a:p>
+            <a:r>
+              <a:rPr sz="1800"/>
+              <a:t>Initial</a:t>
+            </a:r>
+          </a:p>
+        </p:txBody>
+      </p:sp>
+      <p:sp>
+        <p:nvSpPr>
+          <p:cNvPr id="618" name="Shrunk"/>
+          <p:cNvSpPr txBox="1"/>
+          <p:nvPr/>
+        </p:nvSpPr>
+        <p:spPr>
+          <a:xfrm>
+            <a:off x="8867814" y="1713694"/>
+            <a:ext cx="722955" cy="328295"/>
+          </a:xfrm>
+          <a:prstGeom prst="rect">
+            <a:avLst/>
+          </a:prstGeom>
+          <a:ln w="12700">
+            <a:miter lim="400000"/>
+          </a:ln>
+          <a:extLst>
+            <a:ext uri="{C572A759-6A51-4108-AA02-DFA0A04FC94B}">
+              <ma14:wrappingTextBoxFlag xmlns="" xmlns:m="http://schemas.openxmlformats.org/officeDocument/2006/math" xmlns:a14="http://schemas.microsoft.com/office/drawing/2010/main" xmlns:ma14="http://schemas.microsoft.com/office/mac/drawingml/2011/main" val="1"/>
+            </a:ext>
+          </a:extLst>
+        </p:spPr>
+        <p:txBody>
+          <a:bodyPr wrap="none" lIns="25400" tIns="25400" rIns="25400" bIns="25400" anchor="ctr">
+            <a:spAutoFit/>
+          </a:bodyPr>
+          <a:lstStyle>
+            <a:lvl1pPr>
+              <a:defRPr sz="3600" b="1"/>
+            </a:lvl1pPr>
+          </a:lstStyle>
+          <a:p>
+            <a:r>
+              <a:rPr sz="1800"/>
+              <a:t>Shrunk</a:t>
+            </a:r>
+          </a:p>
+        </p:txBody>
+      </p:sp>
+    </p:spTree>
+  </p:cSld>
+  <p:clrMapOvr>
+    <a:masterClrMapping/>
+  </p:clrMapOvr>
+</p:sld>
+</file>
+
+<file path=ppt/slides/slide22.xml><?xml version="1.0" encoding="utf-8"?>
+<p:sld xmlns:a="http://schemas.openxmlformats.org/drawingml/2006/main" xmlns:r="http://schemas.openxmlformats.org/officeDocument/2006/relationships" xmlns:p="http://schemas.openxmlformats.org/presentationml/2006/main">
+  <p:cSld>
+    <p:spTree>
+      <p:nvGrpSpPr>
+        <p:cNvPr id="1" name=""/>
+        <p:cNvGrpSpPr/>
+        <p:nvPr/>
+      </p:nvGrpSpPr>
+      <p:grpSpPr>
+        <a:xfrm>
+          <a:off x="0" y="0"/>
+          <a:ext cx="0" cy="0"/>
+          <a:chOff x="0" y="0"/>
+          <a:chExt cx="0" cy="0"/>
+        </a:xfrm>
+      </p:grpSpPr>
+      <p:sp>
+        <p:nvSpPr>
+          <p:cNvPr id="620" name="Basic plotting and visualizing of results"/>
+          <p:cNvSpPr txBox="1"/>
+          <p:nvPr/>
+        </p:nvSpPr>
+        <p:spPr>
+          <a:xfrm>
+            <a:off x="3154313" y="337961"/>
+            <a:ext cx="4973477" cy="420628"/>
+          </a:xfrm>
+          <a:prstGeom prst="rect">
+            <a:avLst/>
+          </a:prstGeom>
+          <a:ln w="12700">
+            <a:miter lim="400000"/>
+          </a:ln>
+          <a:extLst>
+            <a:ext uri="{C572A759-6A51-4108-AA02-DFA0A04FC94B}">
+              <ma14:wrappingTextBoxFlag xmlns="" xmlns:m="http://schemas.openxmlformats.org/officeDocument/2006/math" xmlns:a14="http://schemas.microsoft.com/office/drawing/2010/main" xmlns:ma14="http://schemas.microsoft.com/office/mac/drawingml/2011/main" val="1"/>
+            </a:ext>
+          </a:extLst>
+        </p:spPr>
+        <p:txBody>
+          <a:bodyPr wrap="none" lIns="25400" tIns="25400" rIns="25400" bIns="25400" anchor="ctr">
+            <a:spAutoFit/>
+          </a:bodyPr>
+          <a:lstStyle>
+            <a:lvl1pPr>
+              <a:defRPr sz="4800" b="1"/>
+            </a:lvl1pPr>
+          </a:lstStyle>
+          <a:p>
+            <a:r>
+              <a:rPr sz="2400"/>
+              <a:t>Basic plotting and visualizing of results</a:t>
+            </a:r>
+          </a:p>
+        </p:txBody>
+      </p:sp>
+      <p:sp>
+        <p:nvSpPr>
+          <p:cNvPr id="621" name="VolcanoPlot"/>
+          <p:cNvSpPr txBox="1"/>
+          <p:nvPr/>
+        </p:nvSpPr>
+        <p:spPr>
+          <a:xfrm>
+            <a:off x="8032556" y="1425621"/>
+            <a:ext cx="1195007" cy="328295"/>
+          </a:xfrm>
+          <a:prstGeom prst="rect">
+            <a:avLst/>
+          </a:prstGeom>
+          <a:ln w="12700">
+            <a:miter lim="400000"/>
+          </a:ln>
+          <a:extLst>
+            <a:ext uri="{C572A759-6A51-4108-AA02-DFA0A04FC94B}">
+              <ma14:wrappingTextBoxFlag xmlns="" xmlns:m="http://schemas.openxmlformats.org/officeDocument/2006/math" xmlns:a14="http://schemas.microsoft.com/office/drawing/2010/main" xmlns:ma14="http://schemas.microsoft.com/office/mac/drawingml/2011/main" val="1"/>
+            </a:ext>
+          </a:extLst>
+        </p:spPr>
+        <p:txBody>
+          <a:bodyPr wrap="none" lIns="25400" tIns="25400" rIns="25400" bIns="25400" anchor="ctr">
+            <a:spAutoFit/>
+          </a:bodyPr>
+          <a:lstStyle>
+            <a:lvl1pPr>
+              <a:defRPr sz="3600" b="1"/>
+            </a:lvl1pPr>
+          </a:lstStyle>
+          <a:p>
+            <a:r>
+              <a:rPr sz="1800"/>
+              <a:t>VolcanoPlot</a:t>
+            </a:r>
+          </a:p>
+        </p:txBody>
+      </p:sp>
+      <p:pic>
+        <p:nvPicPr>
+          <p:cNvPr id="622" name="Image" descr="Image"/>
+          <p:cNvPicPr>
+            <a:picLocks noChangeAspect="1"/>
+          </p:cNvPicPr>
+          <p:nvPr/>
+        </p:nvPicPr>
+        <p:blipFill>
+          <a:blip r:embed="rId2"/>
+          <a:stretch>
+            <a:fillRect/>
+          </a:stretch>
+        </p:blipFill>
+        <p:spPr>
+          <a:xfrm>
+            <a:off x="6608154" y="1741477"/>
+            <a:ext cx="4485379" cy="3978834"/>
+          </a:xfrm>
+          <a:prstGeom prst="rect">
+            <a:avLst/>
+          </a:prstGeom>
+          <a:ln w="12700">
+            <a:miter lim="400000"/>
+          </a:ln>
+        </p:spPr>
+      </p:pic>
+      <p:pic>
+        <p:nvPicPr>
+          <p:cNvPr id="623" name="Image" descr="Image"/>
+          <p:cNvPicPr>
+            <a:picLocks noChangeAspect="1"/>
+          </p:cNvPicPr>
+          <p:nvPr/>
+        </p:nvPicPr>
+        <p:blipFill>
+          <a:blip r:embed="rId3"/>
+          <a:stretch>
+            <a:fillRect/>
+          </a:stretch>
+        </p:blipFill>
+        <p:spPr>
+          <a:xfrm>
+            <a:off x="691388" y="1679166"/>
+            <a:ext cx="5227020" cy="4103455"/>
+          </a:xfrm>
+          <a:prstGeom prst="rect">
+            <a:avLst/>
+          </a:prstGeom>
+          <a:ln w="12700">
+            <a:miter lim="400000"/>
+          </a:ln>
+        </p:spPr>
+      </p:pic>
+      <p:sp>
+        <p:nvSpPr>
+          <p:cNvPr id="624" name="Shrunk"/>
+          <p:cNvSpPr txBox="1"/>
+          <p:nvPr/>
+        </p:nvSpPr>
+        <p:spPr>
+          <a:xfrm>
+            <a:off x="3073123" y="1890969"/>
+            <a:ext cx="722955" cy="328295"/>
+          </a:xfrm>
+          <a:prstGeom prst="rect">
+            <a:avLst/>
+          </a:prstGeom>
+          <a:ln w="12700">
+            <a:miter lim="400000"/>
+          </a:ln>
+          <a:extLst>
+            <a:ext uri="{C572A759-6A51-4108-AA02-DFA0A04FC94B}">
+              <ma14:wrappingTextBoxFlag xmlns="" xmlns:m="http://schemas.openxmlformats.org/officeDocument/2006/math" xmlns:a14="http://schemas.microsoft.com/office/drawing/2010/main" xmlns:ma14="http://schemas.microsoft.com/office/mac/drawingml/2011/main" val="1"/>
+            </a:ext>
+          </a:extLst>
+        </p:spPr>
+        <p:txBody>
+          <a:bodyPr wrap="none" lIns="25400" tIns="25400" rIns="25400" bIns="25400" anchor="ctr">
+            <a:spAutoFit/>
+          </a:bodyPr>
+          <a:lstStyle>
+            <a:lvl1pPr>
+              <a:defRPr sz="3600" b="1"/>
+            </a:lvl1pPr>
+          </a:lstStyle>
+          <a:p>
+            <a:r>
+              <a:rPr sz="1800"/>
+              <a:t>Shrunk</a:t>
+            </a:r>
+          </a:p>
+        </p:txBody>
+      </p:sp>
+    </p:spTree>
+  </p:cSld>
+  <p:clrMapOvr>
+    <a:masterClrMapping/>
+  </p:clrMapOvr>
+</p:sld>
+</file>
+
+<file path=ppt/slides/slide23.xml><?xml version="1.0" encoding="utf-8"?>
+<p:sld xmlns:a="http://schemas.openxmlformats.org/drawingml/2006/main" xmlns:r="http://schemas.openxmlformats.org/officeDocument/2006/relationships" xmlns:p="http://schemas.openxmlformats.org/presentationml/2006/main">
+  <p:cSld>
+    <p:spTree>
+      <p:nvGrpSpPr>
+        <p:cNvPr id="1" name=""/>
+        <p:cNvGrpSpPr/>
+        <p:nvPr/>
+      </p:nvGrpSpPr>
+      <p:grpSpPr>
+        <a:xfrm>
+          <a:off x="0" y="0"/>
+          <a:ext cx="0" cy="0"/>
+          <a:chOff x="0" y="0"/>
+          <a:chExt cx="0" cy="0"/>
+        </a:xfrm>
+      </p:grpSpPr>
+      <p:sp>
+        <p:nvSpPr>
+          <p:cNvPr id="626" name="Basic plotting and visualizing of results"/>
+          <p:cNvSpPr txBox="1"/>
+          <p:nvPr/>
+        </p:nvSpPr>
+        <p:spPr>
+          <a:xfrm>
+            <a:off x="3154313" y="337961"/>
+            <a:ext cx="4973477" cy="420628"/>
+          </a:xfrm>
+          <a:prstGeom prst="rect">
+            <a:avLst/>
+          </a:prstGeom>
+          <a:ln w="12700">
+            <a:miter lim="400000"/>
+          </a:ln>
+          <a:extLst>
+            <a:ext uri="{C572A759-6A51-4108-AA02-DFA0A04FC94B}">
+              <ma14:wrappingTextBoxFlag xmlns="" xmlns:m="http://schemas.openxmlformats.org/officeDocument/2006/math" xmlns:a14="http://schemas.microsoft.com/office/drawing/2010/main" xmlns:ma14="http://schemas.microsoft.com/office/mac/drawingml/2011/main" val="1"/>
+            </a:ext>
+          </a:extLst>
+        </p:spPr>
+        <p:txBody>
+          <a:bodyPr wrap="none" lIns="25400" tIns="25400" rIns="25400" bIns="25400" anchor="ctr">
+            <a:spAutoFit/>
+          </a:bodyPr>
+          <a:lstStyle>
+            <a:lvl1pPr>
+              <a:defRPr sz="4800" b="1"/>
+            </a:lvl1pPr>
+          </a:lstStyle>
+          <a:p>
+            <a:r>
+              <a:rPr sz="2400"/>
+              <a:t>Basic plotting and visualizing of results</a:t>
+            </a:r>
+          </a:p>
+        </p:txBody>
+      </p:sp>
+      <p:pic>
+        <p:nvPicPr>
+          <p:cNvPr id="627" name="Image" descr="Image"/>
+          <p:cNvPicPr>
+            <a:picLocks noChangeAspect="1"/>
+          </p:cNvPicPr>
+          <p:nvPr/>
+        </p:nvPicPr>
+        <p:blipFill>
+          <a:blip r:embed="rId2"/>
+          <a:stretch>
+            <a:fillRect/>
+          </a:stretch>
+        </p:blipFill>
+        <p:spPr>
+          <a:xfrm>
+            <a:off x="514371" y="1237370"/>
+            <a:ext cx="3411661" cy="3749608"/>
+          </a:xfrm>
+          <a:prstGeom prst="rect">
+            <a:avLst/>
+          </a:prstGeom>
+          <a:ln w="12700">
+            <a:miter lim="400000"/>
+          </a:ln>
+        </p:spPr>
+      </p:pic>
+      <p:pic>
+        <p:nvPicPr>
+          <p:cNvPr id="628" name="Image" descr="Image"/>
+          <p:cNvPicPr>
+            <a:picLocks noChangeAspect="1"/>
+          </p:cNvPicPr>
+          <p:nvPr/>
+        </p:nvPicPr>
+        <p:blipFill>
+          <a:blip r:embed="rId3"/>
+          <a:stretch>
+            <a:fillRect/>
+          </a:stretch>
+        </p:blipFill>
+        <p:spPr>
+          <a:xfrm>
+            <a:off x="1280800" y="5375068"/>
+            <a:ext cx="9062241" cy="537868"/>
+          </a:xfrm>
+          <a:prstGeom prst="rect">
+            <a:avLst/>
+          </a:prstGeom>
+          <a:ln w="12700">
+            <a:miter lim="400000"/>
+          </a:ln>
+        </p:spPr>
+      </p:pic>
+      <p:pic>
+        <p:nvPicPr>
+          <p:cNvPr id="629" name="Image" descr="Image"/>
+          <p:cNvPicPr>
+            <a:picLocks noChangeAspect="1"/>
+          </p:cNvPicPr>
+          <p:nvPr/>
+        </p:nvPicPr>
+        <p:blipFill>
+          <a:blip r:embed="rId4"/>
+          <a:stretch>
+            <a:fillRect/>
+          </a:stretch>
+        </p:blipFill>
+        <p:spPr>
+          <a:xfrm>
+            <a:off x="4303437" y="1400655"/>
+            <a:ext cx="3354517" cy="3583414"/>
+          </a:xfrm>
+          <a:prstGeom prst="rect">
+            <a:avLst/>
+          </a:prstGeom>
+          <a:ln w="12700">
+            <a:miter lim="400000"/>
+          </a:ln>
+        </p:spPr>
+      </p:pic>
+      <p:pic>
+        <p:nvPicPr>
+          <p:cNvPr id="630" name="Image" descr="Image"/>
+          <p:cNvPicPr>
+            <a:picLocks noChangeAspect="1"/>
+          </p:cNvPicPr>
+          <p:nvPr/>
+        </p:nvPicPr>
+        <p:blipFill>
+          <a:blip r:embed="rId5"/>
+          <a:stretch>
+            <a:fillRect/>
+          </a:stretch>
+        </p:blipFill>
+        <p:spPr>
+          <a:xfrm>
+            <a:off x="7826785" y="1320467"/>
+            <a:ext cx="3282222" cy="3583414"/>
+          </a:xfrm>
+          <a:prstGeom prst="rect">
+            <a:avLst/>
+          </a:prstGeom>
+          <a:ln w="12700">
+            <a:miter lim="400000"/>
+          </a:ln>
+        </p:spPr>
+      </p:pic>
+    </p:spTree>
+  </p:cSld>
+  <p:clrMapOvr>
+    <a:masterClrMapping/>
+  </p:clrMapOvr>
+</p:sld>
+</file>
+
+<file path=ppt/slides/slide24.xml><?xml version="1.0" encoding="utf-8"?>
+<p:sld xmlns:a="http://schemas.openxmlformats.org/drawingml/2006/main" xmlns:r="http://schemas.openxmlformats.org/officeDocument/2006/relationships" xmlns:p="http://schemas.openxmlformats.org/presentationml/2006/main">
+  <p:cSld>
+    <p:spTree>
+      <p:nvGrpSpPr>
+        <p:cNvPr id="1" name=""/>
+        <p:cNvGrpSpPr/>
+        <p:nvPr/>
+      </p:nvGrpSpPr>
+      <p:grpSpPr>
+        <a:xfrm>
+          <a:off x="0" y="0"/>
+          <a:ext cx="0" cy="0"/>
+          <a:chOff x="0" y="0"/>
+          <a:chExt cx="0" cy="0"/>
+        </a:xfrm>
+      </p:grpSpPr>
+      <p:sp>
+        <p:nvSpPr>
+          <p:cNvPr id="632" name="Basic plotting and visualizing of results"/>
+          <p:cNvSpPr txBox="1"/>
+          <p:nvPr/>
+        </p:nvSpPr>
+        <p:spPr>
+          <a:xfrm>
+            <a:off x="3154313" y="337961"/>
+            <a:ext cx="4973477" cy="420628"/>
+          </a:xfrm>
+          <a:prstGeom prst="rect">
+            <a:avLst/>
+          </a:prstGeom>
+          <a:ln w="12700">
+            <a:miter lim="400000"/>
+          </a:ln>
+          <a:extLst>
+            <a:ext uri="{C572A759-6A51-4108-AA02-DFA0A04FC94B}">
+              <ma14:wrappingTextBoxFlag xmlns="" xmlns:m="http://schemas.openxmlformats.org/officeDocument/2006/math" xmlns:a14="http://schemas.microsoft.com/office/drawing/2010/main" xmlns:ma14="http://schemas.microsoft.com/office/mac/drawingml/2011/main" val="1"/>
+            </a:ext>
+          </a:extLst>
+        </p:spPr>
+        <p:txBody>
+          <a:bodyPr wrap="none" lIns="25400" tIns="25400" rIns="25400" bIns="25400" anchor="ctr">
+            <a:spAutoFit/>
+          </a:bodyPr>
+          <a:lstStyle>
+            <a:lvl1pPr>
+              <a:defRPr sz="4800" b="1"/>
+            </a:lvl1pPr>
+          </a:lstStyle>
+          <a:p>
+            <a:r>
+              <a:rPr sz="2400"/>
+              <a:t>Basic plotting and visualizing of results</a:t>
+            </a:r>
+          </a:p>
+        </p:txBody>
+      </p:sp>
+      <p:pic>
+        <p:nvPicPr>
+          <p:cNvPr id="633" name="Image" descr="Image"/>
+          <p:cNvPicPr>
+            <a:picLocks noChangeAspect="1"/>
+          </p:cNvPicPr>
+          <p:nvPr/>
+        </p:nvPicPr>
+        <p:blipFill>
+          <a:blip r:embed="rId3"/>
+          <a:stretch>
+            <a:fillRect/>
+          </a:stretch>
+        </p:blipFill>
+        <p:spPr>
+          <a:xfrm>
+            <a:off x="4476252" y="837004"/>
+            <a:ext cx="3780716" cy="5566728"/>
+          </a:xfrm>
+          <a:prstGeom prst="rect">
+            <a:avLst/>
+          </a:prstGeom>
+          <a:ln w="12700">
+            <a:miter lim="400000"/>
+          </a:ln>
+        </p:spPr>
+      </p:pic>
+    </p:spTree>
+  </p:cSld>
+  <p:clrMapOvr>
+    <a:masterClrMapping/>
+  </p:clrMapOvr>
+</p:sld>
+</file>
+
+<file path=ppt/slides/slide25.xml><?xml version="1.0" encoding="utf-8"?>
+<p:sld xmlns:a="http://schemas.openxmlformats.org/drawingml/2006/main" xmlns:r="http://schemas.openxmlformats.org/officeDocument/2006/relationships" xmlns:p="http://schemas.openxmlformats.org/presentationml/2006/main">
+  <p:cSld>
+    <p:spTree>
+      <p:nvGrpSpPr>
+        <p:cNvPr id="1" name=""/>
+        <p:cNvGrpSpPr/>
+        <p:nvPr/>
+      </p:nvGrpSpPr>
+      <p:grpSpPr>
+        <a:xfrm>
+          <a:off x="0" y="0"/>
+          <a:ext cx="0" cy="0"/>
+          <a:chOff x="0" y="0"/>
+          <a:chExt cx="0" cy="0"/>
+        </a:xfrm>
+      </p:grpSpPr>
+      <p:sp>
+        <p:nvSpPr>
+          <p:cNvPr id="637" name="Basic plotting and visualizing of results"/>
+          <p:cNvSpPr txBox="1"/>
+          <p:nvPr/>
+        </p:nvSpPr>
+        <p:spPr>
+          <a:xfrm>
+            <a:off x="3154313" y="337961"/>
+            <a:ext cx="4973477" cy="420628"/>
+          </a:xfrm>
+          <a:prstGeom prst="rect">
+            <a:avLst/>
+          </a:prstGeom>
+          <a:ln w="12700">
+            <a:miter lim="400000"/>
+          </a:ln>
+          <a:extLst>
+            <a:ext uri="{C572A759-6A51-4108-AA02-DFA0A04FC94B}">
+              <ma14:wrappingTextBoxFlag xmlns="" xmlns:m="http://schemas.openxmlformats.org/officeDocument/2006/math" xmlns:a14="http://schemas.microsoft.com/office/drawing/2010/main" xmlns:ma14="http://schemas.microsoft.com/office/mac/drawingml/2011/main" val="1"/>
+            </a:ext>
+          </a:extLst>
+        </p:spPr>
+        <p:txBody>
+          <a:bodyPr wrap="none" lIns="25400" tIns="25400" rIns="25400" bIns="25400" anchor="ctr">
+            <a:spAutoFit/>
+          </a:bodyPr>
+          <a:lstStyle>
+            <a:lvl1pPr>
+              <a:defRPr sz="4800" b="1"/>
+            </a:lvl1pPr>
+          </a:lstStyle>
+          <a:p>
+            <a:r>
+              <a:rPr sz="2400"/>
+              <a:t>Basic plotting and visualizing of results</a:t>
+            </a:r>
+          </a:p>
+        </p:txBody>
+      </p:sp>
+      <p:pic>
+        <p:nvPicPr>
+          <p:cNvPr id="638" name="Image" descr="Image"/>
+          <p:cNvPicPr>
+            <a:picLocks noChangeAspect="1"/>
+          </p:cNvPicPr>
+          <p:nvPr/>
+        </p:nvPicPr>
+        <p:blipFill>
+          <a:blip r:embed="rId3"/>
+          <a:stretch>
+            <a:fillRect/>
+          </a:stretch>
+        </p:blipFill>
+        <p:spPr>
+          <a:xfrm>
+            <a:off x="1767084" y="1227050"/>
+            <a:ext cx="8657833" cy="387023"/>
+          </a:xfrm>
+          <a:prstGeom prst="rect">
+            <a:avLst/>
+          </a:prstGeom>
+          <a:ln w="12700">
+            <a:miter lim="400000"/>
+          </a:ln>
+        </p:spPr>
+      </p:pic>
+      <p:pic>
+        <p:nvPicPr>
+          <p:cNvPr id="639" name="Image" descr="Image"/>
+          <p:cNvPicPr>
+            <a:picLocks noChangeAspect="1"/>
+          </p:cNvPicPr>
+          <p:nvPr/>
+        </p:nvPicPr>
+        <p:blipFill>
+          <a:blip r:embed="rId4"/>
+          <a:stretch>
+            <a:fillRect/>
+          </a:stretch>
+        </p:blipFill>
+        <p:spPr>
+          <a:xfrm>
+            <a:off x="4377012" y="1647641"/>
+            <a:ext cx="3282860" cy="4816267"/>
+          </a:xfrm>
+          <a:prstGeom prst="rect">
+            <a:avLst/>
+          </a:prstGeom>
+          <a:ln w="12700">
+            <a:miter lim="400000"/>
+          </a:ln>
+        </p:spPr>
+      </p:pic>
+    </p:spTree>
+  </p:cSld>
+  <p:clrMapOvr>
+    <a:masterClrMapping/>
+  </p:clrMapOvr>
+</p:sld>
+</file>
+
+<file path=ppt/slides/slide26.xml><?xml version="1.0" encoding="utf-8"?>
+<p:sld xmlns:a="http://schemas.openxmlformats.org/drawingml/2006/main" xmlns:r="http://schemas.openxmlformats.org/officeDocument/2006/relationships" xmlns:p="http://schemas.openxmlformats.org/presentationml/2006/main">
+  <p:cSld>
+    <p:spTree>
+      <p:nvGrpSpPr>
+        <p:cNvPr id="1" name=""/>
+        <p:cNvGrpSpPr/>
+        <p:nvPr/>
+      </p:nvGrpSpPr>
+      <p:grpSpPr>
+        <a:xfrm>
+          <a:off x="0" y="0"/>
+          <a:ext cx="0" cy="0"/>
+          <a:chOff x="0" y="0"/>
+          <a:chExt cx="0" cy="0"/>
+        </a:xfrm>
+      </p:grpSpPr>
+      <p:pic>
+        <p:nvPicPr>
+          <p:cNvPr id="643" name="Image" descr="Image"/>
+          <p:cNvPicPr>
+            <a:picLocks noChangeAspect="1"/>
+          </p:cNvPicPr>
+          <p:nvPr/>
+        </p:nvPicPr>
+        <p:blipFill>
+          <a:blip r:embed="rId3"/>
+          <a:stretch>
+            <a:fillRect/>
+          </a:stretch>
+        </p:blipFill>
+        <p:spPr>
+          <a:xfrm>
+            <a:off x="4048189" y="1268790"/>
+            <a:ext cx="4095623" cy="4950362"/>
+          </a:xfrm>
+          <a:prstGeom prst="rect">
+            <a:avLst/>
+          </a:prstGeom>
+          <a:ln w="12700">
+            <a:miter lim="400000"/>
+          </a:ln>
+        </p:spPr>
+      </p:pic>
+      <p:sp>
+        <p:nvSpPr>
+          <p:cNvPr id="644" name="Filter by Fold Change"/>
+          <p:cNvSpPr txBox="1"/>
+          <p:nvPr/>
+        </p:nvSpPr>
+        <p:spPr>
+          <a:xfrm>
+            <a:off x="4521022" y="349040"/>
+            <a:ext cx="2714141" cy="420628"/>
+          </a:xfrm>
+          <a:prstGeom prst="rect">
+            <a:avLst/>
+          </a:prstGeom>
+          <a:ln w="12700">
+            <a:miter lim="400000"/>
+          </a:ln>
+          <a:extLst>
+            <a:ext uri="{C572A759-6A51-4108-AA02-DFA0A04FC94B}">
+              <ma14:wrappingTextBoxFlag xmlns="" xmlns:m="http://schemas.openxmlformats.org/officeDocument/2006/math" xmlns:a14="http://schemas.microsoft.com/office/drawing/2010/main" xmlns:ma14="http://schemas.microsoft.com/office/mac/drawingml/2011/main" val="1"/>
+            </a:ext>
+          </a:extLst>
+        </p:spPr>
+        <p:txBody>
+          <a:bodyPr wrap="none" lIns="25400" tIns="25400" rIns="25400" bIns="25400" anchor="ctr">
+            <a:spAutoFit/>
+          </a:bodyPr>
+          <a:lstStyle>
+            <a:lvl1pPr>
+              <a:defRPr sz="4800" b="1"/>
+            </a:lvl1pPr>
+          </a:lstStyle>
+          <a:p>
+            <a:r>
+              <a:rPr sz="2400"/>
+              <a:t>Filter by Fold Change</a:t>
+            </a:r>
+          </a:p>
+        </p:txBody>
+      </p:sp>
+      <p:pic>
+        <p:nvPicPr>
+          <p:cNvPr id="645" name="Image" descr="Image"/>
+          <p:cNvPicPr>
+            <a:picLocks noChangeAspect="1"/>
+          </p:cNvPicPr>
+          <p:nvPr/>
+        </p:nvPicPr>
+        <p:blipFill>
+          <a:blip r:embed="rId4"/>
+          <a:stretch>
+            <a:fillRect/>
+          </a:stretch>
+        </p:blipFill>
+        <p:spPr>
+          <a:xfrm>
+            <a:off x="2851360" y="1141587"/>
+            <a:ext cx="6489280" cy="368388"/>
+          </a:xfrm>
+          <a:prstGeom prst="rect">
+            <a:avLst/>
+          </a:prstGeom>
+          <a:ln w="12700">
+            <a:miter lim="400000"/>
+          </a:ln>
+        </p:spPr>
+      </p:pic>
+    </p:spTree>
+  </p:cSld>
+  <p:clrMapOvr>
+    <a:masterClrMapping/>
+  </p:clrMapOvr>
+</p:sld>
+</file>
+
+<file path=ppt/slides/slide27.xml><?xml version="1.0" encoding="utf-8"?>
+<p:sld xmlns:a="http://schemas.openxmlformats.org/drawingml/2006/main" xmlns:r="http://schemas.openxmlformats.org/officeDocument/2006/relationships" xmlns:p="http://schemas.openxmlformats.org/presentationml/2006/main">
+  <p:cSld>
+    <p:spTree>
+      <p:nvGrpSpPr>
+        <p:cNvPr id="1" name=""/>
+        <p:cNvGrpSpPr/>
+        <p:nvPr/>
+      </p:nvGrpSpPr>
+      <p:grpSpPr>
+        <a:xfrm>
+          <a:off x="0" y="0"/>
+          <a:ext cx="0" cy="0"/>
+          <a:chOff x="0" y="0"/>
+          <a:chExt cx="0" cy="0"/>
+        </a:xfrm>
+      </p:grpSpPr>
+      <p:sp>
+        <p:nvSpPr>
+          <p:cNvPr id="2" name="TextBox 1">
+            <a:extLst>
+              <a:ext uri="{FF2B5EF4-FFF2-40B4-BE49-F238E27FC236}">
+                <a16:creationId xmlns:a16="http://schemas.microsoft.com/office/drawing/2014/main" id="{56111A2F-0305-3AE7-EFE7-6959F4545F9F}"/>
+              </a:ext>
+            </a:extLst>
+          </p:cNvPr>
+          <p:cNvSpPr txBox="1"/>
+          <p:nvPr/>
+        </p:nvSpPr>
+        <p:spPr>
+          <a:xfrm>
+            <a:off x="5034987" y="2395959"/>
+            <a:ext cx="2519088" cy="369332"/>
+          </a:xfrm>
+          <a:prstGeom prst="rect">
+            <a:avLst/>
+          </a:prstGeom>
+          <a:noFill/>
+        </p:spPr>
+        <p:txBody>
+          <a:bodyPr wrap="none" rtlCol="0">
+            <a:spAutoFit/>
+          </a:bodyPr>
+          <a:lstStyle/>
+          <a:p>
+            <a:r>
+              <a:rPr lang="en-US" dirty="0"/>
+              <a:t>Visualization Code Demo</a:t>
+            </a:r>
+          </a:p>
+        </p:txBody>
+      </p:sp>
+    </p:spTree>
+    <p:extLst>
+      <p:ext uri="{BB962C8B-B14F-4D97-AF65-F5344CB8AC3E}">
+        <p14:creationId xmlns:p14="http://schemas.microsoft.com/office/powerpoint/2010/main" val="4076217780"/>
+      </p:ext>
+    </p:extLst>
   </p:cSld>
   <p:clrMapOvr>
     <a:masterClrMapping/>
@@ -6068,14 +7582,14 @@
       </p:grpSpPr>
       <p:sp>
         <p:nvSpPr>
-          <p:cNvPr id="544" name="Total counts per sample"/>
+          <p:cNvPr id="335" name="Raw Counts"/>
           <p:cNvSpPr txBox="1"/>
           <p:nvPr/>
         </p:nvSpPr>
         <p:spPr>
           <a:xfrm>
-            <a:off x="4193631" y="316399"/>
-            <a:ext cx="3082254" cy="420628"/>
+            <a:off x="5391694" y="1681708"/>
+            <a:ext cx="993798" cy="282129"/>
           </a:xfrm>
           <a:prstGeom prst="rect">
             <a:avLst/>
@@ -6085,7 +7599,920 @@
           </a:ln>
           <a:extLst>
             <a:ext uri="{C572A759-6A51-4108-AA02-DFA0A04FC94B}">
-              <ma14:wrappingTextBoxFlag xmlns:ma14="http://schemas.microsoft.com/office/mac/drawingml/2011/main" xmlns:a14="http://schemas.microsoft.com/office/drawing/2010/main" xmlns:m="http://schemas.openxmlformats.org/officeDocument/2006/math" xmlns="" val="1"/>
+              <ma14:wrappingTextBoxFlag xmlns="" xmlns:m="http://schemas.openxmlformats.org/officeDocument/2006/math" xmlns:a14="http://schemas.microsoft.com/office/drawing/2010/main" xmlns:ma14="http://schemas.microsoft.com/office/mac/drawingml/2011/main" val="1"/>
+            </a:ext>
+          </a:extLst>
+        </p:spPr>
+        <p:txBody>
+          <a:bodyPr wrap="none" lIns="25400" tIns="25400" rIns="25400" bIns="25400" anchor="ctr">
+            <a:spAutoFit/>
+          </a:bodyPr>
+          <a:lstStyle>
+            <a:lvl1pPr>
+              <a:defRPr sz="3000" b="1"/>
+            </a:lvl1pPr>
+          </a:lstStyle>
+          <a:p>
+            <a:r>
+              <a:rPr sz="1500"/>
+              <a:t>Raw Counts</a:t>
+            </a:r>
+          </a:p>
+        </p:txBody>
+      </p:sp>
+      <p:graphicFrame>
+        <p:nvGraphicFramePr>
+          <p:cNvPr id="336" name="Table"/>
+          <p:cNvGraphicFramePr/>
+          <p:nvPr/>
+        </p:nvGraphicFramePr>
+        <p:xfrm>
+          <a:off x="5348285" y="1108081"/>
+          <a:ext cx="1251728" cy="1473200"/>
+        </p:xfrm>
+        <a:graphic>
+          <a:graphicData uri="http://schemas.openxmlformats.org/drawingml/2006/table">
+            <a:tbl>
+              <a:tblPr firstRow="1" firstCol="1" bandRow="1"/>
+              <a:tblGrid>
+                <a:gridCol w="312932">
+                  <a:extLst>
+                    <a:ext uri="{9D8B030D-6E8A-4147-A177-3AD203B41FA5}">
+                      <a16:colId xmlns:a16="http://schemas.microsoft.com/office/drawing/2014/main" val="20000"/>
+                    </a:ext>
+                  </a:extLst>
+                </a:gridCol>
+                <a:gridCol w="312932">
+                  <a:extLst>
+                    <a:ext uri="{9D8B030D-6E8A-4147-A177-3AD203B41FA5}">
+                      <a16:colId xmlns:a16="http://schemas.microsoft.com/office/drawing/2014/main" val="20001"/>
+                    </a:ext>
+                  </a:extLst>
+                </a:gridCol>
+                <a:gridCol w="312932">
+                  <a:extLst>
+                    <a:ext uri="{9D8B030D-6E8A-4147-A177-3AD203B41FA5}">
+                      <a16:colId xmlns:a16="http://schemas.microsoft.com/office/drawing/2014/main" val="20002"/>
+                    </a:ext>
+                  </a:extLst>
+                </a:gridCol>
+                <a:gridCol w="312932">
+                  <a:extLst>
+                    <a:ext uri="{9D8B030D-6E8A-4147-A177-3AD203B41FA5}">
+                      <a16:colId xmlns:a16="http://schemas.microsoft.com/office/drawing/2014/main" val="20003"/>
+                    </a:ext>
+                  </a:extLst>
+                </a:gridCol>
+              </a:tblGrid>
+              <a:tr h="294640">
+                <a:tc>
+                  <a:txBody>
+                    <a:bodyPr/>
+                    <a:lstStyle/>
+                    <a:p>
+                      <a:pPr defTabSz="914400">
+                        <a:tabLst>
+                          <a:tab pos="1663700" algn="l"/>
+                        </a:tabLst>
+                        <a:defRPr sz="3200"/>
+                      </a:pPr>
+                      <a:endParaRPr sz="1600"/>
+                    </a:p>
+                  </a:txBody>
+                  <a:tcPr marL="25400" marR="25400" marT="25400" marB="25400" anchor="ctr" horzOverflow="overflow">
+                    <a:lnL w="12700">
+                      <a:solidFill>
+                        <a:srgbClr val="000000"/>
+                      </a:solidFill>
+                      <a:miter lim="400000"/>
+                    </a:lnL>
+                  </a:tcPr>
+                </a:tc>
+                <a:tc>
+                  <a:txBody>
+                    <a:bodyPr/>
+                    <a:lstStyle/>
+                    <a:p>
+                      <a:pPr defTabSz="914400">
+                        <a:tabLst>
+                          <a:tab pos="1663700" algn="l"/>
+                        </a:tabLst>
+                        <a:defRPr sz="3200"/>
+                      </a:pPr>
+                      <a:endParaRPr sz="1600"/>
+                    </a:p>
+                  </a:txBody>
+                  <a:tcPr marL="25400" marR="25400" marT="25400" marB="25400" anchor="ctr" horzOverflow="overflow"/>
+                </a:tc>
+                <a:tc>
+                  <a:txBody>
+                    <a:bodyPr/>
+                    <a:lstStyle/>
+                    <a:p>
+                      <a:pPr defTabSz="914400">
+                        <a:tabLst>
+                          <a:tab pos="1663700" algn="l"/>
+                        </a:tabLst>
+                        <a:defRPr sz="3200"/>
+                      </a:pPr>
+                      <a:endParaRPr sz="1600"/>
+                    </a:p>
+                  </a:txBody>
+                  <a:tcPr marL="25400" marR="25400" marT="25400" marB="25400" anchor="ctr" horzOverflow="overflow"/>
+                </a:tc>
+                <a:tc>
+                  <a:txBody>
+                    <a:bodyPr/>
+                    <a:lstStyle/>
+                    <a:p>
+                      <a:pPr defTabSz="914400">
+                        <a:tabLst>
+                          <a:tab pos="1663700" algn="l"/>
+                        </a:tabLst>
+                        <a:defRPr sz="3200"/>
+                      </a:pPr>
+                      <a:endParaRPr sz="1600"/>
+                    </a:p>
+                  </a:txBody>
+                  <a:tcPr marL="25400" marR="25400" marT="25400" marB="25400" anchor="ctr" horzOverflow="overflow">
+                    <a:lnR w="12700">
+                      <a:solidFill>
+                        <a:srgbClr val="000000"/>
+                      </a:solidFill>
+                      <a:miter lim="400000"/>
+                    </a:lnR>
+                  </a:tcPr>
+                </a:tc>
+                <a:extLst>
+                  <a:ext uri="{0D108BD9-81ED-4DB2-BD59-A6C34878D82A}">
+                    <a16:rowId xmlns:a16="http://schemas.microsoft.com/office/drawing/2014/main" val="10000"/>
+                  </a:ext>
+                </a:extLst>
+              </a:tr>
+              <a:tr h="294640">
+                <a:tc>
+                  <a:txBody>
+                    <a:bodyPr/>
+                    <a:lstStyle/>
+                    <a:p>
+                      <a:pPr defTabSz="914400">
+                        <a:tabLst>
+                          <a:tab pos="1663700" algn="l"/>
+                        </a:tabLst>
+                        <a:defRPr sz="3200"/>
+                      </a:pPr>
+                      <a:endParaRPr sz="1600"/>
+                    </a:p>
+                  </a:txBody>
+                  <a:tcPr marL="25400" marR="25400" marT="25400" marB="25400" anchor="ctr" horzOverflow="overflow"/>
+                </a:tc>
+                <a:tc>
+                  <a:txBody>
+                    <a:bodyPr/>
+                    <a:lstStyle/>
+                    <a:p>
+                      <a:pPr defTabSz="914400">
+                        <a:defRPr sz="3200"/>
+                      </a:pPr>
+                      <a:endParaRPr sz="1600"/>
+                    </a:p>
+                  </a:txBody>
+                  <a:tcPr marL="25400" marR="25400" marT="25400" marB="25400" anchor="ctr" horzOverflow="overflow"/>
+                </a:tc>
+                <a:tc>
+                  <a:txBody>
+                    <a:bodyPr/>
+                    <a:lstStyle/>
+                    <a:p>
+                      <a:pPr defTabSz="914400">
+                        <a:defRPr sz="3200"/>
+                      </a:pPr>
+                      <a:endParaRPr sz="1600"/>
+                    </a:p>
+                  </a:txBody>
+                  <a:tcPr marL="25400" marR="25400" marT="25400" marB="25400" anchor="ctr" horzOverflow="overflow"/>
+                </a:tc>
+                <a:tc>
+                  <a:txBody>
+                    <a:bodyPr/>
+                    <a:lstStyle/>
+                    <a:p>
+                      <a:pPr defTabSz="914400">
+                        <a:defRPr sz="3200"/>
+                      </a:pPr>
+                      <a:endParaRPr sz="1600"/>
+                    </a:p>
+                  </a:txBody>
+                  <a:tcPr marL="25400" marR="25400" marT="25400" marB="25400" anchor="ctr" horzOverflow="overflow">
+                    <a:lnR w="12700">
+                      <a:solidFill>
+                        <a:srgbClr val="000000"/>
+                      </a:solidFill>
+                      <a:miter lim="400000"/>
+                    </a:lnR>
+                  </a:tcPr>
+                </a:tc>
+                <a:extLst>
+                  <a:ext uri="{0D108BD9-81ED-4DB2-BD59-A6C34878D82A}">
+                    <a16:rowId xmlns:a16="http://schemas.microsoft.com/office/drawing/2014/main" val="10001"/>
+                  </a:ext>
+                </a:extLst>
+              </a:tr>
+              <a:tr h="294640">
+                <a:tc>
+                  <a:txBody>
+                    <a:bodyPr/>
+                    <a:lstStyle/>
+                    <a:p>
+                      <a:pPr defTabSz="914400">
+                        <a:tabLst>
+                          <a:tab pos="1663700" algn="l"/>
+                        </a:tabLst>
+                        <a:defRPr sz="3200"/>
+                      </a:pPr>
+                      <a:endParaRPr sz="1600"/>
+                    </a:p>
+                  </a:txBody>
+                  <a:tcPr marL="25400" marR="25400" marT="25400" marB="25400" anchor="ctr" horzOverflow="overflow"/>
+                </a:tc>
+                <a:tc>
+                  <a:txBody>
+                    <a:bodyPr/>
+                    <a:lstStyle/>
+                    <a:p>
+                      <a:pPr defTabSz="914400">
+                        <a:defRPr sz="3200"/>
+                      </a:pPr>
+                      <a:endParaRPr sz="1600"/>
+                    </a:p>
+                  </a:txBody>
+                  <a:tcPr marL="25400" marR="25400" marT="25400" marB="25400" anchor="ctr" horzOverflow="overflow">
+                    <a:solidFill>
+                      <a:srgbClr val="929292"/>
+                    </a:solidFill>
+                  </a:tcPr>
+                </a:tc>
+                <a:tc>
+                  <a:txBody>
+                    <a:bodyPr/>
+                    <a:lstStyle/>
+                    <a:p>
+                      <a:pPr defTabSz="914400">
+                        <a:defRPr sz="3200"/>
+                      </a:pPr>
+                      <a:endParaRPr sz="1600"/>
+                    </a:p>
+                  </a:txBody>
+                  <a:tcPr marL="25400" marR="25400" marT="25400" marB="25400" anchor="ctr" horzOverflow="overflow">
+                    <a:solidFill>
+                      <a:srgbClr val="929292"/>
+                    </a:solidFill>
+                  </a:tcPr>
+                </a:tc>
+                <a:tc>
+                  <a:txBody>
+                    <a:bodyPr/>
+                    <a:lstStyle/>
+                    <a:p>
+                      <a:pPr defTabSz="914400">
+                        <a:defRPr sz="3200"/>
+                      </a:pPr>
+                      <a:endParaRPr sz="1600"/>
+                    </a:p>
+                  </a:txBody>
+                  <a:tcPr marL="25400" marR="25400" marT="25400" marB="25400" anchor="ctr" horzOverflow="overflow">
+                    <a:lnR w="12700">
+                      <a:solidFill>
+                        <a:srgbClr val="000000"/>
+                      </a:solidFill>
+                      <a:miter lim="400000"/>
+                    </a:lnR>
+                    <a:solidFill>
+                      <a:srgbClr val="929292"/>
+                    </a:solidFill>
+                  </a:tcPr>
+                </a:tc>
+                <a:extLst>
+                  <a:ext uri="{0D108BD9-81ED-4DB2-BD59-A6C34878D82A}">
+                    <a16:rowId xmlns:a16="http://schemas.microsoft.com/office/drawing/2014/main" val="10002"/>
+                  </a:ext>
+                </a:extLst>
+              </a:tr>
+              <a:tr h="294640">
+                <a:tc>
+                  <a:txBody>
+                    <a:bodyPr/>
+                    <a:lstStyle/>
+                    <a:p>
+                      <a:pPr defTabSz="914400">
+                        <a:tabLst>
+                          <a:tab pos="1663700" algn="l"/>
+                        </a:tabLst>
+                        <a:defRPr sz="3200"/>
+                      </a:pPr>
+                      <a:endParaRPr sz="1600"/>
+                    </a:p>
+                  </a:txBody>
+                  <a:tcPr marL="25400" marR="25400" marT="25400" marB="25400" anchor="ctr" horzOverflow="overflow"/>
+                </a:tc>
+                <a:tc>
+                  <a:txBody>
+                    <a:bodyPr/>
+                    <a:lstStyle/>
+                    <a:p>
+                      <a:pPr defTabSz="914400">
+                        <a:defRPr sz="3200"/>
+                      </a:pPr>
+                      <a:endParaRPr sz="1600"/>
+                    </a:p>
+                  </a:txBody>
+                  <a:tcPr marL="25400" marR="25400" marT="25400" marB="25400" anchor="ctr" horzOverflow="overflow"/>
+                </a:tc>
+                <a:tc>
+                  <a:txBody>
+                    <a:bodyPr/>
+                    <a:lstStyle/>
+                    <a:p>
+                      <a:pPr defTabSz="914400">
+                        <a:defRPr sz="3200"/>
+                      </a:pPr>
+                      <a:endParaRPr sz="1600"/>
+                    </a:p>
+                  </a:txBody>
+                  <a:tcPr marL="25400" marR="25400" marT="25400" marB="25400" anchor="ctr" horzOverflow="overflow"/>
+                </a:tc>
+                <a:tc>
+                  <a:txBody>
+                    <a:bodyPr/>
+                    <a:lstStyle/>
+                    <a:p>
+                      <a:pPr defTabSz="914400">
+                        <a:defRPr sz="3200"/>
+                      </a:pPr>
+                      <a:endParaRPr sz="1600"/>
+                    </a:p>
+                  </a:txBody>
+                  <a:tcPr marL="25400" marR="25400" marT="25400" marB="25400" anchor="ctr" horzOverflow="overflow">
+                    <a:lnR w="12700">
+                      <a:solidFill>
+                        <a:srgbClr val="000000"/>
+                      </a:solidFill>
+                      <a:miter lim="400000"/>
+                    </a:lnR>
+                  </a:tcPr>
+                </a:tc>
+                <a:extLst>
+                  <a:ext uri="{0D108BD9-81ED-4DB2-BD59-A6C34878D82A}">
+                    <a16:rowId xmlns:a16="http://schemas.microsoft.com/office/drawing/2014/main" val="10003"/>
+                  </a:ext>
+                </a:extLst>
+              </a:tr>
+              <a:tr h="294640">
+                <a:tc>
+                  <a:txBody>
+                    <a:bodyPr/>
+                    <a:lstStyle/>
+                    <a:p>
+                      <a:pPr defTabSz="914400">
+                        <a:tabLst>
+                          <a:tab pos="1663700" algn="l"/>
+                        </a:tabLst>
+                        <a:defRPr sz="3200"/>
+                      </a:pPr>
+                      <a:endParaRPr sz="1600"/>
+                    </a:p>
+                  </a:txBody>
+                  <a:tcPr marL="25400" marR="25400" marT="25400" marB="25400" anchor="ctr" horzOverflow="overflow">
+                    <a:lnB w="12700">
+                      <a:solidFill>
+                        <a:srgbClr val="000000"/>
+                      </a:solidFill>
+                      <a:miter lim="400000"/>
+                    </a:lnB>
+                  </a:tcPr>
+                </a:tc>
+                <a:tc>
+                  <a:txBody>
+                    <a:bodyPr/>
+                    <a:lstStyle/>
+                    <a:p>
+                      <a:pPr defTabSz="914400">
+                        <a:defRPr sz="3200"/>
+                      </a:pPr>
+                      <a:endParaRPr sz="1600"/>
+                    </a:p>
+                  </a:txBody>
+                  <a:tcPr marL="25400" marR="25400" marT="25400" marB="25400" anchor="ctr" horzOverflow="overflow">
+                    <a:lnB w="12700">
+                      <a:solidFill>
+                        <a:srgbClr val="000000"/>
+                      </a:solidFill>
+                      <a:miter lim="400000"/>
+                    </a:lnB>
+                    <a:solidFill>
+                      <a:srgbClr val="929292"/>
+                    </a:solidFill>
+                  </a:tcPr>
+                </a:tc>
+                <a:tc>
+                  <a:txBody>
+                    <a:bodyPr/>
+                    <a:lstStyle/>
+                    <a:p>
+                      <a:pPr defTabSz="914400">
+                        <a:defRPr sz="3200"/>
+                      </a:pPr>
+                      <a:endParaRPr sz="1600"/>
+                    </a:p>
+                  </a:txBody>
+                  <a:tcPr marL="25400" marR="25400" marT="25400" marB="25400" anchor="ctr" horzOverflow="overflow">
+                    <a:lnB w="12700">
+                      <a:solidFill>
+                        <a:srgbClr val="000000"/>
+                      </a:solidFill>
+                      <a:miter lim="400000"/>
+                    </a:lnB>
+                    <a:solidFill>
+                      <a:srgbClr val="929292"/>
+                    </a:solidFill>
+                  </a:tcPr>
+                </a:tc>
+                <a:tc>
+                  <a:txBody>
+                    <a:bodyPr/>
+                    <a:lstStyle/>
+                    <a:p>
+                      <a:pPr defTabSz="914400">
+                        <a:defRPr sz="3200"/>
+                      </a:pPr>
+                      <a:endParaRPr sz="1600"/>
+                    </a:p>
+                  </a:txBody>
+                  <a:tcPr marL="25400" marR="25400" marT="25400" marB="25400" anchor="ctr" horzOverflow="overflow">
+                    <a:lnR w="12700">
+                      <a:solidFill>
+                        <a:srgbClr val="000000"/>
+                      </a:solidFill>
+                      <a:miter lim="400000"/>
+                    </a:lnR>
+                    <a:lnB w="12700">
+                      <a:solidFill>
+                        <a:srgbClr val="000000"/>
+                      </a:solidFill>
+                      <a:miter lim="400000"/>
+                    </a:lnB>
+                    <a:solidFill>
+                      <a:srgbClr val="929292"/>
+                    </a:solidFill>
+                  </a:tcPr>
+                </a:tc>
+                <a:extLst>
+                  <a:ext uri="{0D108BD9-81ED-4DB2-BD59-A6C34878D82A}">
+                    <a16:rowId xmlns:a16="http://schemas.microsoft.com/office/drawing/2014/main" val="10004"/>
+                  </a:ext>
+                </a:extLst>
+              </a:tr>
+            </a:tbl>
+          </a:graphicData>
+        </a:graphic>
+      </p:graphicFrame>
+      <p:sp>
+        <p:nvSpPr>
+          <p:cNvPr id="337" name="Genes"/>
+          <p:cNvSpPr txBox="1"/>
+          <p:nvPr/>
+        </p:nvSpPr>
+        <p:spPr>
+          <a:xfrm rot="16200000">
+            <a:off x="5001286" y="1290373"/>
+            <a:ext cx="344646" cy="189796"/>
+          </a:xfrm>
+          <a:prstGeom prst="rect">
+            <a:avLst/>
+          </a:prstGeom>
+          <a:ln w="12700">
+            <a:miter lim="400000"/>
+          </a:ln>
+          <a:extLst>
+            <a:ext uri="{C572A759-6A51-4108-AA02-DFA0A04FC94B}">
+              <ma14:wrappingTextBoxFlag xmlns="" xmlns:m="http://schemas.openxmlformats.org/officeDocument/2006/math" xmlns:a14="http://schemas.microsoft.com/office/drawing/2010/main" xmlns:ma14="http://schemas.microsoft.com/office/mac/drawingml/2011/main" val="1"/>
+            </a:ext>
+          </a:extLst>
+        </p:spPr>
+        <p:txBody>
+          <a:bodyPr wrap="none" lIns="25400" tIns="25400" rIns="25400" bIns="25400" anchor="ctr">
+            <a:spAutoFit/>
+          </a:bodyPr>
+          <a:lstStyle/>
+          <a:p>
+            <a:r>
+              <a:rPr sz="900"/>
+              <a:t>Genes</a:t>
+            </a:r>
+          </a:p>
+        </p:txBody>
+      </p:sp>
+      <p:sp>
+        <p:nvSpPr>
+          <p:cNvPr id="338" name="Samples"/>
+          <p:cNvSpPr txBox="1"/>
+          <p:nvPr/>
+        </p:nvSpPr>
+        <p:spPr>
+          <a:xfrm>
+            <a:off x="5649155" y="928127"/>
+            <a:ext cx="442429" cy="189796"/>
+          </a:xfrm>
+          <a:prstGeom prst="rect">
+            <a:avLst/>
+          </a:prstGeom>
+          <a:ln w="12700">
+            <a:miter lim="400000"/>
+          </a:ln>
+          <a:extLst>
+            <a:ext uri="{C572A759-6A51-4108-AA02-DFA0A04FC94B}">
+              <ma14:wrappingTextBoxFlag xmlns="" xmlns:m="http://schemas.openxmlformats.org/officeDocument/2006/math" xmlns:a14="http://schemas.microsoft.com/office/drawing/2010/main" xmlns:ma14="http://schemas.microsoft.com/office/mac/drawingml/2011/main" val="1"/>
+            </a:ext>
+          </a:extLst>
+        </p:spPr>
+        <p:txBody>
+          <a:bodyPr wrap="none" lIns="25400" tIns="25400" rIns="25400" bIns="25400" anchor="ctr">
+            <a:spAutoFit/>
+          </a:bodyPr>
+          <a:lstStyle/>
+          <a:p>
+            <a:r>
+              <a:rPr sz="900"/>
+              <a:t>Samples</a:t>
+            </a:r>
+          </a:p>
+        </p:txBody>
+      </p:sp>
+      <p:sp>
+        <p:nvSpPr>
+          <p:cNvPr id="339" name="Visualization/Quality Control"/>
+          <p:cNvSpPr txBox="1"/>
+          <p:nvPr/>
+        </p:nvSpPr>
+        <p:spPr>
+          <a:xfrm>
+            <a:off x="2390075" y="2475900"/>
+            <a:ext cx="2217145" cy="266740"/>
+          </a:xfrm>
+          <a:prstGeom prst="rect">
+            <a:avLst/>
+          </a:prstGeom>
+          <a:ln w="12700">
+            <a:miter lim="400000"/>
+          </a:ln>
+          <a:extLst>
+            <a:ext uri="{C572A759-6A51-4108-AA02-DFA0A04FC94B}">
+              <ma14:wrappingTextBoxFlag xmlns="" xmlns:m="http://schemas.openxmlformats.org/officeDocument/2006/math" xmlns:a14="http://schemas.microsoft.com/office/drawing/2010/main" xmlns:ma14="http://schemas.microsoft.com/office/mac/drawingml/2011/main" val="1"/>
+            </a:ext>
+          </a:extLst>
+        </p:spPr>
+        <p:txBody>
+          <a:bodyPr wrap="none" lIns="25400" tIns="25400" rIns="25400" bIns="25400" anchor="ctr">
+            <a:spAutoFit/>
+          </a:bodyPr>
+          <a:lstStyle>
+            <a:lvl1pPr>
+              <a:defRPr b="1"/>
+            </a:lvl1pPr>
+          </a:lstStyle>
+          <a:p>
+            <a:r>
+              <a:rPr sz="1400" dirty="0"/>
+              <a:t>Visualization/Quality Control</a:t>
+            </a:r>
+          </a:p>
+        </p:txBody>
+      </p:sp>
+      <p:sp>
+        <p:nvSpPr>
+          <p:cNvPr id="340" name="Differential Expression"/>
+          <p:cNvSpPr txBox="1"/>
+          <p:nvPr/>
+        </p:nvSpPr>
+        <p:spPr>
+          <a:xfrm>
+            <a:off x="7937584" y="2514372"/>
+            <a:ext cx="1144544" cy="189796"/>
+          </a:xfrm>
+          <a:prstGeom prst="rect">
+            <a:avLst/>
+          </a:prstGeom>
+          <a:ln w="12700">
+            <a:miter lim="400000"/>
+          </a:ln>
+          <a:extLst>
+            <a:ext uri="{C572A759-6A51-4108-AA02-DFA0A04FC94B}">
+              <ma14:wrappingTextBoxFlag xmlns="" xmlns:m="http://schemas.openxmlformats.org/officeDocument/2006/math" xmlns:a14="http://schemas.microsoft.com/office/drawing/2010/main" xmlns:ma14="http://schemas.microsoft.com/office/mac/drawingml/2011/main" val="1"/>
+            </a:ext>
+          </a:extLst>
+        </p:spPr>
+        <p:txBody>
+          <a:bodyPr wrap="none" lIns="25400" tIns="25400" rIns="25400" bIns="25400" anchor="ctr">
+            <a:spAutoFit/>
+          </a:bodyPr>
+          <a:lstStyle>
+            <a:lvl1pPr>
+              <a:defRPr b="1"/>
+            </a:lvl1pPr>
+          </a:lstStyle>
+          <a:p>
+            <a:r>
+              <a:rPr sz="900" dirty="0"/>
+              <a:t>Differential Expression</a:t>
+            </a:r>
+          </a:p>
+        </p:txBody>
+      </p:sp>
+      <p:sp>
+        <p:nvSpPr>
+          <p:cNvPr id="341" name="Line"/>
+          <p:cNvSpPr/>
+          <p:nvPr/>
+        </p:nvSpPr>
+        <p:spPr>
+          <a:xfrm>
+            <a:off x="6759385" y="1875866"/>
+            <a:ext cx="749612" cy="555578"/>
+          </a:xfrm>
+          <a:prstGeom prst="line">
+            <a:avLst/>
+          </a:prstGeom>
+          <a:ln w="50800">
+            <a:solidFill>
+              <a:srgbClr val="000000"/>
+            </a:solidFill>
+            <a:miter lim="400000"/>
+            <a:tailEnd type="triangle"/>
+          </a:ln>
+        </p:spPr>
+        <p:txBody>
+          <a:bodyPr lIns="25400" tIns="25400" rIns="25400" bIns="25400" anchor="ctr"/>
+          <a:lstStyle/>
+          <a:p>
+            <a:endParaRPr sz="900"/>
+          </a:p>
+        </p:txBody>
+      </p:sp>
+      <p:sp>
+        <p:nvSpPr>
+          <p:cNvPr id="342" name="Line"/>
+          <p:cNvSpPr/>
+          <p:nvPr/>
+        </p:nvSpPr>
+        <p:spPr>
+          <a:xfrm flipH="1">
+            <a:off x="4439300" y="1875866"/>
+            <a:ext cx="749612" cy="555578"/>
+          </a:xfrm>
+          <a:prstGeom prst="line">
+            <a:avLst/>
+          </a:prstGeom>
+          <a:ln w="50800">
+            <a:solidFill>
+              <a:srgbClr val="000000"/>
+            </a:solidFill>
+            <a:miter lim="400000"/>
+            <a:tailEnd type="triangle"/>
+          </a:ln>
+        </p:spPr>
+        <p:txBody>
+          <a:bodyPr lIns="25400" tIns="25400" rIns="25400" bIns="25400" anchor="ctr"/>
+          <a:lstStyle/>
+          <a:p>
+            <a:endParaRPr sz="900"/>
+          </a:p>
+        </p:txBody>
+      </p:sp>
+      <p:sp>
+        <p:nvSpPr>
+          <p:cNvPr id="343" name="DESeq2::vst()…"/>
+          <p:cNvSpPr txBox="1"/>
+          <p:nvPr/>
+        </p:nvSpPr>
+        <p:spPr>
+          <a:xfrm>
+            <a:off x="2154903" y="2723610"/>
+            <a:ext cx="2381999" cy="1205458"/>
+          </a:xfrm>
+          <a:prstGeom prst="rect">
+            <a:avLst/>
+          </a:prstGeom>
+          <a:ln w="12700">
+            <a:miter lim="400000"/>
+          </a:ln>
+          <a:extLst>
+            <a:ext uri="{C572A759-6A51-4108-AA02-DFA0A04FC94B}">
+              <ma14:wrappingTextBoxFlag xmlns="" xmlns:m="http://schemas.openxmlformats.org/officeDocument/2006/math" xmlns:a14="http://schemas.microsoft.com/office/drawing/2010/main" xmlns:ma14="http://schemas.microsoft.com/office/mac/drawingml/2011/main" val="1"/>
+            </a:ext>
+          </a:extLst>
+        </p:spPr>
+        <p:txBody>
+          <a:bodyPr wrap="none" lIns="25400" tIns="25400" rIns="25400" bIns="25400" anchor="ctr">
+            <a:spAutoFit/>
+          </a:bodyPr>
+          <a:lstStyle/>
+          <a:p>
+            <a:pPr algn="l">
+              <a:defRPr sz="3000"/>
+            </a:pPr>
+            <a:r>
+              <a:rPr sz="1500"/>
+              <a:t>DESeq2::vst()</a:t>
+            </a:r>
+          </a:p>
+          <a:p>
+            <a:pPr algn="l">
+              <a:defRPr sz="3000"/>
+            </a:pPr>
+            <a:r>
+              <a:rPr sz="1500"/>
+              <a:t>DESeq2::rlog()</a:t>
+            </a:r>
+          </a:p>
+          <a:p>
+            <a:pPr algn="l">
+              <a:defRPr sz="3000"/>
+            </a:pPr>
+            <a:r>
+              <a:rPr sz="1500"/>
+              <a:t>DESeq2::plotPCA()</a:t>
+            </a:r>
+          </a:p>
+          <a:p>
+            <a:pPr algn="l">
+              <a:defRPr sz="3000"/>
+            </a:pPr>
+            <a:r>
+              <a:rPr sz="1500"/>
+              <a:t>DESeq2::plotCounts()</a:t>
+            </a:r>
+          </a:p>
+          <a:p>
+            <a:pPr algn="l">
+              <a:defRPr sz="3000"/>
+            </a:pPr>
+            <a:r>
+              <a:rPr sz="1500"/>
+              <a:t>ComplexHeatmap::Heatmap()</a:t>
+            </a:r>
+          </a:p>
+        </p:txBody>
+      </p:sp>
+      <p:sp>
+        <p:nvSpPr>
+          <p:cNvPr id="344" name="DESeq2::DESeq()…"/>
+          <p:cNvSpPr txBox="1"/>
+          <p:nvPr/>
+        </p:nvSpPr>
+        <p:spPr>
+          <a:xfrm>
+            <a:off x="8011802" y="3069858"/>
+            <a:ext cx="1385379" cy="512961"/>
+          </a:xfrm>
+          <a:prstGeom prst="rect">
+            <a:avLst/>
+          </a:prstGeom>
+          <a:ln w="12700">
+            <a:miter lim="400000"/>
+          </a:ln>
+          <a:extLst>
+            <a:ext uri="{C572A759-6A51-4108-AA02-DFA0A04FC94B}">
+              <ma14:wrappingTextBoxFlag xmlns="" xmlns:m="http://schemas.openxmlformats.org/officeDocument/2006/math" xmlns:a14="http://schemas.microsoft.com/office/drawing/2010/main" xmlns:ma14="http://schemas.microsoft.com/office/mac/drawingml/2011/main" val="1"/>
+            </a:ext>
+          </a:extLst>
+        </p:spPr>
+        <p:txBody>
+          <a:bodyPr wrap="none" lIns="25400" tIns="25400" rIns="25400" bIns="25400" anchor="ctr">
+            <a:spAutoFit/>
+          </a:bodyPr>
+          <a:lstStyle/>
+          <a:p>
+            <a:pPr>
+              <a:defRPr sz="3000"/>
+            </a:pPr>
+            <a:r>
+              <a:rPr sz="1500"/>
+              <a:t>DESeq2::DESeq()</a:t>
+            </a:r>
+          </a:p>
+          <a:p>
+            <a:pPr>
+              <a:defRPr sz="3000"/>
+            </a:pPr>
+            <a:r>
+              <a:rPr sz="1500"/>
+              <a:t>DESeq2::results()</a:t>
+            </a:r>
+          </a:p>
+        </p:txBody>
+      </p:sp>
+      <p:sp>
+        <p:nvSpPr>
+          <p:cNvPr id="345" name="Rectangle"/>
+          <p:cNvSpPr/>
+          <p:nvPr/>
+        </p:nvSpPr>
+        <p:spPr>
+          <a:xfrm>
+            <a:off x="2023250" y="2701635"/>
+            <a:ext cx="2934229" cy="1512497"/>
+          </a:xfrm>
+          <a:prstGeom prst="rect">
+            <a:avLst/>
+          </a:prstGeom>
+          <a:ln w="50800">
+            <a:solidFill>
+              <a:srgbClr val="C00000"/>
+            </a:solidFill>
+            <a:miter lim="400000"/>
+          </a:ln>
+        </p:spPr>
+        <p:txBody>
+          <a:bodyPr lIns="25400" tIns="25400" rIns="25400" bIns="25400" anchor="ctr"/>
+          <a:lstStyle/>
+          <a:p>
+            <a:pPr defTabSz="412750">
+              <a:defRPr sz="3200">
+                <a:solidFill>
+                  <a:srgbClr val="FFFFFF"/>
+                </a:solidFill>
+                <a:latin typeface="Helvetica Neue Medium"/>
+                <a:ea typeface="Helvetica Neue Medium"/>
+                <a:cs typeface="Helvetica Neue Medium"/>
+                <a:sym typeface="Helvetica Neue Medium"/>
+              </a:defRPr>
+            </a:pPr>
+            <a:endParaRPr sz="1600"/>
+          </a:p>
+        </p:txBody>
+      </p:sp>
+      <p:sp>
+        <p:nvSpPr>
+          <p:cNvPr id="346" name="Rectangle"/>
+          <p:cNvSpPr/>
+          <p:nvPr/>
+        </p:nvSpPr>
+        <p:spPr>
+          <a:xfrm>
+            <a:off x="7317738" y="2701635"/>
+            <a:ext cx="2934229" cy="1512497"/>
+          </a:xfrm>
+          <a:prstGeom prst="rect">
+            <a:avLst/>
+          </a:prstGeom>
+          <a:ln w="50800">
+            <a:solidFill>
+              <a:schemeClr val="accent5">
+                <a:lumOff val="-29866"/>
+              </a:schemeClr>
+            </a:solidFill>
+            <a:miter lim="400000"/>
+          </a:ln>
+        </p:spPr>
+        <p:txBody>
+          <a:bodyPr lIns="25400" tIns="25400" rIns="25400" bIns="25400" anchor="ctr"/>
+          <a:lstStyle/>
+          <a:p>
+            <a:pPr defTabSz="412750">
+              <a:defRPr sz="3200">
+                <a:solidFill>
+                  <a:srgbClr val="FFFFFF"/>
+                </a:solidFill>
+                <a:latin typeface="Helvetica Neue Medium"/>
+                <a:ea typeface="Helvetica Neue Medium"/>
+                <a:cs typeface="Helvetica Neue Medium"/>
+                <a:sym typeface="Helvetica Neue Medium"/>
+              </a:defRPr>
+            </a:pPr>
+            <a:endParaRPr sz="1600"/>
+          </a:p>
+        </p:txBody>
+      </p:sp>
+      <p:sp>
+        <p:nvSpPr>
+          <p:cNvPr id="347" name="Goals in RNA-seq Analysis"/>
+          <p:cNvSpPr txBox="1"/>
+          <p:nvPr/>
+        </p:nvSpPr>
+        <p:spPr>
+          <a:xfrm>
+            <a:off x="4137736" y="338554"/>
+            <a:ext cx="3350982" cy="420628"/>
+          </a:xfrm>
+          <a:prstGeom prst="rect">
+            <a:avLst/>
+          </a:prstGeom>
+          <a:ln w="12700">
+            <a:miter lim="400000"/>
+          </a:ln>
+          <a:extLst>
+            <a:ext uri="{C572A759-6A51-4108-AA02-DFA0A04FC94B}">
+              <ma14:wrappingTextBoxFlag xmlns="" xmlns:m="http://schemas.openxmlformats.org/officeDocument/2006/math" xmlns:a14="http://schemas.microsoft.com/office/drawing/2010/main" xmlns:ma14="http://schemas.microsoft.com/office/mac/drawingml/2011/main" val="1"/>
             </a:ext>
           </a:extLst>
         </p:spPr>
@@ -6101,29 +8528,21 @@
           <a:p>
             <a:r>
               <a:rPr sz="2400"/>
-              <a:t>Total counts per sample</a:t>
-            </a:r>
-          </a:p>
-        </p:txBody>
-      </p:sp>
-      <p:pic>
-        <p:nvPicPr>
-          <p:cNvPr id="545" name="Image" descr="Image"/>
-          <p:cNvPicPr>
-            <a:picLocks noChangeAspect="1"/>
-          </p:cNvPicPr>
-          <p:nvPr/>
-        </p:nvPicPr>
-        <p:blipFill>
-          <a:blip r:embed="rId2"/>
-          <a:stretch>
-            <a:fillRect/>
-          </a:stretch>
-        </p:blipFill>
-        <p:spPr>
-          <a:xfrm>
-            <a:off x="662568" y="1385324"/>
-            <a:ext cx="3413131" cy="1000401"/>
+              <a:t>Goals in RNA-seq Analysis</a:t>
+            </a:r>
+          </a:p>
+        </p:txBody>
+      </p:sp>
+      <p:sp>
+        <p:nvSpPr>
+          <p:cNvPr id="348" name="R code for Differential Expression"/>
+          <p:cNvSpPr txBox="1"/>
+          <p:nvPr/>
+        </p:nvSpPr>
+        <p:spPr>
+          <a:xfrm>
+            <a:off x="6935507" y="4459251"/>
+            <a:ext cx="3507435" cy="359073"/>
           </a:xfrm>
           <a:prstGeom prst="rect">
             <a:avLst/>
@@ -6131,26 +8550,39 @@
           <a:ln w="12700">
             <a:miter lim="400000"/>
           </a:ln>
-        </p:spPr>
-      </p:pic>
-      <p:pic>
-        <p:nvPicPr>
-          <p:cNvPr id="546" name="Image" descr="Image"/>
-          <p:cNvPicPr>
-            <a:picLocks noChangeAspect="1"/>
-          </p:cNvPicPr>
-          <p:nvPr/>
-        </p:nvPicPr>
-        <p:blipFill>
-          <a:blip r:embed="rId3"/>
-          <a:stretch>
-            <a:fillRect/>
-          </a:stretch>
-        </p:blipFill>
-        <p:spPr>
-          <a:xfrm>
-            <a:off x="4569252" y="1453289"/>
-            <a:ext cx="6777685" cy="3267961"/>
+          <a:extLst>
+            <a:ext uri="{C572A759-6A51-4108-AA02-DFA0A04FC94B}">
+              <ma14:wrappingTextBoxFlag xmlns="" xmlns:m="http://schemas.openxmlformats.org/officeDocument/2006/math" xmlns:a14="http://schemas.microsoft.com/office/drawing/2010/main" xmlns:ma14="http://schemas.microsoft.com/office/mac/drawingml/2011/main" val="1"/>
+            </a:ext>
+          </a:extLst>
+        </p:spPr>
+        <p:txBody>
+          <a:bodyPr wrap="none" lIns="25400" tIns="25400" rIns="25400" bIns="25400" anchor="ctr">
+            <a:spAutoFit/>
+          </a:bodyPr>
+          <a:lstStyle>
+            <a:lvl1pPr>
+              <a:defRPr sz="4000"/>
+            </a:lvl1pPr>
+          </a:lstStyle>
+          <a:p>
+            <a:r>
+              <a:rPr sz="2000"/>
+              <a:t>R code for Differential Expression</a:t>
+            </a:r>
+          </a:p>
+        </p:txBody>
+      </p:sp>
+      <p:sp>
+        <p:nvSpPr>
+          <p:cNvPr id="349" name="Full annotated methods in salmon_DE.R"/>
+          <p:cNvSpPr txBox="1"/>
+          <p:nvPr/>
+        </p:nvSpPr>
+        <p:spPr>
+          <a:xfrm>
+            <a:off x="6096368" y="4794099"/>
+            <a:ext cx="5045805" cy="420628"/>
           </a:xfrm>
           <a:prstGeom prst="rect">
             <a:avLst/>
@@ -6158,8 +8590,41 @@
           <a:ln w="12700">
             <a:miter lim="400000"/>
           </a:ln>
-        </p:spPr>
-      </p:pic>
+          <a:extLst>
+            <a:ext uri="{C572A759-6A51-4108-AA02-DFA0A04FC94B}">
+              <ma14:wrappingTextBoxFlag xmlns="" xmlns:m="http://schemas.openxmlformats.org/officeDocument/2006/math" xmlns:a14="http://schemas.microsoft.com/office/drawing/2010/main" xmlns:ma14="http://schemas.microsoft.com/office/mac/drawingml/2011/main" val="1"/>
+            </a:ext>
+          </a:extLst>
+        </p:spPr>
+        <p:txBody>
+          <a:bodyPr wrap="none" lIns="25400" tIns="25400" rIns="25400" bIns="25400" anchor="ctr">
+            <a:spAutoFit/>
+          </a:bodyPr>
+          <a:lstStyle>
+            <a:lvl1pPr>
+              <a:defRPr sz="4800">
+                <a:solidFill>
+                  <a:schemeClr val="accent1">
+                    <a:hueOff val="114395"/>
+                    <a:lumOff val="-24975"/>
+                  </a:schemeClr>
+                </a:solidFill>
+              </a:defRPr>
+            </a:lvl1pPr>
+          </a:lstStyle>
+          <a:p>
+            <a:r>
+              <a:rPr sz="2400" dirty="0"/>
+              <a:t>Full annotated methods in </a:t>
+            </a:r>
+            <a:r>
+              <a:rPr sz="2400" dirty="0" err="1"/>
+              <a:t>salmon_DE.R</a:t>
+            </a:r>
+            <a:endParaRPr sz="2400" dirty="0"/>
+          </a:p>
+        </p:txBody>
+      </p:sp>
     </p:spTree>
   </p:cSld>
   <p:clrMapOvr>
@@ -6187,7 +8652,89 @@
       </p:grpSpPr>
       <p:pic>
         <p:nvPicPr>
-          <p:cNvPr id="548" name="Image" descr="Image"/>
+          <p:cNvPr id="2" name="Picture 1">
+            <a:extLst>
+              <a:ext uri="{FF2B5EF4-FFF2-40B4-BE49-F238E27FC236}">
+                <a16:creationId xmlns:a16="http://schemas.microsoft.com/office/drawing/2014/main" id="{988C6369-8BAA-401D-BC06-BB68C29E3330}"/>
+              </a:ext>
+            </a:extLst>
+          </p:cNvPr>
+          <p:cNvPicPr>
+            <a:picLocks noChangeAspect="1"/>
+          </p:cNvPicPr>
+          <p:nvPr/>
+        </p:nvPicPr>
+        <p:blipFill>
+          <a:blip r:embed="rId2"/>
+          <a:stretch>
+            <a:fillRect/>
+          </a:stretch>
+        </p:blipFill>
+        <p:spPr>
+          <a:xfrm>
+            <a:off x="1306121" y="1458925"/>
+            <a:ext cx="5584579" cy="1469626"/>
+          </a:xfrm>
+          <a:prstGeom prst="rect">
+            <a:avLst/>
+          </a:prstGeom>
+        </p:spPr>
+      </p:pic>
+      <p:sp>
+        <p:nvSpPr>
+          <p:cNvPr id="5" name="Quality Control and Data Visualization">
+            <a:extLst>
+              <a:ext uri="{FF2B5EF4-FFF2-40B4-BE49-F238E27FC236}">
+                <a16:creationId xmlns:a16="http://schemas.microsoft.com/office/drawing/2014/main" id="{FAE2E559-2F97-86CB-DB31-40FA38803BCA}"/>
+              </a:ext>
+            </a:extLst>
+          </p:cNvPr>
+          <p:cNvSpPr txBox="1"/>
+          <p:nvPr/>
+        </p:nvSpPr>
+        <p:spPr>
+          <a:xfrm>
+            <a:off x="3324682" y="626567"/>
+            <a:ext cx="4916282" cy="420628"/>
+          </a:xfrm>
+          <a:prstGeom prst="rect">
+            <a:avLst/>
+          </a:prstGeom>
+          <a:ln w="12700">
+            <a:miter lim="400000"/>
+          </a:ln>
+          <a:extLst>
+            <a:ext uri="{C572A759-6A51-4108-AA02-DFA0A04FC94B}">
+              <ma14:wrappingTextBoxFlag xmlns="" xmlns:m="http://schemas.openxmlformats.org/officeDocument/2006/math" xmlns:a14="http://schemas.microsoft.com/office/drawing/2010/main" xmlns:ma14="http://schemas.microsoft.com/office/mac/drawingml/2011/main" val="1"/>
+            </a:ext>
+          </a:extLst>
+        </p:spPr>
+        <p:txBody>
+          <a:bodyPr wrap="none" lIns="25400" tIns="25400" rIns="25400" bIns="25400" anchor="ctr">
+            <a:spAutoFit/>
+          </a:bodyPr>
+          <a:lstStyle>
+            <a:lvl1pPr>
+              <a:defRPr sz="4800" b="1"/>
+            </a:lvl1pPr>
+          </a:lstStyle>
+          <a:p>
+            <a:r>
+              <a:rPr sz="2400" dirty="0"/>
+              <a:t>Quality Control and Data Visualization</a:t>
+            </a:r>
+          </a:p>
+        </p:txBody>
+      </p:sp>
+      <p:pic>
+        <p:nvPicPr>
+          <p:cNvPr id="7" name="Picture 6">
+            <a:extLst>
+              <a:ext uri="{FF2B5EF4-FFF2-40B4-BE49-F238E27FC236}">
+                <a16:creationId xmlns:a16="http://schemas.microsoft.com/office/drawing/2014/main" id="{CB8235CB-0F7A-39EA-1798-054A88232881}"/>
+              </a:ext>
+            </a:extLst>
+          </p:cNvPr>
           <p:cNvPicPr>
             <a:picLocks noChangeAspect="1"/>
           </p:cNvPicPr>
@@ -6201,86 +8748,136 @@
         </p:blipFill>
         <p:spPr>
           <a:xfrm>
-            <a:off x="3666350" y="695568"/>
-            <a:ext cx="4859300" cy="5676575"/>
-          </a:xfrm>
-          <a:prstGeom prst="rect">
-            <a:avLst/>
-          </a:prstGeom>
-          <a:ln w="12700">
-            <a:miter lim="400000"/>
+            <a:off x="1433555" y="3289979"/>
+            <a:ext cx="5464050" cy="874248"/>
+          </a:xfrm>
+          <a:prstGeom prst="rect">
+            <a:avLst/>
+          </a:prstGeom>
+        </p:spPr>
+      </p:pic>
+      <p:pic>
+        <p:nvPicPr>
+          <p:cNvPr id="8" name="Picture 7">
+            <a:extLst>
+              <a:ext uri="{FF2B5EF4-FFF2-40B4-BE49-F238E27FC236}">
+                <a16:creationId xmlns:a16="http://schemas.microsoft.com/office/drawing/2014/main" id="{8B137289-3784-4019-338E-23C809E38EB2}"/>
+              </a:ext>
+            </a:extLst>
+          </p:cNvPr>
+          <p:cNvPicPr>
+            <a:picLocks noChangeAspect="1"/>
+          </p:cNvPicPr>
+          <p:nvPr/>
+        </p:nvPicPr>
+        <p:blipFill>
+          <a:blip r:embed="rId4"/>
+          <a:stretch>
+            <a:fillRect/>
+          </a:stretch>
+        </p:blipFill>
+        <p:spPr>
+          <a:xfrm>
+            <a:off x="1433555" y="4417711"/>
+            <a:ext cx="3397074" cy="874247"/>
+          </a:xfrm>
+          <a:prstGeom prst="rect">
+            <a:avLst/>
+          </a:prstGeom>
+        </p:spPr>
+      </p:pic>
+      <p:sp>
+        <p:nvSpPr>
+          <p:cNvPr id="9" name="TextBox 8">
+            <a:extLst>
+              <a:ext uri="{FF2B5EF4-FFF2-40B4-BE49-F238E27FC236}">
+                <a16:creationId xmlns:a16="http://schemas.microsoft.com/office/drawing/2014/main" id="{736A519E-F4C0-1B02-64AC-3C373A0E97D9}"/>
+              </a:ext>
+            </a:extLst>
+          </p:cNvPr>
+          <p:cNvSpPr txBox="1"/>
+          <p:nvPr/>
+        </p:nvSpPr>
+        <p:spPr>
+          <a:xfrm>
+            <a:off x="8240964" y="2193738"/>
+            <a:ext cx="3286897" cy="923330"/>
+          </a:xfrm>
+          <a:prstGeom prst="rect">
+            <a:avLst/>
+          </a:prstGeom>
+          <a:noFill/>
+          <a:ln w="28575">
+            <a:solidFill>
+              <a:schemeClr val="accent1">
+                <a:alpha val="66000"/>
+              </a:schemeClr>
+            </a:solidFill>
           </a:ln>
         </p:spPr>
-      </p:pic>
-      <p:sp>
-        <p:nvSpPr>
-          <p:cNvPr id="549" name="Normalized using DESeq"/>
-          <p:cNvSpPr txBox="1"/>
-          <p:nvPr/>
-        </p:nvSpPr>
-        <p:spPr>
-          <a:xfrm>
-            <a:off x="4371213" y="150237"/>
-            <a:ext cx="3074240" cy="420628"/>
-          </a:xfrm>
-          <a:prstGeom prst="rect">
-            <a:avLst/>
-          </a:prstGeom>
-          <a:ln w="12700">
-            <a:miter lim="400000"/>
-          </a:ln>
-          <a:extLst>
-            <a:ext uri="{C572A759-6A51-4108-AA02-DFA0A04FC94B}">
-              <ma14:wrappingTextBoxFlag xmlns:ma14="http://schemas.microsoft.com/office/mac/drawingml/2011/main" xmlns:a14="http://schemas.microsoft.com/office/drawing/2010/main" xmlns:m="http://schemas.openxmlformats.org/officeDocument/2006/math" xmlns="" val="1"/>
-            </a:ext>
-          </a:extLst>
-        </p:spPr>
-        <p:txBody>
-          <a:bodyPr wrap="none" lIns="25400" tIns="25400" rIns="25400" bIns="25400" anchor="ctr">
-            <a:spAutoFit/>
-          </a:bodyPr>
-          <a:lstStyle>
-            <a:lvl1pPr>
-              <a:defRPr sz="4800"/>
-            </a:lvl1pPr>
-          </a:lstStyle>
-          <a:p>
-            <a:r>
-              <a:rPr sz="2400"/>
-              <a:t>Normalized using DESeq</a:t>
-            </a:r>
-          </a:p>
-        </p:txBody>
-      </p:sp>
-      <p:sp>
-        <p:nvSpPr>
-          <p:cNvPr id="550" name="Text"/>
-          <p:cNvSpPr txBox="1"/>
-          <p:nvPr/>
-        </p:nvSpPr>
-        <p:spPr>
-          <a:xfrm>
-            <a:off x="5927750" y="3334102"/>
-            <a:ext cx="51361" cy="189796"/>
-          </a:xfrm>
-          <a:prstGeom prst="rect">
-            <a:avLst/>
-          </a:prstGeom>
-          <a:ln w="12700">
-            <a:miter lim="400000"/>
-          </a:ln>
-        </p:spPr>
-        <p:txBody>
-          <a:bodyPr wrap="none" lIns="25400" tIns="25400" rIns="25400" bIns="25400" anchor="ctr">
+        <p:txBody>
+          <a:bodyPr wrap="square" rtlCol="0">
             <a:spAutoFit/>
           </a:bodyPr>
           <a:lstStyle/>
           <a:p>
-            <a:endParaRPr sz="900"/>
-          </a:p>
-        </p:txBody>
-      </p:sp>
+            <a:r>
+              <a:rPr lang="en-US" dirty="0"/>
+              <a:t>Loads 2 objects (des and res) from previous script </a:t>
+            </a:r>
+            <a:r>
+              <a:rPr lang="en-US" dirty="0" err="1"/>
+              <a:t>salmon_DE.R</a:t>
+            </a:r>
+            <a:endParaRPr lang="en-US" dirty="0"/>
+          </a:p>
+        </p:txBody>
+      </p:sp>
+      <p:cxnSp>
+        <p:nvCxnSpPr>
+          <p:cNvPr id="11" name="Straight Arrow Connector 10">
+            <a:extLst>
+              <a:ext uri="{FF2B5EF4-FFF2-40B4-BE49-F238E27FC236}">
+                <a16:creationId xmlns:a16="http://schemas.microsoft.com/office/drawing/2014/main" id="{2AA9357E-9749-0847-E2EA-B36C4E5711BD}"/>
+              </a:ext>
+            </a:extLst>
+          </p:cNvPr>
+          <p:cNvCxnSpPr/>
+          <p:nvPr/>
+        </p:nvCxnSpPr>
+        <p:spPr>
+          <a:xfrm>
+            <a:off x="6718852" y="2782957"/>
+            <a:ext cx="1252331" cy="0"/>
+          </a:xfrm>
+          <a:prstGeom prst="straightConnector1">
+            <a:avLst/>
+          </a:prstGeom>
+          <a:ln w="57150">
+            <a:tailEnd type="triangle"/>
+          </a:ln>
+        </p:spPr>
+        <p:style>
+          <a:lnRef idx="1">
+            <a:schemeClr val="accent1"/>
+          </a:lnRef>
+          <a:fillRef idx="0">
+            <a:schemeClr val="accent1"/>
+          </a:fillRef>
+          <a:effectRef idx="0">
+            <a:schemeClr val="accent1"/>
+          </a:effectRef>
+          <a:fontRef idx="minor">
+            <a:schemeClr val="tx1"/>
+          </a:fontRef>
+        </p:style>
+      </p:cxnSp>
     </p:spTree>
+    <p:extLst>
+      <p:ext uri="{BB962C8B-B14F-4D97-AF65-F5344CB8AC3E}">
+        <p14:creationId xmlns:p14="http://schemas.microsoft.com/office/powerpoint/2010/main" val="2201410509"/>
+      </p:ext>
+    </p:extLst>
   </p:cSld>
   <p:clrMapOvr>
     <a:masterClrMapping/>
@@ -6305,9 +8902,76 @@
           <a:chExt cx="0" cy="0"/>
         </a:xfrm>
       </p:grpSpPr>
+      <p:sp>
+        <p:nvSpPr>
+          <p:cNvPr id="544" name="Total counts per sample"/>
+          <p:cNvSpPr txBox="1"/>
+          <p:nvPr/>
+        </p:nvSpPr>
+        <p:spPr>
+          <a:xfrm>
+            <a:off x="4875840" y="326338"/>
+            <a:ext cx="3082254" cy="420628"/>
+          </a:xfrm>
+          <a:prstGeom prst="rect">
+            <a:avLst/>
+          </a:prstGeom>
+          <a:ln w="12700">
+            <a:miter lim="400000"/>
+          </a:ln>
+          <a:extLst>
+            <a:ext uri="{C572A759-6A51-4108-AA02-DFA0A04FC94B}">
+              <ma14:wrappingTextBoxFlag xmlns="" xmlns:m="http://schemas.openxmlformats.org/officeDocument/2006/math" xmlns:a14="http://schemas.microsoft.com/office/drawing/2010/main" xmlns:ma14="http://schemas.microsoft.com/office/mac/drawingml/2011/main" val="1"/>
+            </a:ext>
+          </a:extLst>
+        </p:spPr>
+        <p:txBody>
+          <a:bodyPr wrap="none" lIns="25400" tIns="25400" rIns="25400" bIns="25400" anchor="ctr">
+            <a:spAutoFit/>
+          </a:bodyPr>
+          <a:lstStyle>
+            <a:lvl1pPr>
+              <a:defRPr sz="4800" b="1"/>
+            </a:lvl1pPr>
+          </a:lstStyle>
+          <a:p>
+            <a:r>
+              <a:rPr sz="2400" dirty="0"/>
+              <a:t>Total counts per sample</a:t>
+            </a:r>
+          </a:p>
+        </p:txBody>
+      </p:sp>
       <p:pic>
         <p:nvPicPr>
-          <p:cNvPr id="554" name="Image" descr="Image"/>
+          <p:cNvPr id="545" name="Image" descr="Image"/>
+          <p:cNvPicPr>
+            <a:picLocks noChangeAspect="1"/>
+          </p:cNvPicPr>
+          <p:nvPr/>
+        </p:nvPicPr>
+        <p:blipFill>
+          <a:blip r:embed="rId2"/>
+          <a:stretch>
+            <a:fillRect/>
+          </a:stretch>
+        </p:blipFill>
+        <p:spPr>
+          <a:xfrm>
+            <a:off x="662568" y="1385324"/>
+            <a:ext cx="3413131" cy="1000401"/>
+          </a:xfrm>
+          <a:prstGeom prst="rect">
+            <a:avLst/>
+          </a:prstGeom>
+          <a:ln w="12700">
+            <a:miter lim="400000"/>
+          </a:ln>
+        </p:spPr>
+      </p:pic>
+      <p:pic>
+        <p:nvPicPr>
+          <p:cNvPr id="546" name="Image" descr="Image"/>
           <p:cNvPicPr>
             <a:picLocks noChangeAspect="1"/>
           </p:cNvPicPr>
@@ -6321,8 +8985,8 @@
         </p:blipFill>
         <p:spPr>
           <a:xfrm>
-            <a:off x="1012969" y="2150326"/>
-            <a:ext cx="3054351" cy="3022601"/>
+            <a:off x="4569252" y="1453289"/>
+            <a:ext cx="6777685" cy="3267961"/>
           </a:xfrm>
           <a:prstGeom prst="rect">
             <a:avLst/>
@@ -6334,250 +8998,35 @@
       </p:pic>
       <p:sp>
         <p:nvSpPr>
-          <p:cNvPr id="555" name="https://bioconductor.org/packages/release/bioc/vignettes/DESeq2/inst/doc/DESeq2.html#data-transformations-and-visualization"/>
+          <p:cNvPr id="2" name="TextBox 1">
+            <a:extLst>
+              <a:ext uri="{FF2B5EF4-FFF2-40B4-BE49-F238E27FC236}">
+                <a16:creationId xmlns:a16="http://schemas.microsoft.com/office/drawing/2014/main" id="{C2C20D2B-14A4-A3C5-00DE-6D650C5501E9}"/>
+              </a:ext>
+            </a:extLst>
+          </p:cNvPr>
           <p:cNvSpPr txBox="1"/>
           <p:nvPr/>
         </p:nvSpPr>
         <p:spPr>
           <a:xfrm>
-            <a:off x="3278139" y="6432818"/>
-            <a:ext cx="6171561" cy="189796"/>
-          </a:xfrm>
-          <a:prstGeom prst="rect">
-            <a:avLst/>
-          </a:prstGeom>
-          <a:ln w="12700">
-            <a:miter lim="400000"/>
-          </a:ln>
-          <a:extLst>
-            <a:ext uri="{C572A759-6A51-4108-AA02-DFA0A04FC94B}">
-              <ma14:wrappingTextBoxFlag xmlns:ma14="http://schemas.microsoft.com/office/mac/drawingml/2011/main" xmlns:a14="http://schemas.microsoft.com/office/drawing/2010/main" xmlns:m="http://schemas.openxmlformats.org/officeDocument/2006/math" xmlns="" val="1"/>
-            </a:ext>
-          </a:extLst>
-        </p:spPr>
-        <p:txBody>
-          <a:bodyPr wrap="none" lIns="25400" tIns="25400" rIns="25400" bIns="25400" anchor="ctr">
+            <a:off x="494270" y="2990335"/>
+            <a:ext cx="3299254" cy="923330"/>
+          </a:xfrm>
+          <a:prstGeom prst="rect">
+            <a:avLst/>
+          </a:prstGeom>
+          <a:noFill/>
+        </p:spPr>
+        <p:txBody>
+          <a:bodyPr wrap="square" rtlCol="0">
             <a:spAutoFit/>
           </a:bodyPr>
           <a:lstStyle/>
           <a:p>
             <a:r>
-              <a:rPr sz="900"/>
-              <a:t>https://bioconductor.org/packages/release/bioc/vignettes/DESeq2/inst/doc/DESeq2.html#data-transformations-and-visualization</a:t>
-            </a:r>
-          </a:p>
-        </p:txBody>
-      </p:sp>
-      <p:pic>
-        <p:nvPicPr>
-          <p:cNvPr id="556" name="Image" descr="Image"/>
-          <p:cNvPicPr>
-            <a:picLocks noChangeAspect="1"/>
-          </p:cNvPicPr>
-          <p:nvPr/>
-        </p:nvPicPr>
-        <p:blipFill>
-          <a:blip r:embed="rId4"/>
-          <a:stretch>
-            <a:fillRect/>
-          </a:stretch>
-        </p:blipFill>
-        <p:spPr>
-          <a:xfrm>
-            <a:off x="4584700" y="2153501"/>
-            <a:ext cx="3022600" cy="3016251"/>
-          </a:xfrm>
-          <a:prstGeom prst="rect">
-            <a:avLst/>
-          </a:prstGeom>
-          <a:ln w="12700">
-            <a:miter lim="400000"/>
-          </a:ln>
-        </p:spPr>
-      </p:pic>
-      <p:pic>
-        <p:nvPicPr>
-          <p:cNvPr id="557" name="Image" descr="Image"/>
-          <p:cNvPicPr>
-            <a:picLocks noChangeAspect="1"/>
-          </p:cNvPicPr>
-          <p:nvPr/>
-        </p:nvPicPr>
-        <p:blipFill>
-          <a:blip r:embed="rId5"/>
-          <a:stretch>
-            <a:fillRect/>
-          </a:stretch>
-        </p:blipFill>
-        <p:spPr>
-          <a:xfrm>
-            <a:off x="7973052" y="2153501"/>
-            <a:ext cx="2997201" cy="3016251"/>
-          </a:xfrm>
-          <a:prstGeom prst="rect">
-            <a:avLst/>
-          </a:prstGeom>
-          <a:ln w="12700">
-            <a:miter lim="400000"/>
-          </a:ln>
-        </p:spPr>
-      </p:pic>
-      <p:sp>
-        <p:nvSpPr>
-          <p:cNvPr id="558" name="Log2(n+1)"/>
-          <p:cNvSpPr txBox="1"/>
-          <p:nvPr/>
-        </p:nvSpPr>
-        <p:spPr>
-          <a:xfrm>
-            <a:off x="1917735" y="1892180"/>
-            <a:ext cx="830356" cy="282129"/>
-          </a:xfrm>
-          <a:prstGeom prst="rect">
-            <a:avLst/>
-          </a:prstGeom>
-          <a:ln w="12700">
-            <a:miter lim="400000"/>
-          </a:ln>
-          <a:extLst>
-            <a:ext uri="{C572A759-6A51-4108-AA02-DFA0A04FC94B}">
-              <ma14:wrappingTextBoxFlag xmlns:ma14="http://schemas.microsoft.com/office/mac/drawingml/2011/main" xmlns:a14="http://schemas.microsoft.com/office/drawing/2010/main" xmlns:m="http://schemas.openxmlformats.org/officeDocument/2006/math" xmlns="" val="1"/>
-            </a:ext>
-          </a:extLst>
-        </p:spPr>
-        <p:txBody>
-          <a:bodyPr wrap="none" lIns="25400" tIns="25400" rIns="25400" bIns="25400" anchor="ctr">
-            <a:spAutoFit/>
-          </a:bodyPr>
-          <a:lstStyle>
-            <a:lvl1pPr>
-              <a:defRPr sz="3000"/>
-            </a:lvl1pPr>
-          </a:lstStyle>
-          <a:p>
-            <a:r>
-              <a:rPr sz="1500"/>
-              <a:t>Log2(n+1)</a:t>
-            </a:r>
-          </a:p>
-        </p:txBody>
-      </p:sp>
-      <p:sp>
-        <p:nvSpPr>
-          <p:cNvPr id="559" name="vst"/>
-          <p:cNvSpPr txBox="1"/>
-          <p:nvPr/>
-        </p:nvSpPr>
-        <p:spPr>
-          <a:xfrm>
-            <a:off x="5942171" y="1892180"/>
-            <a:ext cx="274306" cy="282129"/>
-          </a:xfrm>
-          <a:prstGeom prst="rect">
-            <a:avLst/>
-          </a:prstGeom>
-          <a:ln w="12700">
-            <a:miter lim="400000"/>
-          </a:ln>
-          <a:extLst>
-            <a:ext uri="{C572A759-6A51-4108-AA02-DFA0A04FC94B}">
-              <ma14:wrappingTextBoxFlag xmlns:ma14="http://schemas.microsoft.com/office/mac/drawingml/2011/main" xmlns:a14="http://schemas.microsoft.com/office/drawing/2010/main" xmlns:m="http://schemas.openxmlformats.org/officeDocument/2006/math" xmlns="" val="1"/>
-            </a:ext>
-          </a:extLst>
-        </p:spPr>
-        <p:txBody>
-          <a:bodyPr wrap="none" lIns="25400" tIns="25400" rIns="25400" bIns="25400" anchor="ctr">
-            <a:spAutoFit/>
-          </a:bodyPr>
-          <a:lstStyle>
-            <a:lvl1pPr>
-              <a:defRPr sz="3000"/>
-            </a:lvl1pPr>
-          </a:lstStyle>
-          <a:p>
-            <a:r>
-              <a:rPr sz="1500"/>
-              <a:t>vst</a:t>
-            </a:r>
-          </a:p>
-        </p:txBody>
-      </p:sp>
-      <p:sp>
-        <p:nvSpPr>
-          <p:cNvPr id="560" name="rlog"/>
-          <p:cNvSpPr txBox="1"/>
-          <p:nvPr/>
-        </p:nvSpPr>
-        <p:spPr>
-          <a:xfrm>
-            <a:off x="9203325" y="1892180"/>
-            <a:ext cx="354264" cy="282129"/>
-          </a:xfrm>
-          <a:prstGeom prst="rect">
-            <a:avLst/>
-          </a:prstGeom>
-          <a:ln w="12700">
-            <a:miter lim="400000"/>
-          </a:ln>
-          <a:extLst>
-            <a:ext uri="{C572A759-6A51-4108-AA02-DFA0A04FC94B}">
-              <ma14:wrappingTextBoxFlag xmlns:ma14="http://schemas.microsoft.com/office/mac/drawingml/2011/main" xmlns:a14="http://schemas.microsoft.com/office/drawing/2010/main" xmlns:m="http://schemas.openxmlformats.org/officeDocument/2006/math" xmlns="" val="1"/>
-            </a:ext>
-          </a:extLst>
-        </p:spPr>
-        <p:txBody>
-          <a:bodyPr wrap="none" lIns="25400" tIns="25400" rIns="25400" bIns="25400" anchor="ctr">
-            <a:spAutoFit/>
-          </a:bodyPr>
-          <a:lstStyle>
-            <a:lvl1pPr>
-              <a:defRPr sz="3000"/>
-            </a:lvl1pPr>
-          </a:lstStyle>
-          <a:p>
-            <a:r>
-              <a:rPr sz="1500"/>
-              <a:t>rlog</a:t>
-            </a:r>
-          </a:p>
-        </p:txBody>
-      </p:sp>
-      <p:sp>
-        <p:nvSpPr>
-          <p:cNvPr id="561" name="Data transformations"/>
-          <p:cNvSpPr txBox="1"/>
-          <p:nvPr/>
-        </p:nvSpPr>
-        <p:spPr>
-          <a:xfrm>
-            <a:off x="4639132" y="651949"/>
-            <a:ext cx="2695097" cy="420628"/>
-          </a:xfrm>
-          <a:prstGeom prst="rect">
-            <a:avLst/>
-          </a:prstGeom>
-          <a:ln w="12700">
-            <a:miter lim="400000"/>
-          </a:ln>
-          <a:extLst>
-            <a:ext uri="{C572A759-6A51-4108-AA02-DFA0A04FC94B}">
-              <ma14:wrappingTextBoxFlag xmlns:ma14="http://schemas.microsoft.com/office/mac/drawingml/2011/main" xmlns:a14="http://schemas.microsoft.com/office/drawing/2010/main" xmlns:m="http://schemas.openxmlformats.org/officeDocument/2006/math" xmlns="" val="1"/>
-            </a:ext>
-          </a:extLst>
-        </p:spPr>
-        <p:txBody>
-          <a:bodyPr wrap="none" lIns="25400" tIns="25400" rIns="25400" bIns="25400" anchor="ctr">
-            <a:spAutoFit/>
-          </a:bodyPr>
-          <a:lstStyle>
-            <a:lvl1pPr>
-              <a:defRPr sz="4800"/>
-            </a:lvl1pPr>
-          </a:lstStyle>
-          <a:p>
-            <a:r>
-              <a:rPr sz="2400"/>
-              <a:t>Data transformations</a:t>
+              <a:rPr lang="en-US" dirty="0"/>
+              <a:t>Do any samples have an unexpectedly high or low number of reads?</a:t>
             </a:r>
           </a:p>
         </p:txBody>
@@ -6607,49 +9056,9 @@
           <a:chExt cx="0" cy="0"/>
         </a:xfrm>
       </p:grpSpPr>
-      <p:sp>
-        <p:nvSpPr>
-          <p:cNvPr id="565" name="vst and rlog transformations"/>
-          <p:cNvSpPr txBox="1"/>
-          <p:nvPr/>
-        </p:nvSpPr>
-        <p:spPr>
-          <a:xfrm>
-            <a:off x="4010177" y="294244"/>
-            <a:ext cx="3659271" cy="420628"/>
-          </a:xfrm>
-          <a:prstGeom prst="rect">
-            <a:avLst/>
-          </a:prstGeom>
-          <a:ln w="12700">
-            <a:miter lim="400000"/>
-          </a:ln>
-          <a:extLst>
-            <a:ext uri="{C572A759-6A51-4108-AA02-DFA0A04FC94B}">
-              <ma14:wrappingTextBoxFlag xmlns:ma14="http://schemas.microsoft.com/office/mac/drawingml/2011/main" xmlns:a14="http://schemas.microsoft.com/office/drawing/2010/main" xmlns:m="http://schemas.openxmlformats.org/officeDocument/2006/math" xmlns="" val="1"/>
-            </a:ext>
-          </a:extLst>
-        </p:spPr>
-        <p:txBody>
-          <a:bodyPr wrap="none" lIns="25400" tIns="25400" rIns="25400" bIns="25400" anchor="ctr">
-            <a:spAutoFit/>
-          </a:bodyPr>
-          <a:lstStyle>
-            <a:lvl1pPr>
-              <a:defRPr sz="4800" b="1"/>
-            </a:lvl1pPr>
-          </a:lstStyle>
-          <a:p>
-            <a:r>
-              <a:rPr sz="2400"/>
-              <a:t>vst and rlog transformations</a:t>
-            </a:r>
-          </a:p>
-        </p:txBody>
-      </p:sp>
       <p:pic>
         <p:nvPicPr>
-          <p:cNvPr id="566" name="Image" descr="Image"/>
+          <p:cNvPr id="548" name="Image" descr="Image"/>
           <p:cNvPicPr>
             <a:picLocks noChangeAspect="1"/>
           </p:cNvPicPr>
@@ -6663,8 +9072,8 @@
         </p:blipFill>
         <p:spPr>
           <a:xfrm>
-            <a:off x="6839995" y="913619"/>
-            <a:ext cx="4549358" cy="5190934"/>
+            <a:off x="6432699" y="788165"/>
+            <a:ext cx="4859300" cy="5676575"/>
           </a:xfrm>
           <a:prstGeom prst="rect">
             <a:avLst/>
@@ -6674,9 +9083,83 @@
           </a:ln>
         </p:spPr>
       </p:pic>
+      <p:sp>
+        <p:nvSpPr>
+          <p:cNvPr id="549" name="Normalized using DESeq"/>
+          <p:cNvSpPr txBox="1"/>
+          <p:nvPr/>
+        </p:nvSpPr>
+        <p:spPr>
+          <a:xfrm>
+            <a:off x="4371213" y="150237"/>
+            <a:ext cx="3074240" cy="420628"/>
+          </a:xfrm>
+          <a:prstGeom prst="rect">
+            <a:avLst/>
+          </a:prstGeom>
+          <a:ln w="12700">
+            <a:miter lim="400000"/>
+          </a:ln>
+          <a:extLst>
+            <a:ext uri="{C572A759-6A51-4108-AA02-DFA0A04FC94B}">
+              <ma14:wrappingTextBoxFlag xmlns="" xmlns:m="http://schemas.openxmlformats.org/officeDocument/2006/math" xmlns:a14="http://schemas.microsoft.com/office/drawing/2010/main" xmlns:ma14="http://schemas.microsoft.com/office/mac/drawingml/2011/main" val="1"/>
+            </a:ext>
+          </a:extLst>
+        </p:spPr>
+        <p:txBody>
+          <a:bodyPr wrap="none" lIns="25400" tIns="25400" rIns="25400" bIns="25400" anchor="ctr">
+            <a:spAutoFit/>
+          </a:bodyPr>
+          <a:lstStyle>
+            <a:lvl1pPr>
+              <a:defRPr sz="4800"/>
+            </a:lvl1pPr>
+          </a:lstStyle>
+          <a:p>
+            <a:r>
+              <a:rPr sz="2400"/>
+              <a:t>Normalized using DESeq</a:t>
+            </a:r>
+          </a:p>
+        </p:txBody>
+      </p:sp>
+      <p:sp>
+        <p:nvSpPr>
+          <p:cNvPr id="550" name="Text"/>
+          <p:cNvSpPr txBox="1"/>
+          <p:nvPr/>
+        </p:nvSpPr>
+        <p:spPr>
+          <a:xfrm>
+            <a:off x="5927750" y="3334102"/>
+            <a:ext cx="51361" cy="189796"/>
+          </a:xfrm>
+          <a:prstGeom prst="rect">
+            <a:avLst/>
+          </a:prstGeom>
+          <a:ln w="12700">
+            <a:miter lim="400000"/>
+          </a:ln>
+        </p:spPr>
+        <p:txBody>
+          <a:bodyPr wrap="none" lIns="25400" tIns="25400" rIns="25400" bIns="25400" anchor="ctr">
+            <a:spAutoFit/>
+          </a:bodyPr>
+          <a:lstStyle/>
+          <a:p>
+            <a:endParaRPr sz="900"/>
+          </a:p>
+        </p:txBody>
+      </p:sp>
       <p:pic>
         <p:nvPicPr>
-          <p:cNvPr id="567" name="Image" descr="Image"/>
+          <p:cNvPr id="2" name="Picture 1">
+            <a:extLst>
+              <a:ext uri="{FF2B5EF4-FFF2-40B4-BE49-F238E27FC236}">
+                <a16:creationId xmlns:a16="http://schemas.microsoft.com/office/drawing/2014/main" id="{18271AD4-EF83-EEBE-4DD9-1B9CFAA56E4B}"/>
+              </a:ext>
+            </a:extLst>
+          </p:cNvPr>
           <p:cNvPicPr>
             <a:picLocks noChangeAspect="1"/>
           </p:cNvPicPr>
@@ -6690,15 +9173,12 @@
         </p:blipFill>
         <p:spPr>
           <a:xfrm>
-            <a:off x="532833" y="817508"/>
-            <a:ext cx="5730116" cy="5383156"/>
-          </a:xfrm>
-          <a:prstGeom prst="rect">
-            <a:avLst/>
-          </a:prstGeom>
-          <a:ln w="12700">
-            <a:miter lim="400000"/>
-          </a:ln>
+            <a:off x="378589" y="1071551"/>
+            <a:ext cx="5600522" cy="1436838"/>
+          </a:xfrm>
+          <a:prstGeom prst="rect">
+            <a:avLst/>
+          </a:prstGeom>
         </p:spPr>
       </p:pic>
     </p:spTree>
@@ -6726,241 +9206,9 @@
           <a:chExt cx="0" cy="0"/>
         </a:xfrm>
       </p:grpSpPr>
-      <p:sp>
-        <p:nvSpPr>
-          <p:cNvPr id="571" name="A better way - rlog and VST"/>
-          <p:cNvSpPr txBox="1"/>
-          <p:nvPr/>
-        </p:nvSpPr>
-        <p:spPr>
-          <a:xfrm>
-            <a:off x="4077691" y="205624"/>
-            <a:ext cx="3507563" cy="420628"/>
-          </a:xfrm>
-          <a:prstGeom prst="rect">
-            <a:avLst/>
-          </a:prstGeom>
-          <a:ln w="12700">
-            <a:miter lim="400000"/>
-          </a:ln>
-          <a:extLst>
-            <a:ext uri="{C572A759-6A51-4108-AA02-DFA0A04FC94B}">
-              <ma14:wrappingTextBoxFlag xmlns:ma14="http://schemas.microsoft.com/office/mac/drawingml/2011/main" xmlns:a14="http://schemas.microsoft.com/office/drawing/2010/main" xmlns:m="http://schemas.openxmlformats.org/officeDocument/2006/math" xmlns="" val="1"/>
-            </a:ext>
-          </a:extLst>
-        </p:spPr>
-        <p:txBody>
-          <a:bodyPr wrap="none" lIns="25400" tIns="25400" rIns="25400" bIns="25400" anchor="ctr">
-            <a:spAutoFit/>
-          </a:bodyPr>
-          <a:lstStyle>
-            <a:lvl1pPr>
-              <a:defRPr sz="4800" b="1"/>
-            </a:lvl1pPr>
-          </a:lstStyle>
-          <a:p>
-            <a:r>
-              <a:rPr sz="2400"/>
-              <a:t>A better way - rlog and VST</a:t>
-            </a:r>
-          </a:p>
-        </p:txBody>
-      </p:sp>
-      <p:sp>
-        <p:nvSpPr>
-          <p:cNvPr id="572" name="Sample1"/>
-          <p:cNvSpPr txBox="1"/>
-          <p:nvPr/>
-        </p:nvSpPr>
-        <p:spPr>
-          <a:xfrm>
-            <a:off x="2144419" y="4638275"/>
-            <a:ext cx="455253" cy="189796"/>
-          </a:xfrm>
-          <a:prstGeom prst="rect">
-            <a:avLst/>
-          </a:prstGeom>
-          <a:ln w="12700">
-            <a:miter lim="400000"/>
-          </a:ln>
-          <a:extLst>
-            <a:ext uri="{C572A759-6A51-4108-AA02-DFA0A04FC94B}">
-              <ma14:wrappingTextBoxFlag xmlns:ma14="http://schemas.microsoft.com/office/mac/drawingml/2011/main" xmlns:a14="http://schemas.microsoft.com/office/drawing/2010/main" xmlns:m="http://schemas.openxmlformats.org/officeDocument/2006/math" xmlns="" val="1"/>
-            </a:ext>
-          </a:extLst>
-        </p:spPr>
-        <p:txBody>
-          <a:bodyPr wrap="none" lIns="25400" tIns="25400" rIns="25400" bIns="25400" anchor="ctr">
-            <a:spAutoFit/>
-          </a:bodyPr>
-          <a:lstStyle/>
-          <a:p>
-            <a:r>
-              <a:rPr sz="900"/>
-              <a:t>Sample1</a:t>
-            </a:r>
-          </a:p>
-        </p:txBody>
-      </p:sp>
-      <p:sp>
-        <p:nvSpPr>
-          <p:cNvPr id="573" name="Sample2"/>
-          <p:cNvSpPr txBox="1"/>
-          <p:nvPr/>
-        </p:nvSpPr>
-        <p:spPr>
-          <a:xfrm rot="16200000">
-            <a:off x="376061" y="3139857"/>
-            <a:ext cx="455253" cy="189796"/>
-          </a:xfrm>
-          <a:prstGeom prst="rect">
-            <a:avLst/>
-          </a:prstGeom>
-          <a:ln w="12700">
-            <a:miter lim="400000"/>
-          </a:ln>
-          <a:extLst>
-            <a:ext uri="{C572A759-6A51-4108-AA02-DFA0A04FC94B}">
-              <ma14:wrappingTextBoxFlag xmlns:ma14="http://schemas.microsoft.com/office/mac/drawingml/2011/main" xmlns:a14="http://schemas.microsoft.com/office/drawing/2010/main" xmlns:m="http://schemas.openxmlformats.org/officeDocument/2006/math" xmlns="" val="1"/>
-            </a:ext>
-          </a:extLst>
-        </p:spPr>
-        <p:txBody>
-          <a:bodyPr wrap="none" lIns="25400" tIns="25400" rIns="25400" bIns="25400" anchor="ctr">
-            <a:spAutoFit/>
-          </a:bodyPr>
-          <a:lstStyle/>
-          <a:p>
-            <a:r>
-              <a:rPr sz="900"/>
-              <a:t>Sample2</a:t>
-            </a:r>
-          </a:p>
-        </p:txBody>
-      </p:sp>
-      <p:sp>
-        <p:nvSpPr>
-          <p:cNvPr id="574" name="At low expression…"/>
-          <p:cNvSpPr txBox="1"/>
-          <p:nvPr/>
-        </p:nvSpPr>
-        <p:spPr>
-          <a:xfrm>
-            <a:off x="1771877" y="5081552"/>
-            <a:ext cx="977832" cy="328295"/>
-          </a:xfrm>
-          <a:prstGeom prst="rect">
-            <a:avLst/>
-          </a:prstGeom>
-          <a:ln w="12700">
-            <a:miter lim="400000"/>
-          </a:ln>
-          <a:extLst>
-            <a:ext uri="{C572A759-6A51-4108-AA02-DFA0A04FC94B}">
-              <ma14:wrappingTextBoxFlag xmlns:ma14="http://schemas.microsoft.com/office/mac/drawingml/2011/main" xmlns:a14="http://schemas.microsoft.com/office/drawing/2010/main" xmlns:m="http://schemas.openxmlformats.org/officeDocument/2006/math" xmlns="" val="1"/>
-            </a:ext>
-          </a:extLst>
-        </p:spPr>
-        <p:txBody>
-          <a:bodyPr wrap="none" lIns="25400" tIns="25400" rIns="25400" bIns="25400" anchor="ctr">
-            <a:spAutoFit/>
-          </a:bodyPr>
-          <a:lstStyle/>
-          <a:p>
-            <a:r>
-              <a:rPr sz="900"/>
-              <a:t>At low expression</a:t>
-            </a:r>
-          </a:p>
-          <a:p>
-            <a:r>
-              <a:rPr sz="900"/>
-              <a:t>Noise is dominating</a:t>
-            </a:r>
-          </a:p>
-        </p:txBody>
-      </p:sp>
-      <p:sp>
-        <p:nvSpPr>
-          <p:cNvPr id="575" name="Better,…"/>
-          <p:cNvSpPr txBox="1"/>
-          <p:nvPr/>
-        </p:nvSpPr>
-        <p:spPr>
-          <a:xfrm>
-            <a:off x="4599889" y="5159094"/>
-            <a:ext cx="2050241" cy="328295"/>
-          </a:xfrm>
-          <a:prstGeom prst="rect">
-            <a:avLst/>
-          </a:prstGeom>
-          <a:ln w="12700">
-            <a:miter lim="400000"/>
-          </a:ln>
-          <a:extLst>
-            <a:ext uri="{C572A759-6A51-4108-AA02-DFA0A04FC94B}">
-              <ma14:wrappingTextBoxFlag xmlns:ma14="http://schemas.microsoft.com/office/mac/drawingml/2011/main" xmlns:a14="http://schemas.microsoft.com/office/drawing/2010/main" xmlns:m="http://schemas.openxmlformats.org/officeDocument/2006/math" xmlns="" val="1"/>
-            </a:ext>
-          </a:extLst>
-        </p:spPr>
-        <p:txBody>
-          <a:bodyPr wrap="none" lIns="25400" tIns="25400" rIns="25400" bIns="25400" anchor="ctr">
-            <a:spAutoFit/>
-          </a:bodyPr>
-          <a:lstStyle/>
-          <a:p>
-            <a:r>
-              <a:rPr sz="900"/>
-              <a:t>Better, </a:t>
-            </a:r>
-          </a:p>
-          <a:p>
-            <a:r>
-              <a:rPr sz="900"/>
-              <a:t>shifts expression of lower expressed genes</a:t>
-            </a:r>
-          </a:p>
-        </p:txBody>
-      </p:sp>
-      <p:sp>
-        <p:nvSpPr>
-          <p:cNvPr id="576" name="Sample1"/>
-          <p:cNvSpPr txBox="1"/>
-          <p:nvPr/>
-        </p:nvSpPr>
-        <p:spPr>
-          <a:xfrm>
-            <a:off x="5167329" y="4638275"/>
-            <a:ext cx="455253" cy="189796"/>
-          </a:xfrm>
-          <a:prstGeom prst="rect">
-            <a:avLst/>
-          </a:prstGeom>
-          <a:ln w="12700">
-            <a:miter lim="400000"/>
-          </a:ln>
-          <a:extLst>
-            <a:ext uri="{C572A759-6A51-4108-AA02-DFA0A04FC94B}">
-              <ma14:wrappingTextBoxFlag xmlns:ma14="http://schemas.microsoft.com/office/mac/drawingml/2011/main" xmlns:a14="http://schemas.microsoft.com/office/drawing/2010/main" xmlns:m="http://schemas.openxmlformats.org/officeDocument/2006/math" xmlns="" val="1"/>
-            </a:ext>
-          </a:extLst>
-        </p:spPr>
-        <p:txBody>
-          <a:bodyPr wrap="none" lIns="25400" tIns="25400" rIns="25400" bIns="25400" anchor="ctr">
-            <a:spAutoFit/>
-          </a:bodyPr>
-          <a:lstStyle/>
-          <a:p>
-            <a:r>
-              <a:rPr sz="900"/>
-              <a:t>Sample1</a:t>
-            </a:r>
-          </a:p>
-        </p:txBody>
-      </p:sp>
       <p:pic>
         <p:nvPicPr>
-          <p:cNvPr id="577" name="Image" descr="Image"/>
+          <p:cNvPr id="554" name="Image" descr="Image"/>
           <p:cNvPicPr>
             <a:picLocks noChangeAspect="1"/>
           </p:cNvPicPr>
@@ -6974,8 +9222,8 @@
         </p:blipFill>
         <p:spPr>
           <a:xfrm>
-            <a:off x="1239905" y="1262552"/>
-            <a:ext cx="10200260" cy="3789323"/>
+            <a:off x="1012969" y="2150326"/>
+            <a:ext cx="3054351" cy="3022601"/>
           </a:xfrm>
           <a:prstGeom prst="rect">
             <a:avLst/>
@@ -6987,58 +9235,14 @@
       </p:pic>
       <p:sp>
         <p:nvSpPr>
-          <p:cNvPr id="578" name="Oval"/>
-          <p:cNvSpPr/>
-          <p:nvPr/>
-        </p:nvSpPr>
-        <p:spPr>
-          <a:xfrm>
-            <a:off x="1977978" y="3122577"/>
-            <a:ext cx="1212952" cy="1338810"/>
-          </a:xfrm>
-          <a:prstGeom prst="ellipse">
-            <a:avLst/>
-          </a:prstGeom>
-          <a:ln w="38100">
-            <a:solidFill>
-              <a:schemeClr val="accent5">
-                <a:hueOff val="-82419"/>
-                <a:satOff val="-9513"/>
-                <a:lumOff val="-16343"/>
-              </a:schemeClr>
-            </a:solidFill>
-            <a:miter lim="400000"/>
-          </a:ln>
-        </p:spPr>
-        <p:txBody>
-          <a:bodyPr lIns="25400" tIns="25400" rIns="25400" bIns="25400" anchor="ctr"/>
-          <a:lstStyle/>
-          <a:p>
-            <a:pPr defTabSz="412750">
-              <a:defRPr sz="3200">
-                <a:solidFill>
-                  <a:srgbClr val="FFFFFF"/>
-                </a:solidFill>
-                <a:latin typeface="Helvetica Neue Medium"/>
-                <a:ea typeface="Helvetica Neue Medium"/>
-                <a:cs typeface="Helvetica Neue Medium"/>
-                <a:sym typeface="Helvetica Neue Medium"/>
-              </a:defRPr>
-            </a:pPr>
-            <a:endParaRPr sz="1600"/>
-          </a:p>
-        </p:txBody>
-      </p:sp>
-      <p:sp>
-        <p:nvSpPr>
-          <p:cNvPr id="579" name="Shrinks low counts"/>
+          <p:cNvPr id="555" name="https://bioconductor.org/packages/release/bioc/vignettes/DESeq2/inst/doc/DESeq2.html#data-transformations-and-visualization"/>
           <p:cNvSpPr txBox="1"/>
           <p:nvPr/>
         </p:nvSpPr>
         <p:spPr>
           <a:xfrm>
-            <a:off x="8188461" y="5228343"/>
-            <a:ext cx="952184" cy="189796"/>
+            <a:off x="3278139" y="6432818"/>
+            <a:ext cx="6171561" cy="189796"/>
           </a:xfrm>
           <a:prstGeom prst="rect">
             <a:avLst/>
@@ -7048,7 +9252,7 @@
           </a:ln>
           <a:extLst>
             <a:ext uri="{C572A759-6A51-4108-AA02-DFA0A04FC94B}">
-              <ma14:wrappingTextBoxFlag xmlns:ma14="http://schemas.microsoft.com/office/mac/drawingml/2011/main" xmlns:a14="http://schemas.microsoft.com/office/drawing/2010/main" xmlns:m="http://schemas.openxmlformats.org/officeDocument/2006/math" xmlns="" val="1"/>
+              <ma14:wrappingTextBoxFlag xmlns="" xmlns:m="http://schemas.openxmlformats.org/officeDocument/2006/math" xmlns:a14="http://schemas.microsoft.com/office/drawing/2010/main" xmlns:ma14="http://schemas.microsoft.com/office/mac/drawingml/2011/main" val="1"/>
             </a:ext>
           </a:extLst>
         </p:spPr>
@@ -7060,8 +9264,227 @@
           <a:p>
             <a:r>
               <a:rPr sz="900"/>
-              <a:t>Shrinks low counts </a:t>
-            </a:r>
+              <a:t>https://bioconductor.org/packages/release/bioc/vignettes/DESeq2/inst/doc/DESeq2.html#data-transformations-and-visualization</a:t>
+            </a:r>
+          </a:p>
+        </p:txBody>
+      </p:sp>
+      <p:pic>
+        <p:nvPicPr>
+          <p:cNvPr id="556" name="Image" descr="Image"/>
+          <p:cNvPicPr>
+            <a:picLocks noChangeAspect="1"/>
+          </p:cNvPicPr>
+          <p:nvPr/>
+        </p:nvPicPr>
+        <p:blipFill>
+          <a:blip r:embed="rId4"/>
+          <a:stretch>
+            <a:fillRect/>
+          </a:stretch>
+        </p:blipFill>
+        <p:spPr>
+          <a:xfrm>
+            <a:off x="4584700" y="2153501"/>
+            <a:ext cx="3022600" cy="3016251"/>
+          </a:xfrm>
+          <a:prstGeom prst="rect">
+            <a:avLst/>
+          </a:prstGeom>
+          <a:ln w="12700">
+            <a:miter lim="400000"/>
+          </a:ln>
+        </p:spPr>
+      </p:pic>
+      <p:pic>
+        <p:nvPicPr>
+          <p:cNvPr id="557" name="Image" descr="Image"/>
+          <p:cNvPicPr>
+            <a:picLocks noChangeAspect="1"/>
+          </p:cNvPicPr>
+          <p:nvPr/>
+        </p:nvPicPr>
+        <p:blipFill>
+          <a:blip r:embed="rId5"/>
+          <a:stretch>
+            <a:fillRect/>
+          </a:stretch>
+        </p:blipFill>
+        <p:spPr>
+          <a:xfrm>
+            <a:off x="7973052" y="2153501"/>
+            <a:ext cx="2997201" cy="3016251"/>
+          </a:xfrm>
+          <a:prstGeom prst="rect">
+            <a:avLst/>
+          </a:prstGeom>
+          <a:ln w="12700">
+            <a:miter lim="400000"/>
+          </a:ln>
+        </p:spPr>
+      </p:pic>
+      <p:sp>
+        <p:nvSpPr>
+          <p:cNvPr id="558" name="Log2(n+1)"/>
+          <p:cNvSpPr txBox="1"/>
+          <p:nvPr/>
+        </p:nvSpPr>
+        <p:spPr>
+          <a:xfrm>
+            <a:off x="1917735" y="1892180"/>
+            <a:ext cx="830356" cy="282129"/>
+          </a:xfrm>
+          <a:prstGeom prst="rect">
+            <a:avLst/>
+          </a:prstGeom>
+          <a:ln w="12700">
+            <a:miter lim="400000"/>
+          </a:ln>
+          <a:extLst>
+            <a:ext uri="{C572A759-6A51-4108-AA02-DFA0A04FC94B}">
+              <ma14:wrappingTextBoxFlag xmlns="" xmlns:m="http://schemas.openxmlformats.org/officeDocument/2006/math" xmlns:a14="http://schemas.microsoft.com/office/drawing/2010/main" xmlns:ma14="http://schemas.microsoft.com/office/mac/drawingml/2011/main" val="1"/>
+            </a:ext>
+          </a:extLst>
+        </p:spPr>
+        <p:txBody>
+          <a:bodyPr wrap="none" lIns="25400" tIns="25400" rIns="25400" bIns="25400" anchor="ctr">
+            <a:spAutoFit/>
+          </a:bodyPr>
+          <a:lstStyle>
+            <a:lvl1pPr>
+              <a:defRPr sz="3000"/>
+            </a:lvl1pPr>
+          </a:lstStyle>
+          <a:p>
+            <a:r>
+              <a:rPr sz="1500"/>
+              <a:t>Log2(n+1)</a:t>
+            </a:r>
+          </a:p>
+        </p:txBody>
+      </p:sp>
+      <p:sp>
+        <p:nvSpPr>
+          <p:cNvPr id="559" name="vst"/>
+          <p:cNvSpPr txBox="1"/>
+          <p:nvPr/>
+        </p:nvSpPr>
+        <p:spPr>
+          <a:xfrm>
+            <a:off x="5942171" y="1892180"/>
+            <a:ext cx="274306" cy="282129"/>
+          </a:xfrm>
+          <a:prstGeom prst="rect">
+            <a:avLst/>
+          </a:prstGeom>
+          <a:ln w="12700">
+            <a:miter lim="400000"/>
+          </a:ln>
+          <a:extLst>
+            <a:ext uri="{C572A759-6A51-4108-AA02-DFA0A04FC94B}">
+              <ma14:wrappingTextBoxFlag xmlns="" xmlns:m="http://schemas.openxmlformats.org/officeDocument/2006/math" xmlns:a14="http://schemas.microsoft.com/office/drawing/2010/main" xmlns:ma14="http://schemas.microsoft.com/office/mac/drawingml/2011/main" val="1"/>
+            </a:ext>
+          </a:extLst>
+        </p:spPr>
+        <p:txBody>
+          <a:bodyPr wrap="none" lIns="25400" tIns="25400" rIns="25400" bIns="25400" anchor="ctr">
+            <a:spAutoFit/>
+          </a:bodyPr>
+          <a:lstStyle>
+            <a:lvl1pPr>
+              <a:defRPr sz="3000"/>
+            </a:lvl1pPr>
+          </a:lstStyle>
+          <a:p>
+            <a:r>
+              <a:rPr sz="1500"/>
+              <a:t>vst</a:t>
+            </a:r>
+          </a:p>
+        </p:txBody>
+      </p:sp>
+      <p:sp>
+        <p:nvSpPr>
+          <p:cNvPr id="560" name="rlog"/>
+          <p:cNvSpPr txBox="1"/>
+          <p:nvPr/>
+        </p:nvSpPr>
+        <p:spPr>
+          <a:xfrm>
+            <a:off x="9203325" y="1892180"/>
+            <a:ext cx="354264" cy="282129"/>
+          </a:xfrm>
+          <a:prstGeom prst="rect">
+            <a:avLst/>
+          </a:prstGeom>
+          <a:ln w="12700">
+            <a:miter lim="400000"/>
+          </a:ln>
+          <a:extLst>
+            <a:ext uri="{C572A759-6A51-4108-AA02-DFA0A04FC94B}">
+              <ma14:wrappingTextBoxFlag xmlns="" xmlns:m="http://schemas.openxmlformats.org/officeDocument/2006/math" xmlns:a14="http://schemas.microsoft.com/office/drawing/2010/main" xmlns:ma14="http://schemas.microsoft.com/office/mac/drawingml/2011/main" val="1"/>
+            </a:ext>
+          </a:extLst>
+        </p:spPr>
+        <p:txBody>
+          <a:bodyPr wrap="none" lIns="25400" tIns="25400" rIns="25400" bIns="25400" anchor="ctr">
+            <a:spAutoFit/>
+          </a:bodyPr>
+          <a:lstStyle>
+            <a:lvl1pPr>
+              <a:defRPr sz="3000"/>
+            </a:lvl1pPr>
+          </a:lstStyle>
+          <a:p>
+            <a:r>
+              <a:rPr sz="1500"/>
+              <a:t>rlog</a:t>
+            </a:r>
+          </a:p>
+        </p:txBody>
+      </p:sp>
+      <p:sp>
+        <p:nvSpPr>
+          <p:cNvPr id="561" name="Data transformations"/>
+          <p:cNvSpPr txBox="1"/>
+          <p:nvPr/>
+        </p:nvSpPr>
+        <p:spPr>
+          <a:xfrm>
+            <a:off x="1424363" y="629114"/>
+            <a:ext cx="9035615" cy="420628"/>
+          </a:xfrm>
+          <a:prstGeom prst="rect">
+            <a:avLst/>
+          </a:prstGeom>
+          <a:ln w="12700">
+            <a:miter lim="400000"/>
+          </a:ln>
+          <a:extLst>
+            <a:ext uri="{C572A759-6A51-4108-AA02-DFA0A04FC94B}">
+              <ma14:wrappingTextBoxFlag xmlns="" xmlns:m="http://schemas.openxmlformats.org/officeDocument/2006/math" xmlns:a14="http://schemas.microsoft.com/office/drawing/2010/main" xmlns:ma14="http://schemas.microsoft.com/office/mac/drawingml/2011/main" val="1"/>
+            </a:ext>
+          </a:extLst>
+        </p:spPr>
+        <p:txBody>
+          <a:bodyPr wrap="none" lIns="25400" tIns="25400" rIns="25400" bIns="25400" anchor="ctr">
+            <a:spAutoFit/>
+          </a:bodyPr>
+          <a:lstStyle>
+            <a:lvl1pPr>
+              <a:defRPr sz="4800"/>
+            </a:lvl1pPr>
+          </a:lstStyle>
+          <a:p>
+            <a:r>
+              <a:rPr sz="2400" dirty="0"/>
+              <a:t>Data transformations</a:t>
+            </a:r>
+            <a:r>
+              <a:rPr lang="en-US" sz="2400" dirty="0"/>
+              <a:t> – how to transform data for visualization purposes</a:t>
+            </a:r>
+            <a:endParaRPr sz="2400" dirty="0"/>
           </a:p>
         </p:txBody>
       </p:sp>
@@ -7092,14 +9515,14 @@
       </p:grpSpPr>
       <p:sp>
         <p:nvSpPr>
-          <p:cNvPr id="583" name="blind = T"/>
+          <p:cNvPr id="571" name="A better way - rlog and VST"/>
           <p:cNvSpPr txBox="1"/>
           <p:nvPr/>
         </p:nvSpPr>
         <p:spPr>
           <a:xfrm>
-            <a:off x="5392966" y="1637186"/>
-            <a:ext cx="453650" cy="189796"/>
+            <a:off x="4077691" y="205624"/>
+            <a:ext cx="3507563" cy="420628"/>
           </a:xfrm>
           <a:prstGeom prst="rect">
             <a:avLst/>
@@ -7109,7 +9532,47 @@
           </a:ln>
           <a:extLst>
             <a:ext uri="{C572A759-6A51-4108-AA02-DFA0A04FC94B}">
-              <ma14:wrappingTextBoxFlag xmlns:ma14="http://schemas.microsoft.com/office/mac/drawingml/2011/main" xmlns:a14="http://schemas.microsoft.com/office/drawing/2010/main" xmlns:m="http://schemas.openxmlformats.org/officeDocument/2006/math" xmlns="" val="1"/>
+              <ma14:wrappingTextBoxFlag xmlns="" xmlns:m="http://schemas.openxmlformats.org/officeDocument/2006/math" xmlns:a14="http://schemas.microsoft.com/office/drawing/2010/main" xmlns:ma14="http://schemas.microsoft.com/office/mac/drawingml/2011/main" val="1"/>
+            </a:ext>
+          </a:extLst>
+        </p:spPr>
+        <p:txBody>
+          <a:bodyPr wrap="none" lIns="25400" tIns="25400" rIns="25400" bIns="25400" anchor="ctr">
+            <a:spAutoFit/>
+          </a:bodyPr>
+          <a:lstStyle>
+            <a:lvl1pPr>
+              <a:defRPr sz="4800" b="1"/>
+            </a:lvl1pPr>
+          </a:lstStyle>
+          <a:p>
+            <a:r>
+              <a:rPr sz="2400"/>
+              <a:t>A better way - rlog and VST</a:t>
+            </a:r>
+          </a:p>
+        </p:txBody>
+      </p:sp>
+      <p:sp>
+        <p:nvSpPr>
+          <p:cNvPr id="572" name="Sample1"/>
+          <p:cNvSpPr txBox="1"/>
+          <p:nvPr/>
+        </p:nvSpPr>
+        <p:spPr>
+          <a:xfrm>
+            <a:off x="2144419" y="4638275"/>
+            <a:ext cx="455253" cy="189796"/>
+          </a:xfrm>
+          <a:prstGeom prst="rect">
+            <a:avLst/>
+          </a:prstGeom>
+          <a:ln w="12700">
+            <a:miter lim="400000"/>
+          </a:ln>
+          <a:extLst>
+            <a:ext uri="{C572A759-6A51-4108-AA02-DFA0A04FC94B}">
+              <ma14:wrappingTextBoxFlag xmlns="" xmlns:m="http://schemas.openxmlformats.org/officeDocument/2006/math" xmlns:a14="http://schemas.microsoft.com/office/drawing/2010/main" xmlns:ma14="http://schemas.microsoft.com/office/mac/drawingml/2011/main" val="1"/>
             </a:ext>
           </a:extLst>
         </p:spPr>
@@ -7121,29 +9584,21 @@
           <a:p>
             <a:r>
               <a:rPr sz="900"/>
-              <a:t>blind = T</a:t>
-            </a:r>
-          </a:p>
-        </p:txBody>
-      </p:sp>
-      <p:pic>
-        <p:nvPicPr>
-          <p:cNvPr id="584" name="Image" descr="Image"/>
-          <p:cNvPicPr>
-            <a:picLocks noChangeAspect="1"/>
-          </p:cNvPicPr>
-          <p:nvPr/>
-        </p:nvPicPr>
-        <p:blipFill>
-          <a:blip r:embed="rId2"/>
-          <a:stretch>
-            <a:fillRect/>
-          </a:stretch>
-        </p:blipFill>
-        <p:spPr>
-          <a:xfrm>
-            <a:off x="3071990" y="1872789"/>
-            <a:ext cx="5295901" cy="3867151"/>
+              <a:t>Sample1</a:t>
+            </a:r>
+          </a:p>
+        </p:txBody>
+      </p:sp>
+      <p:sp>
+        <p:nvSpPr>
+          <p:cNvPr id="573" name="Sample2"/>
+          <p:cNvSpPr txBox="1"/>
+          <p:nvPr/>
+        </p:nvSpPr>
+        <p:spPr>
+          <a:xfrm rot="16200000">
+            <a:off x="376061" y="3139857"/>
+            <a:ext cx="455253" cy="189796"/>
           </a:xfrm>
           <a:prstGeom prst="rect">
             <a:avLst/>
@@ -7151,11 +9606,148 @@
           <a:ln w="12700">
             <a:miter lim="400000"/>
           </a:ln>
-        </p:spPr>
-      </p:pic>
+          <a:extLst>
+            <a:ext uri="{C572A759-6A51-4108-AA02-DFA0A04FC94B}">
+              <ma14:wrappingTextBoxFlag xmlns="" xmlns:m="http://schemas.openxmlformats.org/officeDocument/2006/math" xmlns:a14="http://schemas.microsoft.com/office/drawing/2010/main" xmlns:ma14="http://schemas.microsoft.com/office/mac/drawingml/2011/main" val="1"/>
+            </a:ext>
+          </a:extLst>
+        </p:spPr>
+        <p:txBody>
+          <a:bodyPr wrap="none" lIns="25400" tIns="25400" rIns="25400" bIns="25400" anchor="ctr">
+            <a:spAutoFit/>
+          </a:bodyPr>
+          <a:lstStyle/>
+          <a:p>
+            <a:r>
+              <a:rPr sz="900"/>
+              <a:t>Sample2</a:t>
+            </a:r>
+          </a:p>
+        </p:txBody>
+      </p:sp>
+      <p:sp>
+        <p:nvSpPr>
+          <p:cNvPr id="574" name="At low expression…"/>
+          <p:cNvSpPr txBox="1"/>
+          <p:nvPr/>
+        </p:nvSpPr>
+        <p:spPr>
+          <a:xfrm>
+            <a:off x="1771877" y="5081552"/>
+            <a:ext cx="977832" cy="328295"/>
+          </a:xfrm>
+          <a:prstGeom prst="rect">
+            <a:avLst/>
+          </a:prstGeom>
+          <a:ln w="12700">
+            <a:miter lim="400000"/>
+          </a:ln>
+          <a:extLst>
+            <a:ext uri="{C572A759-6A51-4108-AA02-DFA0A04FC94B}">
+              <ma14:wrappingTextBoxFlag xmlns="" xmlns:m="http://schemas.openxmlformats.org/officeDocument/2006/math" xmlns:a14="http://schemas.microsoft.com/office/drawing/2010/main" xmlns:ma14="http://schemas.microsoft.com/office/mac/drawingml/2011/main" val="1"/>
+            </a:ext>
+          </a:extLst>
+        </p:spPr>
+        <p:txBody>
+          <a:bodyPr wrap="none" lIns="25400" tIns="25400" rIns="25400" bIns="25400" anchor="ctr">
+            <a:spAutoFit/>
+          </a:bodyPr>
+          <a:lstStyle/>
+          <a:p>
+            <a:r>
+              <a:rPr sz="900"/>
+              <a:t>At low expression</a:t>
+            </a:r>
+          </a:p>
+          <a:p>
+            <a:r>
+              <a:rPr sz="900"/>
+              <a:t>Noise is dominating</a:t>
+            </a:r>
+          </a:p>
+        </p:txBody>
+      </p:sp>
+      <p:sp>
+        <p:nvSpPr>
+          <p:cNvPr id="575" name="Better,…"/>
+          <p:cNvSpPr txBox="1"/>
+          <p:nvPr/>
+        </p:nvSpPr>
+        <p:spPr>
+          <a:xfrm>
+            <a:off x="4599889" y="5159094"/>
+            <a:ext cx="2050241" cy="328295"/>
+          </a:xfrm>
+          <a:prstGeom prst="rect">
+            <a:avLst/>
+          </a:prstGeom>
+          <a:ln w="12700">
+            <a:miter lim="400000"/>
+          </a:ln>
+          <a:extLst>
+            <a:ext uri="{C572A759-6A51-4108-AA02-DFA0A04FC94B}">
+              <ma14:wrappingTextBoxFlag xmlns="" xmlns:m="http://schemas.openxmlformats.org/officeDocument/2006/math" xmlns:a14="http://schemas.microsoft.com/office/drawing/2010/main" xmlns:ma14="http://schemas.microsoft.com/office/mac/drawingml/2011/main" val="1"/>
+            </a:ext>
+          </a:extLst>
+        </p:spPr>
+        <p:txBody>
+          <a:bodyPr wrap="none" lIns="25400" tIns="25400" rIns="25400" bIns="25400" anchor="ctr">
+            <a:spAutoFit/>
+          </a:bodyPr>
+          <a:lstStyle/>
+          <a:p>
+            <a:r>
+              <a:rPr sz="900"/>
+              <a:t>Better, </a:t>
+            </a:r>
+          </a:p>
+          <a:p>
+            <a:r>
+              <a:rPr sz="900"/>
+              <a:t>shifts expression of lower expressed genes</a:t>
+            </a:r>
+          </a:p>
+        </p:txBody>
+      </p:sp>
+      <p:sp>
+        <p:nvSpPr>
+          <p:cNvPr id="576" name="Sample1"/>
+          <p:cNvSpPr txBox="1"/>
+          <p:nvPr/>
+        </p:nvSpPr>
+        <p:spPr>
+          <a:xfrm>
+            <a:off x="5167329" y="4638275"/>
+            <a:ext cx="455253" cy="189796"/>
+          </a:xfrm>
+          <a:prstGeom prst="rect">
+            <a:avLst/>
+          </a:prstGeom>
+          <a:ln w="12700">
+            <a:miter lim="400000"/>
+          </a:ln>
+          <a:extLst>
+            <a:ext uri="{C572A759-6A51-4108-AA02-DFA0A04FC94B}">
+              <ma14:wrappingTextBoxFlag xmlns="" xmlns:m="http://schemas.openxmlformats.org/officeDocument/2006/math" xmlns:a14="http://schemas.microsoft.com/office/drawing/2010/main" xmlns:ma14="http://schemas.microsoft.com/office/mac/drawingml/2011/main" val="1"/>
+            </a:ext>
+          </a:extLst>
+        </p:spPr>
+        <p:txBody>
+          <a:bodyPr wrap="none" lIns="25400" tIns="25400" rIns="25400" bIns="25400" anchor="ctr">
+            <a:spAutoFit/>
+          </a:bodyPr>
+          <a:lstStyle/>
+          <a:p>
+            <a:r>
+              <a:rPr sz="900"/>
+              <a:t>Sample1</a:t>
+            </a:r>
+          </a:p>
+        </p:txBody>
+      </p:sp>
       <p:pic>
         <p:nvPicPr>
-          <p:cNvPr id="585" name="Image" descr="Image"/>
+          <p:cNvPr id="577" name="Image" descr="Image"/>
           <p:cNvPicPr>
             <a:picLocks noChangeAspect="1"/>
           </p:cNvPicPr>
@@ -7169,8 +9761,8 @@
         </p:blipFill>
         <p:spPr>
           <a:xfrm>
-            <a:off x="3077984" y="358157"/>
-            <a:ext cx="6036032" cy="876199"/>
+            <a:off x="1239905" y="1262552"/>
+            <a:ext cx="10200260" cy="3789323"/>
           </a:xfrm>
           <a:prstGeom prst="rect">
             <a:avLst/>
@@ -7180,6 +9772,86 @@
           </a:ln>
         </p:spPr>
       </p:pic>
+      <p:sp>
+        <p:nvSpPr>
+          <p:cNvPr id="578" name="Oval"/>
+          <p:cNvSpPr/>
+          <p:nvPr/>
+        </p:nvSpPr>
+        <p:spPr>
+          <a:xfrm>
+            <a:off x="1977978" y="3122577"/>
+            <a:ext cx="1212952" cy="1338810"/>
+          </a:xfrm>
+          <a:prstGeom prst="ellipse">
+            <a:avLst/>
+          </a:prstGeom>
+          <a:ln w="38100">
+            <a:solidFill>
+              <a:schemeClr val="accent5">
+                <a:hueOff val="-82419"/>
+                <a:satOff val="-9513"/>
+                <a:lumOff val="-16343"/>
+              </a:schemeClr>
+            </a:solidFill>
+            <a:miter lim="400000"/>
+          </a:ln>
+        </p:spPr>
+        <p:txBody>
+          <a:bodyPr lIns="25400" tIns="25400" rIns="25400" bIns="25400" anchor="ctr"/>
+          <a:lstStyle/>
+          <a:p>
+            <a:pPr defTabSz="412750">
+              <a:defRPr sz="3200">
+                <a:solidFill>
+                  <a:srgbClr val="FFFFFF"/>
+                </a:solidFill>
+                <a:latin typeface="Helvetica Neue Medium"/>
+                <a:ea typeface="Helvetica Neue Medium"/>
+                <a:cs typeface="Helvetica Neue Medium"/>
+                <a:sym typeface="Helvetica Neue Medium"/>
+              </a:defRPr>
+            </a:pPr>
+            <a:endParaRPr sz="1600"/>
+          </a:p>
+        </p:txBody>
+      </p:sp>
+      <p:sp>
+        <p:nvSpPr>
+          <p:cNvPr id="579" name="Shrinks low counts"/>
+          <p:cNvSpPr txBox="1"/>
+          <p:nvPr/>
+        </p:nvSpPr>
+        <p:spPr>
+          <a:xfrm>
+            <a:off x="8188461" y="5228343"/>
+            <a:ext cx="952184" cy="189796"/>
+          </a:xfrm>
+          <a:prstGeom prst="rect">
+            <a:avLst/>
+          </a:prstGeom>
+          <a:ln w="12700">
+            <a:miter lim="400000"/>
+          </a:ln>
+          <a:extLst>
+            <a:ext uri="{C572A759-6A51-4108-AA02-DFA0A04FC94B}">
+              <ma14:wrappingTextBoxFlag xmlns="" xmlns:m="http://schemas.openxmlformats.org/officeDocument/2006/math" xmlns:a14="http://schemas.microsoft.com/office/drawing/2010/main" xmlns:ma14="http://schemas.microsoft.com/office/mac/drawingml/2011/main" val="1"/>
+            </a:ext>
+          </a:extLst>
+        </p:spPr>
+        <p:txBody>
+          <a:bodyPr wrap="none" lIns="25400" tIns="25400" rIns="25400" bIns="25400" anchor="ctr">
+            <a:spAutoFit/>
+          </a:bodyPr>
+          <a:lstStyle/>
+          <a:p>
+            <a:r>
+              <a:rPr sz="900"/>
+              <a:t>Shrinks low counts </a:t>
+            </a:r>
+          </a:p>
+        </p:txBody>
+      </p:sp>
     </p:spTree>
   </p:cSld>
   <p:clrMapOvr>
@@ -7207,14 +9879,14 @@
       </p:grpSpPr>
       <p:sp>
         <p:nvSpPr>
-          <p:cNvPr id="587" name="blind = T"/>
+          <p:cNvPr id="565" name="vst and rlog transformations"/>
           <p:cNvSpPr txBox="1"/>
           <p:nvPr/>
         </p:nvSpPr>
         <p:spPr>
           <a:xfrm>
-            <a:off x="2789196" y="1617100"/>
-            <a:ext cx="453650" cy="189796"/>
+            <a:off x="4010177" y="294244"/>
+            <a:ext cx="3659271" cy="420628"/>
           </a:xfrm>
           <a:prstGeom prst="rect">
             <a:avLst/>
@@ -7224,7 +9896,7 @@
           </a:ln>
           <a:extLst>
             <a:ext uri="{C572A759-6A51-4108-AA02-DFA0A04FC94B}">
-              <ma14:wrappingTextBoxFlag xmlns:ma14="http://schemas.microsoft.com/office/mac/drawingml/2011/main" xmlns:a14="http://schemas.microsoft.com/office/drawing/2010/main" xmlns:m="http://schemas.openxmlformats.org/officeDocument/2006/math" xmlns="" val="1"/>
+              <ma14:wrappingTextBoxFlag xmlns="" xmlns:m="http://schemas.openxmlformats.org/officeDocument/2006/math" xmlns:a14="http://schemas.microsoft.com/office/drawing/2010/main" xmlns:ma14="http://schemas.microsoft.com/office/mac/drawingml/2011/main" val="1"/>
             </a:ext>
           </a:extLst>
         </p:spPr>
@@ -7232,45 +9904,22 @@
           <a:bodyPr wrap="none" lIns="25400" tIns="25400" rIns="25400" bIns="25400" anchor="ctr">
             <a:spAutoFit/>
           </a:bodyPr>
-          <a:lstStyle/>
-          <a:p>
-            <a:r>
-              <a:rPr sz="900"/>
-              <a:t>blind = T</a:t>
+          <a:lstStyle>
+            <a:lvl1pPr>
+              <a:defRPr sz="4800" b="1"/>
+            </a:lvl1pPr>
+          </a:lstStyle>
+          <a:p>
+            <a:r>
+              <a:rPr sz="2400"/>
+              <a:t>vst and rlog transformations</a:t>
             </a:r>
           </a:p>
         </p:txBody>
       </p:sp>
       <p:pic>
         <p:nvPicPr>
-          <p:cNvPr id="588" name="Image" descr="Image"/>
-          <p:cNvPicPr>
-            <a:picLocks noChangeAspect="1"/>
-          </p:cNvPicPr>
-          <p:nvPr/>
-        </p:nvPicPr>
-        <p:blipFill>
-          <a:blip r:embed="rId2"/>
-          <a:stretch>
-            <a:fillRect/>
-          </a:stretch>
-        </p:blipFill>
-        <p:spPr>
-          <a:xfrm>
-            <a:off x="711924" y="1772361"/>
-            <a:ext cx="5295901" cy="3867151"/>
-          </a:xfrm>
-          <a:prstGeom prst="rect">
-            <a:avLst/>
-          </a:prstGeom>
-          <a:ln w="12700">
-            <a:miter lim="400000"/>
-          </a:ln>
-        </p:spPr>
-      </p:pic>
-      <p:pic>
-        <p:nvPicPr>
-          <p:cNvPr id="589" name="Image" descr="Image"/>
+          <p:cNvPr id="566" name="Image" descr="Image"/>
           <p:cNvPicPr>
             <a:picLocks noChangeAspect="1"/>
           </p:cNvPicPr>
@@ -7284,8 +9933,8 @@
         </p:blipFill>
         <p:spPr>
           <a:xfrm>
-            <a:off x="6352170" y="1731086"/>
-            <a:ext cx="5264151" cy="3949701"/>
+            <a:off x="6839995" y="913619"/>
+            <a:ext cx="4549358" cy="5190934"/>
           </a:xfrm>
           <a:prstGeom prst="rect">
             <a:avLst/>
@@ -7295,45 +9944,9 @@
           </a:ln>
         </p:spPr>
       </p:pic>
-      <p:sp>
-        <p:nvSpPr>
-          <p:cNvPr id="590" name="blind = F"/>
-          <p:cNvSpPr txBox="1"/>
-          <p:nvPr/>
-        </p:nvSpPr>
-        <p:spPr>
-          <a:xfrm>
-            <a:off x="8214174" y="1617100"/>
-            <a:ext cx="450444" cy="189796"/>
-          </a:xfrm>
-          <a:prstGeom prst="rect">
-            <a:avLst/>
-          </a:prstGeom>
-          <a:ln w="12700">
-            <a:miter lim="400000"/>
-          </a:ln>
-          <a:extLst>
-            <a:ext uri="{C572A759-6A51-4108-AA02-DFA0A04FC94B}">
-              <ma14:wrappingTextBoxFlag xmlns:ma14="http://schemas.microsoft.com/office/mac/drawingml/2011/main" xmlns:a14="http://schemas.microsoft.com/office/drawing/2010/main" xmlns:m="http://schemas.openxmlformats.org/officeDocument/2006/math" xmlns="" val="1"/>
-            </a:ext>
-          </a:extLst>
-        </p:spPr>
-        <p:txBody>
-          <a:bodyPr wrap="none" lIns="25400" tIns="25400" rIns="25400" bIns="25400" anchor="ctr">
-            <a:spAutoFit/>
-          </a:bodyPr>
-          <a:lstStyle/>
-          <a:p>
-            <a:r>
-              <a:rPr sz="900"/>
-              <a:t>blind = F</a:t>
-            </a:r>
-          </a:p>
-        </p:txBody>
-      </p:sp>
       <p:pic>
         <p:nvPicPr>
-          <p:cNvPr id="591" name="Image" descr="Image"/>
+          <p:cNvPr id="567" name="Image" descr="Image"/>
           <p:cNvPicPr>
             <a:picLocks noChangeAspect="1"/>
           </p:cNvPicPr>
@@ -7347,8 +9960,8 @@
         </p:blipFill>
         <p:spPr>
           <a:xfrm>
-            <a:off x="3077984" y="358157"/>
-            <a:ext cx="6036032" cy="876199"/>
+            <a:off x="532833" y="817508"/>
+            <a:ext cx="5730116" cy="5383156"/>
           </a:xfrm>
           <a:prstGeom prst="rect">
             <a:avLst/>
